--- a/docs/FITNESS APP (1).pptx
+++ b/docs/FITNESS APP (1).pptx
@@ -215,7 +215,7 @@
           <a:p>
             <a:fld id="{FF60E03C-F7DB-42EE-85AD-AF316A830947}" type="datetimeFigureOut">
               <a:rPr lang="it-IT" smtClean="0"/>
-              <a:t>05/05/2023</a:t>
+              <a:t>07/05/2023</a:t>
             </a:fld>
             <a:endParaRPr lang="it-IT"/>
           </a:p>
@@ -629,7 +629,7 @@
           <a:p>
             <a:fld id="{6256FDE4-94EA-4F0F-B2A7-69410F342238}" type="datetimeFigureOut">
               <a:rPr lang="it-IT" smtClean="0"/>
-              <a:t>05/05/2023</a:t>
+              <a:t>07/05/2023</a:t>
             </a:fld>
             <a:endParaRPr lang="it-IT"/>
           </a:p>
@@ -827,7 +827,7 @@
           <a:p>
             <a:fld id="{6256FDE4-94EA-4F0F-B2A7-69410F342238}" type="datetimeFigureOut">
               <a:rPr lang="it-IT" smtClean="0"/>
-              <a:t>05/05/2023</a:t>
+              <a:t>07/05/2023</a:t>
             </a:fld>
             <a:endParaRPr lang="it-IT"/>
           </a:p>
@@ -1035,7 +1035,7 @@
           <a:p>
             <a:fld id="{6256FDE4-94EA-4F0F-B2A7-69410F342238}" type="datetimeFigureOut">
               <a:rPr lang="it-IT" smtClean="0"/>
-              <a:t>05/05/2023</a:t>
+              <a:t>07/05/2023</a:t>
             </a:fld>
             <a:endParaRPr lang="it-IT"/>
           </a:p>
@@ -1233,7 +1233,7 @@
           <a:p>
             <a:fld id="{6256FDE4-94EA-4F0F-B2A7-69410F342238}" type="datetimeFigureOut">
               <a:rPr lang="it-IT" smtClean="0"/>
-              <a:t>05/05/2023</a:t>
+              <a:t>07/05/2023</a:t>
             </a:fld>
             <a:endParaRPr lang="it-IT"/>
           </a:p>
@@ -1508,7 +1508,7 @@
           <a:p>
             <a:fld id="{6256FDE4-94EA-4F0F-B2A7-69410F342238}" type="datetimeFigureOut">
               <a:rPr lang="it-IT" smtClean="0"/>
-              <a:t>05/05/2023</a:t>
+              <a:t>07/05/2023</a:t>
             </a:fld>
             <a:endParaRPr lang="it-IT"/>
           </a:p>
@@ -1773,7 +1773,7 @@
           <a:p>
             <a:fld id="{6256FDE4-94EA-4F0F-B2A7-69410F342238}" type="datetimeFigureOut">
               <a:rPr lang="it-IT" smtClean="0"/>
-              <a:t>05/05/2023</a:t>
+              <a:t>07/05/2023</a:t>
             </a:fld>
             <a:endParaRPr lang="it-IT"/>
           </a:p>
@@ -2185,7 +2185,7 @@
           <a:p>
             <a:fld id="{6256FDE4-94EA-4F0F-B2A7-69410F342238}" type="datetimeFigureOut">
               <a:rPr lang="it-IT" smtClean="0"/>
-              <a:t>05/05/2023</a:t>
+              <a:t>07/05/2023</a:t>
             </a:fld>
             <a:endParaRPr lang="it-IT"/>
           </a:p>
@@ -2326,7 +2326,7 @@
           <a:p>
             <a:fld id="{6256FDE4-94EA-4F0F-B2A7-69410F342238}" type="datetimeFigureOut">
               <a:rPr lang="it-IT" smtClean="0"/>
-              <a:t>05/05/2023</a:t>
+              <a:t>07/05/2023</a:t>
             </a:fld>
             <a:endParaRPr lang="it-IT"/>
           </a:p>
@@ -2439,7 +2439,7 @@
           <a:p>
             <a:fld id="{6256FDE4-94EA-4F0F-B2A7-69410F342238}" type="datetimeFigureOut">
               <a:rPr lang="it-IT" smtClean="0"/>
-              <a:t>05/05/2023</a:t>
+              <a:t>07/05/2023</a:t>
             </a:fld>
             <a:endParaRPr lang="it-IT"/>
           </a:p>
@@ -2750,7 +2750,7 @@
           <a:p>
             <a:fld id="{6256FDE4-94EA-4F0F-B2A7-69410F342238}" type="datetimeFigureOut">
               <a:rPr lang="it-IT" smtClean="0"/>
-              <a:t>05/05/2023</a:t>
+              <a:t>07/05/2023</a:t>
             </a:fld>
             <a:endParaRPr lang="it-IT"/>
           </a:p>
@@ -3038,7 +3038,7 @@
           <a:p>
             <a:fld id="{6256FDE4-94EA-4F0F-B2A7-69410F342238}" type="datetimeFigureOut">
               <a:rPr lang="it-IT" smtClean="0"/>
-              <a:t>05/05/2023</a:t>
+              <a:t>07/05/2023</a:t>
             </a:fld>
             <a:endParaRPr lang="it-IT"/>
           </a:p>
@@ -3279,7 +3279,7 @@
           <a:p>
             <a:fld id="{6256FDE4-94EA-4F0F-B2A7-69410F342238}" type="datetimeFigureOut">
               <a:rPr lang="it-IT" smtClean="0"/>
-              <a:t>05/05/2023</a:t>
+              <a:t>07/05/2023</a:t>
             </a:fld>
             <a:endParaRPr lang="it-IT"/>
           </a:p>
@@ -4562,11 +4562,13 @@
         </p:nvSpPr>
         <p:spPr/>
         <p:txBody>
-          <a:bodyPr/>
+          <a:bodyPr>
+            <a:normAutofit/>
+          </a:bodyPr>
           <a:lstStyle/>
           <a:p>
             <a:r>
-              <a:rPr lang="it-IT" dirty="0"/>
+              <a:rPr lang="it-IT" sz="5000" b="1" dirty="0"/>
               <a:t>Architettura</a:t>
             </a:r>
           </a:p>
@@ -4588,9 +4590,16 @@
             <p:ph idx="1"/>
           </p:nvPr>
         </p:nvSpPr>
-        <p:spPr/>
-        <p:txBody>
-          <a:bodyPr/>
+        <p:spPr>
+          <a:xfrm>
+            <a:off x="643813" y="1586204"/>
+            <a:ext cx="10709988" cy="5075853"/>
+          </a:xfrm>
+        </p:spPr>
+        <p:txBody>
+          <a:bodyPr>
+            <a:noAutofit/>
+          </a:bodyPr>
           <a:lstStyle/>
           <a:p>
             <a:pPr marL="0" indent="0">
@@ -4606,22 +4615,22 @@
               <a:buNone/>
             </a:pPr>
             <a:r>
-              <a:rPr lang="it-IT" sz="1800" kern="0" dirty="0">
+              <a:rPr lang="it-IT" sz="2200" kern="0" dirty="0">
                 <a:solidFill>
                   <a:srgbClr val="1F2328"/>
                 </a:solidFill>
                 <a:effectLst/>
                 <a:latin typeface="Calibri Light" panose="020F0302020204030204" pitchFamily="34" charset="0"/>
-                <a:ea typeface="Times New Roman" panose="02020603050405020304" pitchFamily="18" charset="0"/>
-                <a:cs typeface="Times New Roman" panose="02020603050405020304" pitchFamily="18" charset="0"/>
+                <a:ea typeface="Calibri Light" panose="020F0302020204030204" pitchFamily="34" charset="0"/>
+                <a:cs typeface="Calibri Light" panose="020F0302020204030204" pitchFamily="34" charset="0"/>
               </a:rPr>
               <a:t>Durante lo sviluppo del software, si è deciso di mantenere l’architettura e il design il più semplici possibili per l’utilizzo da parte dell’utente per creare, gestire e visualizzare i vari dati di una scheda di allenamento.</a:t>
             </a:r>
-            <a:endParaRPr lang="it-IT" sz="1800" kern="100" dirty="0">
+            <a:endParaRPr lang="it-IT" sz="2200" kern="100" dirty="0">
               <a:effectLst/>
-              <a:latin typeface="Calibri" panose="020F0502020204030204" pitchFamily="34" charset="0"/>
-              <a:ea typeface="Calibri" panose="020F0502020204030204" pitchFamily="34" charset="0"/>
-              <a:cs typeface="Times New Roman" panose="02020603050405020304" pitchFamily="18" charset="0"/>
+              <a:latin typeface="Calibri Light" panose="020F0302020204030204" pitchFamily="34" charset="0"/>
+              <a:ea typeface="Calibri Light" panose="020F0302020204030204" pitchFamily="34" charset="0"/>
+              <a:cs typeface="Calibri Light" panose="020F0302020204030204" pitchFamily="34" charset="0"/>
             </a:endParaRPr>
           </a:p>
           <a:p>
@@ -4638,46 +4647,46 @@
               <a:buNone/>
             </a:pPr>
             <a:r>
-              <a:rPr lang="it-IT" sz="1800" kern="0" dirty="0">
+              <a:rPr lang="it-IT" sz="2200" kern="0" dirty="0">
                 <a:solidFill>
                   <a:srgbClr val="1F2328"/>
                 </a:solidFill>
                 <a:effectLst/>
                 <a:latin typeface="Calibri Light" panose="020F0302020204030204" pitchFamily="34" charset="0"/>
-                <a:ea typeface="Times New Roman" panose="02020603050405020304" pitchFamily="18" charset="0"/>
-                <a:cs typeface="Times New Roman" panose="02020603050405020304" pitchFamily="18" charset="0"/>
+                <a:ea typeface="Calibri Light" panose="020F0302020204030204" pitchFamily="34" charset="0"/>
+                <a:cs typeface="Calibri Light" panose="020F0302020204030204" pitchFamily="34" charset="0"/>
               </a:rPr>
               <a:t>Il pattern architetturale utilizzato durante la programmazione del software è stato il Model-</a:t>
             </a:r>
             <a:r>
-              <a:rPr lang="it-IT" sz="1800" kern="0" dirty="0" err="1">
+              <a:rPr lang="it-IT" sz="2200" kern="0" dirty="0" err="1">
                 <a:solidFill>
                   <a:srgbClr val="1F2328"/>
                 </a:solidFill>
                 <a:effectLst/>
                 <a:latin typeface="Calibri Light" panose="020F0302020204030204" pitchFamily="34" charset="0"/>
-                <a:ea typeface="Times New Roman" panose="02020603050405020304" pitchFamily="18" charset="0"/>
-                <a:cs typeface="Times New Roman" panose="02020603050405020304" pitchFamily="18" charset="0"/>
+                <a:ea typeface="Calibri Light" panose="020F0302020204030204" pitchFamily="34" charset="0"/>
+                <a:cs typeface="Calibri Light" panose="020F0302020204030204" pitchFamily="34" charset="0"/>
               </a:rPr>
               <a:t>View</a:t>
             </a:r>
             <a:r>
-              <a:rPr lang="it-IT" sz="1800" kern="0" dirty="0">
+              <a:rPr lang="it-IT" sz="2200" kern="0" dirty="0">
                 <a:solidFill>
                   <a:srgbClr val="1F2328"/>
                 </a:solidFill>
                 <a:effectLst/>
                 <a:latin typeface="Calibri Light" panose="020F0302020204030204" pitchFamily="34" charset="0"/>
-                <a:ea typeface="Times New Roman" panose="02020603050405020304" pitchFamily="18" charset="0"/>
-                <a:cs typeface="Times New Roman" panose="02020603050405020304" pitchFamily="18" charset="0"/>
+                <a:ea typeface="Calibri Light" panose="020F0302020204030204" pitchFamily="34" charset="0"/>
+                <a:cs typeface="Calibri Light" panose="020F0302020204030204" pitchFamily="34" charset="0"/>
               </a:rPr>
               <a:t>-Controller(MVC).</a:t>
             </a:r>
-            <a:endParaRPr lang="it-IT" sz="1800" kern="100" dirty="0">
+            <a:endParaRPr lang="it-IT" sz="2200" kern="100" dirty="0">
               <a:effectLst/>
-              <a:latin typeface="Calibri" panose="020F0502020204030204" pitchFamily="34" charset="0"/>
-              <a:ea typeface="Calibri" panose="020F0502020204030204" pitchFamily="34" charset="0"/>
-              <a:cs typeface="Times New Roman" panose="02020603050405020304" pitchFamily="18" charset="0"/>
+              <a:latin typeface="Calibri Light" panose="020F0302020204030204" pitchFamily="34" charset="0"/>
+              <a:ea typeface="Calibri Light" panose="020F0302020204030204" pitchFamily="34" charset="0"/>
+              <a:cs typeface="Calibri Light" panose="020F0302020204030204" pitchFamily="34" charset="0"/>
             </a:endParaRPr>
           </a:p>
           <a:p>
@@ -4694,22 +4703,22 @@
               <a:buNone/>
             </a:pPr>
             <a:r>
-              <a:rPr lang="it-IT" sz="1800" kern="0" dirty="0">
+              <a:rPr lang="it-IT" sz="2200" kern="0" dirty="0">
                 <a:solidFill>
                   <a:srgbClr val="1F2328"/>
                 </a:solidFill>
                 <a:effectLst/>
                 <a:latin typeface="Calibri Light" panose="020F0302020204030204" pitchFamily="34" charset="0"/>
-                <a:ea typeface="Times New Roman" panose="02020603050405020304" pitchFamily="18" charset="0"/>
-                <a:cs typeface="Times New Roman" panose="02020603050405020304" pitchFamily="18" charset="0"/>
+                <a:ea typeface="Calibri Light" panose="020F0302020204030204" pitchFamily="34" charset="0"/>
+                <a:cs typeface="Calibri Light" panose="020F0302020204030204" pitchFamily="34" charset="0"/>
               </a:rPr>
               <a:t>In questo pattern il modello rappresenta la parte del sistema che gestisce i dati e la logica del programma, la vista si occupa di far visualizzare i dati al cliente in modo che possano essere compresi nel migliore dei modi e infine il controller gestisce l’interazione tra il modello e la vista. </a:t>
             </a:r>
-            <a:endParaRPr lang="it-IT" sz="1800" kern="100" dirty="0">
+            <a:endParaRPr lang="it-IT" sz="2200" kern="100" dirty="0">
               <a:effectLst/>
-              <a:latin typeface="Calibri" panose="020F0502020204030204" pitchFamily="34" charset="0"/>
-              <a:ea typeface="Calibri" panose="020F0502020204030204" pitchFamily="34" charset="0"/>
-              <a:cs typeface="Times New Roman" panose="02020603050405020304" pitchFamily="18" charset="0"/>
+              <a:latin typeface="Calibri Light" panose="020F0302020204030204" pitchFamily="34" charset="0"/>
+              <a:ea typeface="Calibri Light" panose="020F0302020204030204" pitchFamily="34" charset="0"/>
+              <a:cs typeface="Calibri Light" panose="020F0302020204030204" pitchFamily="34" charset="0"/>
             </a:endParaRPr>
           </a:p>
           <a:p>
@@ -4726,53 +4735,57 @@
               <a:buNone/>
             </a:pPr>
             <a:r>
-              <a:rPr lang="it-IT" sz="1800" kern="0" dirty="0">
+              <a:rPr lang="it-IT" sz="2200" kern="0" dirty="0">
                 <a:solidFill>
                   <a:srgbClr val="1F2328"/>
                 </a:solidFill>
                 <a:effectLst/>
                 <a:latin typeface="Calibri Light" panose="020F0302020204030204" pitchFamily="34" charset="0"/>
-                <a:ea typeface="Times New Roman" panose="02020603050405020304" pitchFamily="18" charset="0"/>
-                <a:cs typeface="Times New Roman" panose="02020603050405020304" pitchFamily="18" charset="0"/>
+                <a:ea typeface="Calibri Light" panose="020F0302020204030204" pitchFamily="34" charset="0"/>
+                <a:cs typeface="Calibri Light" panose="020F0302020204030204" pitchFamily="34" charset="0"/>
               </a:rPr>
               <a:t>Il team utilizzando un modello Agile ha trovato più comodo utilizzare il pattern MVC, questo perché il model-</a:t>
             </a:r>
             <a:r>
-              <a:rPr lang="it-IT" sz="1800" kern="0" dirty="0" err="1">
+              <a:rPr lang="it-IT" sz="2200" kern="0" dirty="0" err="1">
                 <a:solidFill>
                   <a:srgbClr val="1F2328"/>
                 </a:solidFill>
                 <a:effectLst/>
                 <a:latin typeface="Calibri Light" panose="020F0302020204030204" pitchFamily="34" charset="0"/>
-                <a:ea typeface="Times New Roman" panose="02020603050405020304" pitchFamily="18" charset="0"/>
-                <a:cs typeface="Times New Roman" panose="02020603050405020304" pitchFamily="18" charset="0"/>
+                <a:ea typeface="Calibri Light" panose="020F0302020204030204" pitchFamily="34" charset="0"/>
+                <a:cs typeface="Calibri Light" panose="020F0302020204030204" pitchFamily="34" charset="0"/>
               </a:rPr>
               <a:t>view</a:t>
             </a:r>
             <a:r>
-              <a:rPr lang="it-IT" sz="1800" kern="0" dirty="0">
+              <a:rPr lang="it-IT" sz="2200" kern="0" dirty="0">
                 <a:solidFill>
                   <a:srgbClr val="1F2328"/>
                 </a:solidFill>
                 <a:effectLst/>
                 <a:latin typeface="Calibri Light" panose="020F0302020204030204" pitchFamily="34" charset="0"/>
-                <a:ea typeface="Times New Roman" panose="02020603050405020304" pitchFamily="18" charset="0"/>
-                <a:cs typeface="Times New Roman" panose="02020603050405020304" pitchFamily="18" charset="0"/>
+                <a:ea typeface="Calibri Light" panose="020F0302020204030204" pitchFamily="34" charset="0"/>
+                <a:cs typeface="Calibri Light" panose="020F0302020204030204" pitchFamily="34" charset="0"/>
               </a:rPr>
               <a:t>-controller aiuta a separare i compiti all’interno del sistema, in modo che ciascuna parte possa essere gestita separatamente.</a:t>
             </a:r>
-            <a:endParaRPr lang="it-IT" sz="1800" kern="100" dirty="0">
+            <a:endParaRPr lang="it-IT" sz="2200" kern="100" dirty="0">
               <a:effectLst/>
-              <a:latin typeface="Calibri" panose="020F0502020204030204" pitchFamily="34" charset="0"/>
-              <a:ea typeface="Calibri" panose="020F0502020204030204" pitchFamily="34" charset="0"/>
-              <a:cs typeface="Times New Roman" panose="02020603050405020304" pitchFamily="18" charset="0"/>
+              <a:latin typeface="Calibri Light" panose="020F0302020204030204" pitchFamily="34" charset="0"/>
+              <a:ea typeface="Calibri Light" panose="020F0302020204030204" pitchFamily="34" charset="0"/>
+              <a:cs typeface="Calibri Light" panose="020F0302020204030204" pitchFamily="34" charset="0"/>
             </a:endParaRPr>
           </a:p>
           <a:p>
             <a:pPr marL="0" indent="0">
               <a:buNone/>
             </a:pPr>
-            <a:endParaRPr lang="it-IT" dirty="0"/>
+            <a:endParaRPr lang="it-IT" sz="2200" dirty="0">
+              <a:latin typeface="Calibri Light" panose="020F0302020204030204" pitchFamily="34" charset="0"/>
+              <a:ea typeface="Calibri Light" panose="020F0302020204030204" pitchFamily="34" charset="0"/>
+              <a:cs typeface="Calibri Light" panose="020F0302020204030204" pitchFamily="34" charset="0"/>
+            </a:endParaRPr>
           </a:p>
         </p:txBody>
       </p:sp>
@@ -4824,11 +4837,13 @@
         </p:nvSpPr>
         <p:spPr/>
         <p:txBody>
-          <a:bodyPr/>
+          <a:bodyPr>
+            <a:normAutofit/>
+          </a:bodyPr>
           <a:lstStyle/>
           <a:p>
             <a:r>
-              <a:rPr lang="it-IT" dirty="0"/>
+              <a:rPr lang="it-IT" sz="5000" b="1" dirty="0"/>
               <a:t>Design pattern</a:t>
             </a:r>
           </a:p>
@@ -4852,27 +4867,41 @@
         </p:nvSpPr>
         <p:spPr>
           <a:xfrm>
-            <a:off x="457200" y="1399592"/>
-            <a:ext cx="10896600" cy="4777371"/>
+            <a:off x="457200" y="1690688"/>
+            <a:ext cx="10896600" cy="4486275"/>
           </a:xfrm>
         </p:spPr>
         <p:txBody>
-          <a:bodyPr/>
+          <a:bodyPr>
+            <a:normAutofit/>
+          </a:bodyPr>
           <a:lstStyle/>
           <a:p>
             <a:pPr marL="0" indent="0">
               <a:buNone/>
             </a:pPr>
             <a:r>
-              <a:rPr lang="it-IT" dirty="0"/>
+              <a:rPr lang="it-IT" sz="2200" dirty="0">
+                <a:latin typeface="Calibri Light" panose="020F0302020204030204" pitchFamily="34" charset="0"/>
+                <a:ea typeface="Calibri Light" panose="020F0302020204030204" pitchFamily="34" charset="0"/>
+                <a:cs typeface="Calibri Light" panose="020F0302020204030204" pitchFamily="34" charset="0"/>
+              </a:rPr>
               <a:t>Il team per lo sviluppo del codice ha deciso di utilizzare il pattern </a:t>
             </a:r>
             <a:r>
-              <a:rPr lang="it-IT" dirty="0" err="1"/>
+              <a:rPr lang="it-IT" sz="2200" dirty="0" err="1">
+                <a:latin typeface="Calibri Light" panose="020F0302020204030204" pitchFamily="34" charset="0"/>
+                <a:ea typeface="Calibri Light" panose="020F0302020204030204" pitchFamily="34" charset="0"/>
+                <a:cs typeface="Calibri Light" panose="020F0302020204030204" pitchFamily="34" charset="0"/>
+              </a:rPr>
               <a:t>Abstraction-Occurrence</a:t>
             </a:r>
             <a:r>
-              <a:rPr lang="it-IT" dirty="0"/>
+              <a:rPr lang="it-IT" sz="2200" dirty="0">
+                <a:latin typeface="Calibri Light" panose="020F0302020204030204" pitchFamily="34" charset="0"/>
+                <a:ea typeface="Calibri Light" panose="020F0302020204030204" pitchFamily="34" charset="0"/>
+                <a:cs typeface="Calibri Light" panose="020F0302020204030204" pitchFamily="34" charset="0"/>
+              </a:rPr>
               <a:t>, in quanto quando si hanno più occorrenze di oggetti simili, ossia che condividono alcuni attributi ma non tutti, si crea una superclasse astratta. </a:t>
             </a:r>
           </a:p>
@@ -4881,29 +4910,53 @@
               <a:buNone/>
             </a:pPr>
             <a:r>
-              <a:rPr lang="it-IT" dirty="0"/>
+              <a:rPr lang="it-IT" sz="2200" dirty="0">
+                <a:latin typeface="Calibri Light" panose="020F0302020204030204" pitchFamily="34" charset="0"/>
+                <a:ea typeface="Calibri Light" panose="020F0302020204030204" pitchFamily="34" charset="0"/>
+                <a:cs typeface="Calibri Light" panose="020F0302020204030204" pitchFamily="34" charset="0"/>
+              </a:rPr>
               <a:t>Nel nostro caso la classe astratta è esercizio e le classi simili che condividono questi attributi sono </a:t>
             </a:r>
             <a:r>
-              <a:rPr lang="it-IT" dirty="0" err="1"/>
+              <a:rPr lang="it-IT" sz="2200" dirty="0" err="1">
+                <a:latin typeface="Calibri Light" panose="020F0302020204030204" pitchFamily="34" charset="0"/>
+                <a:ea typeface="Calibri Light" panose="020F0302020204030204" pitchFamily="34" charset="0"/>
+                <a:cs typeface="Calibri Light" panose="020F0302020204030204" pitchFamily="34" charset="0"/>
+              </a:rPr>
               <a:t>EsercizioPesistica</a:t>
             </a:r>
             <a:r>
-              <a:rPr lang="it-IT" dirty="0"/>
+              <a:rPr lang="it-IT" sz="2200" dirty="0">
+                <a:latin typeface="Calibri Light" panose="020F0302020204030204" pitchFamily="34" charset="0"/>
+                <a:ea typeface="Calibri Light" panose="020F0302020204030204" pitchFamily="34" charset="0"/>
+                <a:cs typeface="Calibri Light" panose="020F0302020204030204" pitchFamily="34" charset="0"/>
+              </a:rPr>
               <a:t> e </a:t>
             </a:r>
             <a:r>
-              <a:rPr lang="it-IT" dirty="0" err="1"/>
+              <a:rPr lang="it-IT" sz="2200" dirty="0" err="1">
+                <a:latin typeface="Calibri Light" panose="020F0302020204030204" pitchFamily="34" charset="0"/>
+                <a:ea typeface="Calibri Light" panose="020F0302020204030204" pitchFamily="34" charset="0"/>
+                <a:cs typeface="Calibri Light" panose="020F0302020204030204" pitchFamily="34" charset="0"/>
+              </a:rPr>
               <a:t>EsercizioCardio</a:t>
             </a:r>
-            <a:endParaRPr lang="it-IT" dirty="0"/>
+            <a:endParaRPr lang="it-IT" sz="2200" dirty="0">
+              <a:latin typeface="Calibri Light" panose="020F0302020204030204" pitchFamily="34" charset="0"/>
+              <a:ea typeface="Calibri Light" panose="020F0302020204030204" pitchFamily="34" charset="0"/>
+              <a:cs typeface="Calibri Light" panose="020F0302020204030204" pitchFamily="34" charset="0"/>
+            </a:endParaRPr>
           </a:p>
           <a:p>
             <a:pPr marL="0" indent="0">
               <a:buNone/>
             </a:pPr>
             <a:r>
-              <a:rPr lang="it-IT" dirty="0"/>
+              <a:rPr lang="it-IT" sz="2200" dirty="0">
+                <a:latin typeface="Calibri Light" panose="020F0302020204030204" pitchFamily="34" charset="0"/>
+                <a:ea typeface="Calibri Light" panose="020F0302020204030204" pitchFamily="34" charset="0"/>
+                <a:cs typeface="Calibri Light" panose="020F0302020204030204" pitchFamily="34" charset="0"/>
+              </a:rPr>
               <a:t> </a:t>
             </a:r>
           </a:p>
@@ -4957,11 +5010,13 @@
         </p:nvSpPr>
         <p:spPr/>
         <p:txBody>
-          <a:bodyPr/>
+          <a:bodyPr>
+            <a:normAutofit/>
+          </a:bodyPr>
           <a:lstStyle/>
           <a:p>
             <a:r>
-              <a:rPr lang="it-IT" dirty="0"/>
+              <a:rPr lang="it-IT" sz="5000" b="1" dirty="0"/>
               <a:t>Modellazione</a:t>
             </a:r>
           </a:p>
@@ -5020,7 +5075,7 @@
         <p:spPr>
           <a:xfrm>
             <a:off x="1077613" y="2230016"/>
-            <a:ext cx="2901820" cy="553998"/>
+            <a:ext cx="2901820" cy="430887"/>
           </a:xfrm>
           <a:prstGeom prst="rect">
             <a:avLst/>
@@ -5034,14 +5089,20 @@
           <a:lstStyle/>
           <a:p>
             <a:r>
-              <a:rPr lang="it-IT" sz="3000" dirty="0"/>
+              <a:rPr lang="it-IT" sz="2200" dirty="0">
+                <a:latin typeface="+mj-lt"/>
+              </a:rPr>
               <a:t>Class </a:t>
             </a:r>
             <a:r>
-              <a:rPr lang="it-IT" sz="3000" dirty="0" err="1"/>
+              <a:rPr lang="it-IT" sz="2200" dirty="0" err="1">
+                <a:latin typeface="+mj-lt"/>
+              </a:rPr>
               <a:t>Diagram</a:t>
             </a:r>
-            <a:endParaRPr lang="it-IT" sz="3000" dirty="0"/>
+            <a:endParaRPr lang="it-IT" sz="2200" dirty="0">
+              <a:latin typeface="+mj-lt"/>
+            </a:endParaRPr>
           </a:p>
         </p:txBody>
       </p:sp>
@@ -5093,11 +5154,13 @@
         </p:nvSpPr>
         <p:spPr/>
         <p:txBody>
-          <a:bodyPr/>
+          <a:bodyPr>
+            <a:normAutofit/>
+          </a:bodyPr>
           <a:lstStyle/>
           <a:p>
             <a:r>
-              <a:rPr lang="it-IT" dirty="0"/>
+              <a:rPr lang="it-IT" sz="5000" b="1" dirty="0"/>
               <a:t>Modellazione</a:t>
             </a:r>
           </a:p>
@@ -5156,7 +5219,7 @@
         <p:spPr>
           <a:xfrm>
             <a:off x="989045" y="2192694"/>
-            <a:ext cx="2883159" cy="369332"/>
+            <a:ext cx="2883159" cy="430887"/>
           </a:xfrm>
           <a:prstGeom prst="rect">
             <a:avLst/>
@@ -5170,14 +5233,20 @@
           <a:lstStyle/>
           <a:p>
             <a:r>
-              <a:rPr lang="it-IT" dirty="0"/>
+              <a:rPr lang="it-IT" sz="2200" dirty="0">
+                <a:latin typeface="+mj-lt"/>
+              </a:rPr>
               <a:t>Use Case </a:t>
             </a:r>
             <a:r>
-              <a:rPr lang="it-IT" dirty="0" err="1"/>
+              <a:rPr lang="it-IT" sz="2200" dirty="0" err="1">
+                <a:latin typeface="+mj-lt"/>
+              </a:rPr>
               <a:t>Diagram</a:t>
             </a:r>
-            <a:endParaRPr lang="it-IT" dirty="0"/>
+            <a:endParaRPr lang="it-IT" sz="2200" dirty="0">
+              <a:latin typeface="+mj-lt"/>
+            </a:endParaRPr>
           </a:p>
         </p:txBody>
       </p:sp>
@@ -5229,11 +5298,13 @@
         </p:nvSpPr>
         <p:spPr/>
         <p:txBody>
-          <a:bodyPr/>
+          <a:bodyPr>
+            <a:normAutofit/>
+          </a:bodyPr>
           <a:lstStyle/>
           <a:p>
             <a:r>
-              <a:rPr lang="it-IT" dirty="0"/>
+              <a:rPr lang="it-IT" sz="5000" b="1" dirty="0"/>
               <a:t>Modellazione</a:t>
             </a:r>
           </a:p>
@@ -5292,7 +5363,7 @@
         <p:spPr>
           <a:xfrm>
             <a:off x="838200" y="2575249"/>
-            <a:ext cx="2511490" cy="369332"/>
+            <a:ext cx="2511490" cy="430887"/>
           </a:xfrm>
           <a:prstGeom prst="rect">
             <a:avLst/>
@@ -5306,14 +5377,20 @@
           <a:lstStyle/>
           <a:p>
             <a:r>
-              <a:rPr lang="it-IT" dirty="0"/>
+              <a:rPr lang="it-IT" sz="2200" dirty="0">
+                <a:latin typeface="+mj-lt"/>
+              </a:rPr>
               <a:t>Activity </a:t>
             </a:r>
             <a:r>
-              <a:rPr lang="it-IT" dirty="0" err="1"/>
+              <a:rPr lang="it-IT" sz="2200" dirty="0" err="1">
+                <a:latin typeface="+mj-lt"/>
+              </a:rPr>
               <a:t>Diagram</a:t>
             </a:r>
-            <a:endParaRPr lang="it-IT" dirty="0"/>
+            <a:endParaRPr lang="it-IT" sz="2200" dirty="0">
+              <a:latin typeface="+mj-lt"/>
+            </a:endParaRPr>
           </a:p>
         </p:txBody>
       </p:sp>
@@ -5365,18 +5442,18 @@
         </p:nvSpPr>
         <p:spPr>
           <a:xfrm>
-            <a:off x="838200" y="365125"/>
-            <a:ext cx="3491204" cy="503853"/>
+            <a:off x="373224" y="365125"/>
+            <a:ext cx="3862874" cy="399985"/>
           </a:xfrm>
         </p:spPr>
         <p:txBody>
           <a:bodyPr>
-            <a:normAutofit fontScale="90000"/>
+            <a:noAutofit/>
           </a:bodyPr>
           <a:lstStyle/>
           <a:p>
             <a:r>
-              <a:rPr lang="it-IT" dirty="0"/>
+              <a:rPr lang="it-IT" sz="5000" b="1" dirty="0"/>
               <a:t>Modellazione</a:t>
             </a:r>
           </a:p>
@@ -5434,8 +5511,8 @@
         </p:nvSpPr>
         <p:spPr>
           <a:xfrm>
-            <a:off x="989045" y="2183363"/>
-            <a:ext cx="2024743" cy="646331"/>
+            <a:off x="643813" y="2183363"/>
+            <a:ext cx="2369976" cy="769441"/>
           </a:xfrm>
           <a:prstGeom prst="rect">
             <a:avLst/>
@@ -5449,21 +5526,31 @@
           <a:lstStyle/>
           <a:p>
             <a:r>
-              <a:rPr lang="it-IT" dirty="0" err="1"/>
+              <a:rPr lang="it-IT" sz="2200" dirty="0" err="1">
+                <a:latin typeface="+mj-lt"/>
+              </a:rPr>
               <a:t>Sequence</a:t>
             </a:r>
             <a:r>
-              <a:rPr lang="it-IT" dirty="0"/>
+              <a:rPr lang="it-IT" sz="2200" dirty="0">
+                <a:latin typeface="+mj-lt"/>
+              </a:rPr>
               <a:t> </a:t>
             </a:r>
             <a:r>
-              <a:rPr lang="it-IT" dirty="0" err="1"/>
+              <a:rPr lang="it-IT" sz="2200" dirty="0" err="1">
+                <a:latin typeface="+mj-lt"/>
+              </a:rPr>
               <a:t>Diagram</a:t>
             </a:r>
-            <a:endParaRPr lang="it-IT" dirty="0"/>
-          </a:p>
-          <a:p>
-            <a:endParaRPr lang="it-IT" dirty="0"/>
+            <a:endParaRPr lang="it-IT" sz="2200" dirty="0">
+              <a:latin typeface="+mj-lt"/>
+            </a:endParaRPr>
+          </a:p>
+          <a:p>
+            <a:endParaRPr lang="it-IT" sz="2200" dirty="0">
+              <a:latin typeface="+mj-lt"/>
+            </a:endParaRPr>
           </a:p>
         </p:txBody>
       </p:sp>
@@ -5515,11 +5602,13 @@
         </p:nvSpPr>
         <p:spPr/>
         <p:txBody>
-          <a:bodyPr/>
+          <a:bodyPr>
+            <a:normAutofit/>
+          </a:bodyPr>
           <a:lstStyle/>
           <a:p>
             <a:r>
-              <a:rPr lang="it-IT" dirty="0"/>
+              <a:rPr lang="it-IT" sz="5000" b="1" dirty="0"/>
               <a:t>Modellazione</a:t>
             </a:r>
           </a:p>
@@ -5577,8 +5666,8 @@
         </p:nvSpPr>
         <p:spPr>
           <a:xfrm>
-            <a:off x="690465" y="2855167"/>
-            <a:ext cx="3069772" cy="369332"/>
+            <a:off x="465308" y="2855167"/>
+            <a:ext cx="2591669" cy="430887"/>
           </a:xfrm>
           <a:prstGeom prst="rect">
             <a:avLst/>
@@ -5592,14 +5681,20 @@
           <a:lstStyle/>
           <a:p>
             <a:r>
-              <a:rPr lang="it-IT" dirty="0"/>
+              <a:rPr lang="it-IT" sz="2200" dirty="0">
+                <a:latin typeface="+mj-lt"/>
+              </a:rPr>
               <a:t>State Chart </a:t>
             </a:r>
             <a:r>
-              <a:rPr lang="it-IT" dirty="0" err="1"/>
+              <a:rPr lang="it-IT" sz="2200" dirty="0" err="1">
+                <a:latin typeface="+mj-lt"/>
+              </a:rPr>
               <a:t>Diagram</a:t>
             </a:r>
-            <a:endParaRPr lang="it-IT" dirty="0"/>
+            <a:endParaRPr lang="it-IT" sz="2200" dirty="0">
+              <a:latin typeface="+mj-lt"/>
+            </a:endParaRPr>
           </a:p>
         </p:txBody>
       </p:sp>
@@ -5651,11 +5746,13 @@
         </p:nvSpPr>
         <p:spPr/>
         <p:txBody>
-          <a:bodyPr/>
+          <a:bodyPr>
+            <a:normAutofit/>
+          </a:bodyPr>
           <a:lstStyle/>
           <a:p>
             <a:r>
-              <a:rPr lang="it-IT" dirty="0"/>
+              <a:rPr lang="it-IT" sz="5000" b="1" dirty="0"/>
               <a:t>Implementazione</a:t>
             </a:r>
           </a:p>
@@ -5684,14 +5781,20 @@
           </a:xfrm>
         </p:spPr>
         <p:txBody>
-          <a:bodyPr/>
+          <a:bodyPr>
+            <a:normAutofit/>
+          </a:bodyPr>
           <a:lstStyle/>
           <a:p>
             <a:pPr marL="0" indent="0">
               <a:buNone/>
             </a:pPr>
             <a:r>
-              <a:rPr lang="it-IT" dirty="0"/>
+              <a:rPr lang="it-IT" sz="2200" dirty="0">
+                <a:latin typeface="Calibri Light" panose="020F0302020204030204" pitchFamily="34" charset="0"/>
+                <a:ea typeface="Calibri Light" panose="020F0302020204030204" pitchFamily="34" charset="0"/>
+                <a:cs typeface="Calibri Light" panose="020F0302020204030204" pitchFamily="34" charset="0"/>
+              </a:rPr>
               <a:t>Per la fase di codice legato a classi di funzionalità e oggetti, abbiamo usato java dividendo in vari package la struttura del progetto.</a:t>
             </a:r>
           </a:p>
@@ -5700,15 +5803,27 @@
               <a:buNone/>
             </a:pPr>
             <a:r>
-              <a:rPr lang="it-IT" dirty="0"/>
+              <a:rPr lang="it-IT" sz="2200" dirty="0">
+                <a:latin typeface="Calibri Light" panose="020F0302020204030204" pitchFamily="34" charset="0"/>
+                <a:ea typeface="Calibri Light" panose="020F0302020204030204" pitchFamily="34" charset="0"/>
+                <a:cs typeface="Calibri Light" panose="020F0302020204030204" pitchFamily="34" charset="0"/>
+              </a:rPr>
               <a:t>Come alternativa avremmo potuto utilizzare il linguaggio </a:t>
             </a:r>
             <a:r>
-              <a:rPr lang="it-IT" dirty="0" err="1"/>
+              <a:rPr lang="it-IT" sz="2200" dirty="0" err="1">
+                <a:latin typeface="Calibri Light" panose="020F0302020204030204" pitchFamily="34" charset="0"/>
+                <a:ea typeface="Calibri Light" panose="020F0302020204030204" pitchFamily="34" charset="0"/>
+                <a:cs typeface="Calibri Light" panose="020F0302020204030204" pitchFamily="34" charset="0"/>
+              </a:rPr>
               <a:t>kotlin</a:t>
             </a:r>
             <a:r>
-              <a:rPr lang="it-IT" dirty="0"/>
+              <a:rPr lang="it-IT" sz="2200" dirty="0">
+                <a:latin typeface="Calibri Light" panose="020F0302020204030204" pitchFamily="34" charset="0"/>
+                <a:ea typeface="Calibri Light" panose="020F0302020204030204" pitchFamily="34" charset="0"/>
+                <a:cs typeface="Calibri Light" panose="020F0302020204030204" pitchFamily="34" charset="0"/>
+              </a:rPr>
               <a:t>(anche più supportato rispetto a java, ma avrebbe richiesto una formazione ad hoc nel team).</a:t>
             </a:r>
           </a:p>
@@ -5717,15 +5832,27 @@
               <a:buNone/>
             </a:pPr>
             <a:r>
-              <a:rPr lang="it-IT" dirty="0"/>
+              <a:rPr lang="it-IT" sz="2200" dirty="0">
+                <a:latin typeface="Calibri Light" panose="020F0302020204030204" pitchFamily="34" charset="0"/>
+                <a:ea typeface="Calibri Light" panose="020F0302020204030204" pitchFamily="34" charset="0"/>
+                <a:cs typeface="Calibri Light" panose="020F0302020204030204" pitchFamily="34" charset="0"/>
+              </a:rPr>
               <a:t>Per l’implementazione della classe relativa al database è stata scritta sempre in java ma includendo righe di linguaggio </a:t>
             </a:r>
             <a:r>
-              <a:rPr lang="it-IT" dirty="0" err="1"/>
+              <a:rPr lang="it-IT" sz="2200" dirty="0" err="1">
+                <a:latin typeface="Calibri Light" panose="020F0302020204030204" pitchFamily="34" charset="0"/>
+                <a:ea typeface="Calibri Light" panose="020F0302020204030204" pitchFamily="34" charset="0"/>
+                <a:cs typeface="Calibri Light" panose="020F0302020204030204" pitchFamily="34" charset="0"/>
+              </a:rPr>
               <a:t>SQLite</a:t>
             </a:r>
             <a:r>
-              <a:rPr lang="it-IT" dirty="0"/>
+              <a:rPr lang="it-IT" sz="2200" dirty="0">
+                <a:latin typeface="Calibri Light" panose="020F0302020204030204" pitchFamily="34" charset="0"/>
+                <a:ea typeface="Calibri Light" panose="020F0302020204030204" pitchFamily="34" charset="0"/>
+                <a:cs typeface="Calibri Light" panose="020F0302020204030204" pitchFamily="34" charset="0"/>
+              </a:rPr>
               <a:t> per la creazione di tabelle, uso di join e update.</a:t>
             </a:r>
           </a:p>
@@ -5734,7 +5861,11 @@
               <a:buNone/>
             </a:pPr>
             <a:r>
-              <a:rPr lang="it-IT" dirty="0"/>
+              <a:rPr lang="it-IT" sz="2200" dirty="0">
+                <a:latin typeface="Calibri Light" panose="020F0302020204030204" pitchFamily="34" charset="0"/>
+                <a:ea typeface="Calibri Light" panose="020F0302020204030204" pitchFamily="34" charset="0"/>
+                <a:cs typeface="Calibri Light" panose="020F0302020204030204" pitchFamily="34" charset="0"/>
+              </a:rPr>
               <a:t>La parte relativa a UI è stata implementata con il metalinguaggio xml.  </a:t>
             </a:r>
           </a:p>
@@ -5788,44 +5919,50 @@
         </p:nvSpPr>
         <p:spPr/>
         <p:txBody>
-          <a:bodyPr/>
-          <a:lstStyle/>
-          <a:p>
-            <a:r>
-              <a:rPr lang="it-IT" dirty="0"/>
-              <a:t>Testing</a:t>
-            </a:r>
-          </a:p>
-        </p:txBody>
-      </p:sp>
-      <p:sp>
-        <p:nvSpPr>
-          <p:cNvPr id="3" name="Segnaposto contenuto 2">
-            <a:extLst>
-              <a:ext uri="{FF2B5EF4-FFF2-40B4-BE49-F238E27FC236}">
-                <a16:creationId xmlns:a16="http://schemas.microsoft.com/office/drawing/2014/main" id="{D0DEF06A-3CAE-AFCB-8570-F708E83A68F2}"/>
-              </a:ext>
-            </a:extLst>
-          </p:cNvPr>
-          <p:cNvSpPr>
-            <a:spLocks noGrp="1"/>
-          </p:cNvSpPr>
-          <p:nvPr>
-            <p:ph idx="1"/>
-          </p:nvPr>
-        </p:nvSpPr>
-        <p:spPr/>
-        <p:txBody>
           <a:bodyPr>
             <a:normAutofit/>
           </a:bodyPr>
           <a:lstStyle/>
           <a:p>
+            <a:r>
+              <a:rPr lang="it-IT" sz="5000" b="1" dirty="0"/>
+              <a:t>Testing</a:t>
+            </a:r>
+          </a:p>
+        </p:txBody>
+      </p:sp>
+      <p:sp>
+        <p:nvSpPr>
+          <p:cNvPr id="3" name="Segnaposto contenuto 2">
+            <a:extLst>
+              <a:ext uri="{FF2B5EF4-FFF2-40B4-BE49-F238E27FC236}">
+                <a16:creationId xmlns:a16="http://schemas.microsoft.com/office/drawing/2014/main" id="{D0DEF06A-3CAE-AFCB-8570-F708E83A68F2}"/>
+              </a:ext>
+            </a:extLst>
+          </p:cNvPr>
+          <p:cNvSpPr>
+            <a:spLocks noGrp="1"/>
+          </p:cNvSpPr>
+          <p:nvPr>
+            <p:ph idx="1"/>
+          </p:nvPr>
+        </p:nvSpPr>
+        <p:spPr/>
+        <p:txBody>
+          <a:bodyPr>
+            <a:normAutofit/>
+          </a:bodyPr>
+          <a:lstStyle/>
+          <a:p>
             <a:pPr marL="0" indent="0">
               <a:buNone/>
             </a:pPr>
             <a:r>
-              <a:rPr lang="it-IT" dirty="0"/>
+              <a:rPr lang="it-IT" sz="2200" dirty="0">
+                <a:latin typeface="Calibri Light" panose="020F0302020204030204" pitchFamily="34" charset="0"/>
+                <a:ea typeface="Calibri Light" panose="020F0302020204030204" pitchFamily="34" charset="0"/>
+                <a:cs typeface="Calibri Light" panose="020F0302020204030204" pitchFamily="34" charset="0"/>
+              </a:rPr>
               <a:t>Durante lo sviluppo il corretto funzionamento del codice è stato testato costantemente con test di esecuzione del programma per provare ad implementare le sue funzionalità.</a:t>
             </a:r>
           </a:p>
@@ -5834,7 +5971,11 @@
               <a:buNone/>
             </a:pPr>
             <a:r>
-              <a:rPr lang="it-IT" dirty="0"/>
+              <a:rPr lang="it-IT" sz="2200" dirty="0">
+                <a:latin typeface="Calibri Light" panose="020F0302020204030204" pitchFamily="34" charset="0"/>
+                <a:ea typeface="Calibri Light" panose="020F0302020204030204" pitchFamily="34" charset="0"/>
+                <a:cs typeface="Calibri Light" panose="020F0302020204030204" pitchFamily="34" charset="0"/>
+              </a:rPr>
               <a:t>Questo processo è stato aiutato particolarmente dalla scelta di inserire all'interno del codice un gran numero di messaggi di debug, i quali ci hanno avvisato in tempo reale nel momento in cui avviene una situazione di errore. </a:t>
             </a:r>
           </a:p>
@@ -5843,23 +5984,43 @@
               <a:buNone/>
             </a:pPr>
             <a:r>
-              <a:rPr lang="it-IT" dirty="0"/>
+              <a:rPr lang="it-IT" sz="2200" dirty="0">
+                <a:latin typeface="Calibri Light" panose="020F0302020204030204" pitchFamily="34" charset="0"/>
+                <a:ea typeface="Calibri Light" panose="020F0302020204030204" pitchFamily="34" charset="0"/>
+                <a:cs typeface="Calibri Light" panose="020F0302020204030204" pitchFamily="34" charset="0"/>
+              </a:rPr>
               <a:t>Una volta ottenuta una versione definitiva del </a:t>
             </a:r>
             <a:r>
-              <a:rPr lang="it-IT" dirty="0" err="1"/>
+              <a:rPr lang="it-IT" sz="2200" dirty="0" err="1">
+                <a:latin typeface="Calibri Light" panose="020F0302020204030204" pitchFamily="34" charset="0"/>
+                <a:ea typeface="Calibri Light" panose="020F0302020204030204" pitchFamily="34" charset="0"/>
+                <a:cs typeface="Calibri Light" panose="020F0302020204030204" pitchFamily="34" charset="0"/>
+              </a:rPr>
               <a:t>codice,il</a:t>
             </a:r>
             <a:r>
-              <a:rPr lang="it-IT" dirty="0"/>
+              <a:rPr lang="it-IT" sz="2200" dirty="0">
+                <a:latin typeface="Calibri Light" panose="020F0302020204030204" pitchFamily="34" charset="0"/>
+                <a:ea typeface="Calibri Light" panose="020F0302020204030204" pitchFamily="34" charset="0"/>
+                <a:cs typeface="Calibri Light" panose="020F0302020204030204" pitchFamily="34" charset="0"/>
+              </a:rPr>
               <a:t> team ha deciso di svolgere dei test automatici mediante l’utilizzo di </a:t>
             </a:r>
             <a:r>
-              <a:rPr lang="it-IT" dirty="0" err="1"/>
+              <a:rPr lang="it-IT" sz="2200" dirty="0" err="1">
+                <a:latin typeface="Calibri Light" panose="020F0302020204030204" pitchFamily="34" charset="0"/>
+                <a:ea typeface="Calibri Light" panose="020F0302020204030204" pitchFamily="34" charset="0"/>
+                <a:cs typeface="Calibri Light" panose="020F0302020204030204" pitchFamily="34" charset="0"/>
+              </a:rPr>
               <a:t>Junit</a:t>
             </a:r>
             <a:r>
-              <a:rPr lang="it-IT" dirty="0"/>
+              <a:rPr lang="it-IT" sz="2200" dirty="0">
+                <a:latin typeface="Calibri Light" panose="020F0302020204030204" pitchFamily="34" charset="0"/>
+                <a:ea typeface="Calibri Light" panose="020F0302020204030204" pitchFamily="34" charset="0"/>
+                <a:cs typeface="Calibri Light" panose="020F0302020204030204" pitchFamily="34" charset="0"/>
+              </a:rPr>
               <a:t>, per verificare il corretto funzionamento del codice anche in presenza di casi limite.</a:t>
             </a:r>
           </a:p>
@@ -5867,13 +6028,21 @@
             <a:pPr marL="0" indent="0">
               <a:buNone/>
             </a:pPr>
-            <a:endParaRPr lang="it-IT" dirty="0"/>
+            <a:endParaRPr lang="it-IT" sz="2200" dirty="0">
+              <a:latin typeface="Calibri Light" panose="020F0302020204030204" pitchFamily="34" charset="0"/>
+              <a:ea typeface="Calibri Light" panose="020F0302020204030204" pitchFamily="34" charset="0"/>
+              <a:cs typeface="Calibri Light" panose="020F0302020204030204" pitchFamily="34" charset="0"/>
+            </a:endParaRPr>
           </a:p>
           <a:p>
             <a:pPr marL="0" indent="0">
               <a:buNone/>
             </a:pPr>
-            <a:endParaRPr lang="it-IT" dirty="0"/>
+            <a:endParaRPr lang="it-IT" sz="2200" dirty="0">
+              <a:latin typeface="Calibri Light" panose="020F0302020204030204" pitchFamily="34" charset="0"/>
+              <a:ea typeface="Calibri Light" panose="020F0302020204030204" pitchFamily="34" charset="0"/>
+              <a:cs typeface="Calibri Light" panose="020F0302020204030204" pitchFamily="34" charset="0"/>
+            </a:endParaRPr>
           </a:p>
         </p:txBody>
       </p:sp>
@@ -5925,62 +6094,77 @@
         </p:nvSpPr>
         <p:spPr/>
         <p:txBody>
-          <a:bodyPr/>
-          <a:lstStyle/>
-          <a:p>
-            <a:r>
-              <a:rPr lang="it-IT" dirty="0"/>
-              <a:t>Testing</a:t>
-            </a:r>
-          </a:p>
-        </p:txBody>
-      </p:sp>
-      <p:sp>
-        <p:nvSpPr>
-          <p:cNvPr id="3" name="Segnaposto contenuto 2">
-            <a:extLst>
-              <a:ext uri="{FF2B5EF4-FFF2-40B4-BE49-F238E27FC236}">
-                <a16:creationId xmlns:a16="http://schemas.microsoft.com/office/drawing/2014/main" id="{67B914FB-5826-B49C-D92A-A313CFCACFC6}"/>
-              </a:ext>
-            </a:extLst>
-          </p:cNvPr>
-          <p:cNvSpPr>
-            <a:spLocks noGrp="1"/>
-          </p:cNvSpPr>
-          <p:nvPr>
-            <p:ph idx="1"/>
-          </p:nvPr>
-        </p:nvSpPr>
-        <p:spPr/>
-        <p:txBody>
           <a:bodyPr>
-            <a:normAutofit lnSpcReduction="10000"/>
+            <a:normAutofit/>
           </a:bodyPr>
           <a:lstStyle/>
           <a:p>
+            <a:r>
+              <a:rPr lang="it-IT" sz="5000" b="1" dirty="0"/>
+              <a:t>Testing</a:t>
+            </a:r>
+          </a:p>
+        </p:txBody>
+      </p:sp>
+      <p:sp>
+        <p:nvSpPr>
+          <p:cNvPr id="3" name="Segnaposto contenuto 2">
+            <a:extLst>
+              <a:ext uri="{FF2B5EF4-FFF2-40B4-BE49-F238E27FC236}">
+                <a16:creationId xmlns:a16="http://schemas.microsoft.com/office/drawing/2014/main" id="{67B914FB-5826-B49C-D92A-A313CFCACFC6}"/>
+              </a:ext>
+            </a:extLst>
+          </p:cNvPr>
+          <p:cNvSpPr>
+            <a:spLocks noGrp="1"/>
+          </p:cNvSpPr>
+          <p:nvPr>
+            <p:ph idx="1"/>
+          </p:nvPr>
+        </p:nvSpPr>
+        <p:spPr/>
+        <p:txBody>
+          <a:bodyPr>
+            <a:normAutofit/>
+          </a:bodyPr>
+          <a:lstStyle/>
+          <a:p>
             <a:pPr marL="0" indent="0">
               <a:buNone/>
             </a:pPr>
             <a:r>
-              <a:rPr lang="it-IT" sz="2800" dirty="0"/>
+              <a:rPr lang="it-IT" sz="2200" dirty="0">
+                <a:latin typeface="Calibri Light" panose="020F0302020204030204" pitchFamily="34" charset="0"/>
+                <a:ea typeface="Calibri Light" panose="020F0302020204030204" pitchFamily="34" charset="0"/>
+                <a:cs typeface="Calibri Light" panose="020F0302020204030204" pitchFamily="34" charset="0"/>
+              </a:rPr>
               <a:t>Tramite </a:t>
             </a:r>
             <a:r>
-              <a:rPr lang="it-IT" sz="2800" dirty="0" err="1"/>
+              <a:rPr lang="it-IT" sz="2200" dirty="0" err="1">
+                <a:latin typeface="Calibri Light" panose="020F0302020204030204" pitchFamily="34" charset="0"/>
+                <a:ea typeface="Calibri Light" panose="020F0302020204030204" pitchFamily="34" charset="0"/>
+                <a:cs typeface="Calibri Light" panose="020F0302020204030204" pitchFamily="34" charset="0"/>
+              </a:rPr>
               <a:t>Junit</a:t>
             </a:r>
             <a:r>
-              <a:rPr lang="it-IT" sz="2800" dirty="0"/>
+              <a:rPr lang="it-IT" sz="2200" dirty="0">
+                <a:latin typeface="Calibri Light" panose="020F0302020204030204" pitchFamily="34" charset="0"/>
+                <a:ea typeface="Calibri Light" panose="020F0302020204030204" pitchFamily="34" charset="0"/>
+                <a:cs typeface="Calibri Light" panose="020F0302020204030204" pitchFamily="34" charset="0"/>
+              </a:rPr>
               <a:t> abbiamo testato </a:t>
             </a:r>
             <a:r>
-              <a:rPr lang="it-IT" sz="2800" kern="0" dirty="0">
+              <a:rPr lang="it-IT" sz="2200" kern="0" dirty="0">
                 <a:solidFill>
                   <a:srgbClr val="1F2328"/>
                 </a:solidFill>
                 <a:effectLst/>
-                <a:ea typeface="Times New Roman" panose="02020603050405020304" pitchFamily="18" charset="0"/>
-                <a:cs typeface="Times New Roman" panose="02020603050405020304" pitchFamily="18" charset="0"/>
+                <a:latin typeface="Calibri Light" panose="020F0302020204030204" pitchFamily="34" charset="0"/>
+                <a:ea typeface="Calibri Light" panose="020F0302020204030204" pitchFamily="34" charset="0"/>
+                <a:cs typeface="Calibri Light" panose="020F0302020204030204" pitchFamily="34" charset="0"/>
               </a:rPr>
               <a:t>i metodi per le modifiche, relativi agli oggetti esercizi, workout e alla classe Tempo, in modo da capire se effettivamente davano il risultato aspettato.</a:t>
             </a:r>
@@ -5990,51 +6174,58 @@
               <a:buNone/>
             </a:pPr>
             <a:r>
-              <a:rPr lang="it-IT" kern="100" dirty="0">
-                <a:ea typeface="Calibri" panose="020F0502020204030204" pitchFamily="34" charset="0"/>
-                <a:cs typeface="Times New Roman" panose="02020603050405020304" pitchFamily="18" charset="0"/>
+              <a:rPr lang="it-IT" sz="2200" kern="100" dirty="0">
+                <a:latin typeface="Calibri Light" panose="020F0302020204030204" pitchFamily="34" charset="0"/>
+                <a:ea typeface="Calibri Light" panose="020F0302020204030204" pitchFamily="34" charset="0"/>
+                <a:cs typeface="Calibri Light" panose="020F0302020204030204" pitchFamily="34" charset="0"/>
               </a:rPr>
               <a:t>All’inizio è stato difficile implementare i vari casi di test con </a:t>
             </a:r>
             <a:r>
-              <a:rPr lang="it-IT" kern="100" dirty="0" err="1">
-                <a:ea typeface="Calibri" panose="020F0502020204030204" pitchFamily="34" charset="0"/>
-                <a:cs typeface="Times New Roman" panose="02020603050405020304" pitchFamily="18" charset="0"/>
+              <a:rPr lang="it-IT" sz="2200" kern="100" dirty="0" err="1">
+                <a:latin typeface="Calibri Light" panose="020F0302020204030204" pitchFamily="34" charset="0"/>
+                <a:ea typeface="Calibri Light" panose="020F0302020204030204" pitchFamily="34" charset="0"/>
+                <a:cs typeface="Calibri Light" panose="020F0302020204030204" pitchFamily="34" charset="0"/>
               </a:rPr>
               <a:t>Junit</a:t>
             </a:r>
             <a:r>
-              <a:rPr lang="it-IT" kern="100" dirty="0">
-                <a:ea typeface="Calibri" panose="020F0502020204030204" pitchFamily="34" charset="0"/>
-                <a:cs typeface="Times New Roman" panose="02020603050405020304" pitchFamily="18" charset="0"/>
+              <a:rPr lang="it-IT" sz="2200" kern="100" dirty="0">
+                <a:latin typeface="Calibri Light" panose="020F0302020204030204" pitchFamily="34" charset="0"/>
+                <a:ea typeface="Calibri Light" panose="020F0302020204030204" pitchFamily="34" charset="0"/>
+                <a:cs typeface="Calibri Light" panose="020F0302020204030204" pitchFamily="34" charset="0"/>
               </a:rPr>
               <a:t>, i quali fornivano un errore quando avveniva una modifica da salvare all’interno del database i quali non eseguivano correttamente i </a:t>
             </a:r>
             <a:r>
-              <a:rPr lang="it-IT" kern="100" dirty="0" err="1">
-                <a:ea typeface="Calibri" panose="020F0502020204030204" pitchFamily="34" charset="0"/>
-                <a:cs typeface="Times New Roman" panose="02020603050405020304" pitchFamily="18" charset="0"/>
+              <a:rPr lang="it-IT" sz="2200" kern="100" dirty="0" err="1">
+                <a:latin typeface="Calibri Light" panose="020F0302020204030204" pitchFamily="34" charset="0"/>
+                <a:ea typeface="Calibri Light" panose="020F0302020204030204" pitchFamily="34" charset="0"/>
+                <a:cs typeface="Calibri Light" panose="020F0302020204030204" pitchFamily="34" charset="0"/>
               </a:rPr>
               <a:t>medodi</a:t>
             </a:r>
             <a:r>
-              <a:rPr lang="it-IT" kern="100" dirty="0">
-                <a:ea typeface="Calibri" panose="020F0502020204030204" pitchFamily="34" charset="0"/>
-                <a:cs typeface="Times New Roman" panose="02020603050405020304" pitchFamily="18" charset="0"/>
+              <a:rPr lang="it-IT" sz="2200" kern="100" dirty="0">
+                <a:latin typeface="Calibri Light" panose="020F0302020204030204" pitchFamily="34" charset="0"/>
+                <a:ea typeface="Calibri Light" panose="020F0302020204030204" pitchFamily="34" charset="0"/>
+                <a:cs typeface="Calibri Light" panose="020F0302020204030204" pitchFamily="34" charset="0"/>
               </a:rPr>
               <a:t> </a:t>
             </a:r>
             <a:r>
-              <a:rPr lang="it-IT" kern="100" dirty="0" err="1">
-                <a:ea typeface="Calibri" panose="020F0502020204030204" pitchFamily="34" charset="0"/>
-                <a:cs typeface="Times New Roman" panose="02020603050405020304" pitchFamily="18" charset="0"/>
+              <a:rPr lang="it-IT" sz="2200" kern="100" dirty="0" err="1">
+                <a:latin typeface="Calibri Light" panose="020F0302020204030204" pitchFamily="34" charset="0"/>
+                <a:ea typeface="Calibri Light" panose="020F0302020204030204" pitchFamily="34" charset="0"/>
+                <a:cs typeface="Calibri Light" panose="020F0302020204030204" pitchFamily="34" charset="0"/>
               </a:rPr>
               <a:t>get</a:t>
             </a:r>
             <a:r>
-              <a:rPr lang="it-IT" kern="100" dirty="0">
-                <a:ea typeface="Calibri" panose="020F0502020204030204" pitchFamily="34" charset="0"/>
-                <a:cs typeface="Times New Roman" panose="02020603050405020304" pitchFamily="18" charset="0"/>
+              <a:rPr lang="it-IT" sz="2200" kern="100" dirty="0">
+                <a:latin typeface="Calibri Light" panose="020F0302020204030204" pitchFamily="34" charset="0"/>
+                <a:ea typeface="Calibri Light" panose="020F0302020204030204" pitchFamily="34" charset="0"/>
+                <a:cs typeface="Calibri Light" panose="020F0302020204030204" pitchFamily="34" charset="0"/>
               </a:rPr>
               <a:t> e set.</a:t>
             </a:r>
@@ -6044,45 +6235,52 @@
               <a:buNone/>
             </a:pPr>
             <a:r>
-              <a:rPr lang="it-IT" sz="2800" kern="100" dirty="0">
+              <a:rPr lang="it-IT" sz="2200" kern="100" dirty="0">
                 <a:effectLst/>
-                <a:ea typeface="Calibri" panose="020F0502020204030204" pitchFamily="34" charset="0"/>
-                <a:cs typeface="Times New Roman" panose="02020603050405020304" pitchFamily="18" charset="0"/>
+                <a:latin typeface="Calibri Light" panose="020F0302020204030204" pitchFamily="34" charset="0"/>
+                <a:ea typeface="Calibri Light" panose="020F0302020204030204" pitchFamily="34" charset="0"/>
+                <a:cs typeface="Calibri Light" panose="020F0302020204030204" pitchFamily="34" charset="0"/>
               </a:rPr>
               <a:t>Successivamente cons</a:t>
             </a:r>
             <a:r>
-              <a:rPr lang="it-IT" kern="100" dirty="0">
-                <a:ea typeface="Calibri" panose="020F0502020204030204" pitchFamily="34" charset="0"/>
-                <a:cs typeface="Times New Roman" panose="02020603050405020304" pitchFamily="18" charset="0"/>
-              </a:rPr>
-              <a:t>ultando la documentazione, siamo riusciti a ottenere i risultati desiderati dai vari test per i metodi di modifica, i quali tramite il comando </a:t>
-            </a:r>
-            <a:r>
-              <a:rPr lang="it-IT" kern="100" dirty="0" err="1">
-                <a:ea typeface="Calibri" panose="020F0502020204030204" pitchFamily="34" charset="0"/>
-                <a:cs typeface="Times New Roman" panose="02020603050405020304" pitchFamily="18" charset="0"/>
+              <a:rPr lang="it-IT" sz="2200" kern="100" dirty="0">
+                <a:latin typeface="Calibri Light" panose="020F0302020204030204" pitchFamily="34" charset="0"/>
+                <a:ea typeface="Calibri Light" panose="020F0302020204030204" pitchFamily="34" charset="0"/>
+                <a:cs typeface="Calibri Light" panose="020F0302020204030204" pitchFamily="34" charset="0"/>
+              </a:rPr>
+              <a:t>ultando la documentazione online, siamo riusciti a ottenere i risultati desiderati dai vari test per i metodi di modifica, i quali tramite il comando </a:t>
+            </a:r>
+            <a:r>
+              <a:rPr lang="it-IT" sz="2200" kern="100" dirty="0" err="1">
+                <a:latin typeface="Calibri Light" panose="020F0302020204030204" pitchFamily="34" charset="0"/>
+                <a:ea typeface="Calibri Light" panose="020F0302020204030204" pitchFamily="34" charset="0"/>
+                <a:cs typeface="Calibri Light" panose="020F0302020204030204" pitchFamily="34" charset="0"/>
               </a:rPr>
               <a:t>AssertEquals</a:t>
             </a:r>
             <a:r>
-              <a:rPr lang="it-IT" kern="100" dirty="0">
-                <a:ea typeface="Calibri" panose="020F0502020204030204" pitchFamily="34" charset="0"/>
-                <a:cs typeface="Times New Roman" panose="02020603050405020304" pitchFamily="18" charset="0"/>
-              </a:rPr>
-              <a:t>() forniva lo stesso valore dal valore modificato a quello presente all’interno del database.</a:t>
-            </a:r>
-            <a:endParaRPr lang="it-IT" sz="2800" kern="100" dirty="0">
+              <a:rPr lang="it-IT" sz="2200" kern="100" dirty="0">
+                <a:latin typeface="Calibri Light" panose="020F0302020204030204" pitchFamily="34" charset="0"/>
+                <a:ea typeface="Calibri Light" panose="020F0302020204030204" pitchFamily="34" charset="0"/>
+                <a:cs typeface="Calibri Light" panose="020F0302020204030204" pitchFamily="34" charset="0"/>
+              </a:rPr>
+              <a:t>() fornivano lo stesso valore tra quello appena modificato e quello atteso all’interno </a:t>
+            </a:r>
+            <a:r>
+              <a:rPr lang="it-IT" sz="2200" kern="100">
+                <a:latin typeface="Calibri Light" panose="020F0302020204030204" pitchFamily="34" charset="0"/>
+                <a:ea typeface="Calibri Light" panose="020F0302020204030204" pitchFamily="34" charset="0"/>
+                <a:cs typeface="Calibri Light" panose="020F0302020204030204" pitchFamily="34" charset="0"/>
+              </a:rPr>
+              <a:t>del database.</a:t>
+            </a:r>
+            <a:endParaRPr lang="it-IT" sz="2200" kern="100" dirty="0">
               <a:effectLst/>
-              <a:ea typeface="Calibri" panose="020F0502020204030204" pitchFamily="34" charset="0"/>
-              <a:cs typeface="Times New Roman" panose="02020603050405020304" pitchFamily="18" charset="0"/>
+              <a:latin typeface="Calibri Light" panose="020F0302020204030204" pitchFamily="34" charset="0"/>
+              <a:ea typeface="Calibri Light" panose="020F0302020204030204" pitchFamily="34" charset="0"/>
+              <a:cs typeface="Calibri Light" panose="020F0302020204030204" pitchFamily="34" charset="0"/>
             </a:endParaRPr>
-          </a:p>
-          <a:p>
-            <a:pPr marL="0" indent="0">
-              <a:buNone/>
-            </a:pPr>
-            <a:endParaRPr lang="it-IT" dirty="0"/>
           </a:p>
         </p:txBody>
       </p:sp>
@@ -6134,40 +6332,42 @@
         </p:nvSpPr>
         <p:spPr/>
         <p:txBody>
-          <a:bodyPr/>
-          <a:lstStyle/>
-          <a:p>
-            <a:r>
-              <a:rPr lang="it-IT" b="1" dirty="0"/>
-              <a:t>Obiettivo</a:t>
-            </a:r>
-          </a:p>
-        </p:txBody>
-      </p:sp>
-      <p:sp>
-        <p:nvSpPr>
-          <p:cNvPr id="3" name="Segnaposto contenuto 2">
-            <a:extLst>
-              <a:ext uri="{FF2B5EF4-FFF2-40B4-BE49-F238E27FC236}">
-                <a16:creationId xmlns:a16="http://schemas.microsoft.com/office/drawing/2014/main" id="{153C9149-56C6-7414-7FA6-67C089C15225}"/>
-              </a:ext>
-            </a:extLst>
-          </p:cNvPr>
-          <p:cNvSpPr>
-            <a:spLocks noGrp="1"/>
-          </p:cNvSpPr>
-          <p:nvPr>
-            <p:ph idx="1"/>
-          </p:nvPr>
-        </p:nvSpPr>
-        <p:spPr/>
-        <p:txBody>
           <a:bodyPr>
             <a:normAutofit/>
           </a:bodyPr>
           <a:lstStyle/>
           <a:p>
-            <a:pPr marL="0" indent="0" algn="just">
+            <a:r>
+              <a:rPr lang="it-IT" sz="5000" b="1" dirty="0"/>
+              <a:t>Obiettivo</a:t>
+            </a:r>
+          </a:p>
+        </p:txBody>
+      </p:sp>
+      <p:sp>
+        <p:nvSpPr>
+          <p:cNvPr id="3" name="Segnaposto contenuto 2">
+            <a:extLst>
+              <a:ext uri="{FF2B5EF4-FFF2-40B4-BE49-F238E27FC236}">
+                <a16:creationId xmlns:a16="http://schemas.microsoft.com/office/drawing/2014/main" id="{153C9149-56C6-7414-7FA6-67C089C15225}"/>
+              </a:ext>
+            </a:extLst>
+          </p:cNvPr>
+          <p:cNvSpPr>
+            <a:spLocks noGrp="1"/>
+          </p:cNvSpPr>
+          <p:nvPr>
+            <p:ph idx="1"/>
+          </p:nvPr>
+        </p:nvSpPr>
+        <p:spPr/>
+        <p:txBody>
+          <a:bodyPr>
+            <a:normAutofit/>
+          </a:bodyPr>
+          <a:lstStyle/>
+          <a:p>
+            <a:pPr marL="0" indent="0">
               <a:lnSpc>
                 <a:spcPct val="107000"/>
               </a:lnSpc>
@@ -6193,7 +6393,7 @@
             </a:endParaRPr>
           </a:p>
           <a:p>
-            <a:pPr marL="0" indent="0" algn="just">
+            <a:pPr marL="0" indent="0">
               <a:lnSpc>
                 <a:spcPct val="107000"/>
               </a:lnSpc>
@@ -6209,7 +6409,7 @@
                 <a:ea typeface="Calibri" panose="020F0502020204030204" pitchFamily="34" charset="0"/>
                 <a:cs typeface="Times New Roman" panose="02020603050405020304" pitchFamily="18" charset="0"/>
               </a:rPr>
-              <a:t>Questa applicazione permette di creare una scheda di allenamento personalizzata da visualizzare su qualsiasi dispositivo tramite l’uso di un database.</a:t>
+              <a:t>Questa applicazione permette di creare una scheda di allenamento personalizzata da visualizzare su qualsiasi dispositivo, tramite l’uso di un database.</a:t>
             </a:r>
             <a:endParaRPr lang="it-IT" sz="2200" kern="100" dirty="0">
               <a:effectLst/>
@@ -6219,7 +6419,7 @@
             </a:endParaRPr>
           </a:p>
           <a:p>
-            <a:pPr marL="0" indent="0" algn="just">
+            <a:pPr marL="0" indent="0">
               <a:lnSpc>
                 <a:spcPct val="107000"/>
               </a:lnSpc>
@@ -6305,7 +6505,6 @@
                   <a:srgbClr val="000000"/>
                 </a:solidFill>
                 <a:effectLst/>
-                <a:latin typeface="Calibri Light" panose="020F0302020204030204" pitchFamily="34" charset="0"/>
               </a:rPr>
               <a:t>Difficoltà incontrate</a:t>
             </a:r>
@@ -6331,61 +6530,79 @@
         </p:nvSpPr>
         <p:spPr/>
         <p:txBody>
-          <a:bodyPr/>
+          <a:bodyPr>
+            <a:normAutofit/>
+          </a:bodyPr>
           <a:lstStyle/>
           <a:p>
             <a:r>
-              <a:rPr lang="it-IT" dirty="0">
-                <a:latin typeface="+mj-lt"/>
+              <a:rPr lang="it-IT" sz="2200" dirty="0">
+                <a:latin typeface="Calibri Light" panose="020F0302020204030204" pitchFamily="34" charset="0"/>
+                <a:ea typeface="Calibri Light" panose="020F0302020204030204" pitchFamily="34" charset="0"/>
+                <a:cs typeface="Calibri Light" panose="020F0302020204030204" pitchFamily="34" charset="0"/>
               </a:rPr>
               <a:t>Trovare soluzioni per l’applicazione della base di dati</a:t>
             </a:r>
           </a:p>
           <a:p>
             <a:r>
-              <a:rPr lang="it-IT" dirty="0">
-                <a:latin typeface="+mj-lt"/>
+              <a:rPr lang="it-IT" sz="2200" dirty="0">
+                <a:latin typeface="Calibri Light" panose="020F0302020204030204" pitchFamily="34" charset="0"/>
+                <a:ea typeface="Calibri Light" panose="020F0302020204030204" pitchFamily="34" charset="0"/>
+                <a:cs typeface="Calibri Light" panose="020F0302020204030204" pitchFamily="34" charset="0"/>
               </a:rPr>
               <a:t>Capire il funzionamento della classe </a:t>
             </a:r>
             <a:r>
-              <a:rPr lang="it-IT" dirty="0" err="1">
-                <a:latin typeface="+mj-lt"/>
+              <a:rPr lang="it-IT" sz="2200" dirty="0" err="1">
+                <a:latin typeface="Calibri Light" panose="020F0302020204030204" pitchFamily="34" charset="0"/>
+                <a:ea typeface="Calibri Light" panose="020F0302020204030204" pitchFamily="34" charset="0"/>
+                <a:cs typeface="Calibri Light" panose="020F0302020204030204" pitchFamily="34" charset="0"/>
               </a:rPr>
               <a:t>SQLite</a:t>
             </a:r>
-            <a:endParaRPr lang="it-IT" dirty="0">
-              <a:latin typeface="+mj-lt"/>
+            <a:endParaRPr lang="it-IT" sz="2200" dirty="0">
+              <a:latin typeface="Calibri Light" panose="020F0302020204030204" pitchFamily="34" charset="0"/>
+              <a:ea typeface="Calibri Light" panose="020F0302020204030204" pitchFamily="34" charset="0"/>
+              <a:cs typeface="Calibri Light" panose="020F0302020204030204" pitchFamily="34" charset="0"/>
             </a:endParaRPr>
           </a:p>
           <a:p>
             <a:r>
-              <a:rPr lang="it-IT" dirty="0">
-                <a:latin typeface="+mj-lt"/>
+              <a:rPr lang="it-IT" sz="2200" dirty="0">
+                <a:latin typeface="Calibri Light" panose="020F0302020204030204" pitchFamily="34" charset="0"/>
+                <a:ea typeface="Calibri Light" panose="020F0302020204030204" pitchFamily="34" charset="0"/>
+                <a:cs typeface="Calibri Light" panose="020F0302020204030204" pitchFamily="34" charset="0"/>
               </a:rPr>
               <a:t>Definire le funzionalità, con accesso ai database e modifica dei dati.</a:t>
             </a:r>
           </a:p>
           <a:p>
             <a:r>
-              <a:rPr lang="it-IT" dirty="0">
-                <a:latin typeface="+mj-lt"/>
+              <a:rPr lang="it-IT" sz="2200" dirty="0">
+                <a:latin typeface="Calibri Light" panose="020F0302020204030204" pitchFamily="34" charset="0"/>
+                <a:ea typeface="Calibri Light" panose="020F0302020204030204" pitchFamily="34" charset="0"/>
+                <a:cs typeface="Calibri Light" panose="020F0302020204030204" pitchFamily="34" charset="0"/>
               </a:rPr>
               <a:t>Definire tramite i diagrammi UML le varie funzionalità del programma e le relazioni tra i vari componenti.</a:t>
             </a:r>
           </a:p>
           <a:p>
             <a:r>
-              <a:rPr lang="it-IT" dirty="0">
-                <a:latin typeface="+mj-lt"/>
+              <a:rPr lang="it-IT" sz="2200" dirty="0">
+                <a:latin typeface="Calibri Light" panose="020F0302020204030204" pitchFamily="34" charset="0"/>
+                <a:ea typeface="Calibri Light" panose="020F0302020204030204" pitchFamily="34" charset="0"/>
+                <a:cs typeface="Calibri Light" panose="020F0302020204030204" pitchFamily="34" charset="0"/>
               </a:rPr>
               <a:t>Gestione del Front-end del DB, in particolare la formattazione</a:t>
             </a:r>
           </a:p>
           <a:p>
             <a:r>
-              <a:rPr lang="it-IT" dirty="0">
-                <a:latin typeface="+mj-lt"/>
+              <a:rPr lang="it-IT" sz="2200" dirty="0">
+                <a:latin typeface="Calibri Light" panose="020F0302020204030204" pitchFamily="34" charset="0"/>
+                <a:ea typeface="Calibri Light" panose="020F0302020204030204" pitchFamily="34" charset="0"/>
+                <a:cs typeface="Calibri Light" panose="020F0302020204030204" pitchFamily="34" charset="0"/>
               </a:rPr>
               <a:t>Difficoltà nella gestione della parte di visualizzazione dati.</a:t>
             </a:r>
@@ -6438,13 +6655,20 @@
             <p:ph type="title"/>
           </p:nvPr>
         </p:nvSpPr>
-        <p:spPr/>
-        <p:txBody>
-          <a:bodyPr/>
+        <p:spPr>
+          <a:xfrm>
+            <a:off x="559837" y="121299"/>
+            <a:ext cx="11476653" cy="1569390"/>
+          </a:xfrm>
+        </p:spPr>
+        <p:txBody>
+          <a:bodyPr>
+            <a:noAutofit/>
+          </a:bodyPr>
           <a:lstStyle/>
           <a:p>
             <a:r>
-              <a:rPr lang="it-IT" dirty="0"/>
+              <a:rPr lang="it-IT" sz="5000" b="1" dirty="0"/>
               <a:t>Paradigma di programmazione/modellazione utilizzato e tools</a:t>
             </a:r>
           </a:p>
@@ -6466,16 +6690,27 @@
             <p:ph idx="1"/>
           </p:nvPr>
         </p:nvSpPr>
-        <p:spPr/>
-        <p:txBody>
-          <a:bodyPr/>
+        <p:spPr>
+          <a:xfrm>
+            <a:off x="559837" y="1838131"/>
+            <a:ext cx="10793963" cy="4338832"/>
+          </a:xfrm>
+        </p:spPr>
+        <p:txBody>
+          <a:bodyPr>
+            <a:normAutofit/>
+          </a:bodyPr>
           <a:lstStyle/>
           <a:p>
             <a:pPr marL="0" indent="0">
               <a:buNone/>
             </a:pPr>
             <a:r>
-              <a:rPr lang="it-IT" dirty="0"/>
+              <a:rPr lang="it-IT" sz="2200" dirty="0">
+                <a:latin typeface="Calibri Light" panose="020F0302020204030204" pitchFamily="34" charset="0"/>
+                <a:ea typeface="Calibri Light" panose="020F0302020204030204" pitchFamily="34" charset="0"/>
+                <a:cs typeface="Calibri Light" panose="020F0302020204030204" pitchFamily="34" charset="0"/>
+              </a:rPr>
               <a:t>Il team ha utilizzato come paradigma di modellazione Java e UML per quanto riguarda la modellazione.</a:t>
             </a:r>
           </a:p>
@@ -6484,7 +6719,11 @@
               <a:buNone/>
             </a:pPr>
             <a:r>
-              <a:rPr lang="it-IT" dirty="0"/>
+              <a:rPr lang="it-IT" sz="2200" dirty="0">
+                <a:latin typeface="Calibri Light" panose="020F0302020204030204" pitchFamily="34" charset="0"/>
+                <a:ea typeface="Calibri Light" panose="020F0302020204030204" pitchFamily="34" charset="0"/>
+                <a:cs typeface="Calibri Light" panose="020F0302020204030204" pitchFamily="34" charset="0"/>
+              </a:rPr>
               <a:t>Per quanto riguarda l’IDE abbiamo utilizzato Android Studio:</a:t>
             </a:r>
           </a:p>
@@ -6494,24 +6733,44 @@
               <a:buChar char="Ø"/>
             </a:pPr>
             <a:r>
-              <a:rPr lang="it-IT" dirty="0"/>
+              <a:rPr lang="it-IT" sz="2200" dirty="0">
+                <a:latin typeface="Calibri Light" panose="020F0302020204030204" pitchFamily="34" charset="0"/>
+                <a:ea typeface="Calibri Light" panose="020F0302020204030204" pitchFamily="34" charset="0"/>
+                <a:cs typeface="Calibri Light" panose="020F0302020204030204" pitchFamily="34" charset="0"/>
+              </a:rPr>
               <a:t>	Un </a:t>
             </a:r>
             <a:r>
-              <a:rPr lang="it-IT" b="1" dirty="0" err="1"/>
+              <a:rPr lang="it-IT" sz="2200" b="1" dirty="0" err="1">
+                <a:latin typeface="Calibri Light" panose="020F0302020204030204" pitchFamily="34" charset="0"/>
+                <a:ea typeface="Calibri Light" panose="020F0302020204030204" pitchFamily="34" charset="0"/>
+                <a:cs typeface="Calibri Light" panose="020F0302020204030204" pitchFamily="34" charset="0"/>
+              </a:rPr>
               <a:t>fork</a:t>
             </a:r>
             <a:r>
-              <a:rPr lang="it-IT" b="1" dirty="0"/>
+              <a:rPr lang="it-IT" sz="2200" b="1" dirty="0">
+                <a:latin typeface="Calibri Light" panose="020F0302020204030204" pitchFamily="34" charset="0"/>
+                <a:ea typeface="Calibri Light" panose="020F0302020204030204" pitchFamily="34" charset="0"/>
+                <a:cs typeface="Calibri Light" panose="020F0302020204030204" pitchFamily="34" charset="0"/>
+              </a:rPr>
               <a:t> di </a:t>
             </a:r>
             <a:r>
-              <a:rPr lang="it-IT" b="1" dirty="0" err="1"/>
+              <a:rPr lang="it-IT" sz="2200" b="1" dirty="0" err="1">
+                <a:latin typeface="Calibri Light" panose="020F0302020204030204" pitchFamily="34" charset="0"/>
+                <a:ea typeface="Calibri Light" panose="020F0302020204030204" pitchFamily="34" charset="0"/>
+                <a:cs typeface="Calibri Light" panose="020F0302020204030204" pitchFamily="34" charset="0"/>
+              </a:rPr>
               <a:t>intellij</a:t>
             </a:r>
             <a:r>
-              <a:rPr lang="it-IT" dirty="0"/>
-              <a:t>, creato apposta per lo sviluppo di app, che 	include strumenti utili come l’emulatore per eseguire il codice.</a:t>
+              <a:rPr lang="it-IT" sz="2200" dirty="0">
+                <a:latin typeface="Calibri Light" panose="020F0302020204030204" pitchFamily="34" charset="0"/>
+                <a:ea typeface="Calibri Light" panose="020F0302020204030204" pitchFamily="34" charset="0"/>
+                <a:cs typeface="Calibri Light" panose="020F0302020204030204" pitchFamily="34" charset="0"/>
+              </a:rPr>
+              <a:t>, creato apposta per lo sviluppo di app, il quale include strumenti utili 	come l’emulatore per eseguire il codice.</a:t>
             </a:r>
           </a:p>
           <a:p>
@@ -6520,38 +6779,86 @@
               <a:buChar char="Ø"/>
             </a:pPr>
             <a:r>
-              <a:rPr lang="it-IT" dirty="0"/>
+              <a:rPr lang="it-IT" sz="2200" dirty="0">
+                <a:latin typeface="Calibri Light" panose="020F0302020204030204" pitchFamily="34" charset="0"/>
+                <a:ea typeface="Calibri Light" panose="020F0302020204030204" pitchFamily="34" charset="0"/>
+                <a:cs typeface="Calibri Light" panose="020F0302020204030204" pitchFamily="34" charset="0"/>
+              </a:rPr>
               <a:t>	</a:t>
             </a:r>
             <a:r>
-              <a:rPr lang="it-IT" b="1" dirty="0" err="1"/>
+              <a:rPr lang="it-IT" sz="2200" b="1" dirty="0" err="1">
+                <a:latin typeface="Calibri Light" panose="020F0302020204030204" pitchFamily="34" charset="0"/>
+                <a:ea typeface="Calibri Light" panose="020F0302020204030204" pitchFamily="34" charset="0"/>
+                <a:cs typeface="Calibri Light" panose="020F0302020204030204" pitchFamily="34" charset="0"/>
+              </a:rPr>
               <a:t>gradle</a:t>
             </a:r>
             <a:r>
-              <a:rPr lang="it-IT" dirty="0"/>
+              <a:rPr lang="it-IT" sz="2200" dirty="0">
+                <a:latin typeface="Calibri Light" panose="020F0302020204030204" pitchFamily="34" charset="0"/>
+                <a:ea typeface="Calibri Light" panose="020F0302020204030204" pitchFamily="34" charset="0"/>
+                <a:cs typeface="Calibri Light" panose="020F0302020204030204" pitchFamily="34" charset="0"/>
+              </a:rPr>
               <a:t> come strumento di build </a:t>
             </a:r>
             <a:r>
-              <a:rPr lang="it-IT" dirty="0" err="1"/>
+              <a:rPr lang="it-IT" sz="2200" dirty="0" err="1">
+                <a:latin typeface="Calibri Light" panose="020F0302020204030204" pitchFamily="34" charset="0"/>
+                <a:ea typeface="Calibri Light" panose="020F0302020204030204" pitchFamily="34" charset="0"/>
+                <a:cs typeface="Calibri Light" panose="020F0302020204030204" pitchFamily="34" charset="0"/>
+              </a:rPr>
               <a:t>automation</a:t>
             </a:r>
-            <a:endParaRPr lang="it-IT" dirty="0"/>
+            <a:endParaRPr lang="it-IT" sz="2200" dirty="0">
+              <a:latin typeface="Calibri Light" panose="020F0302020204030204" pitchFamily="34" charset="0"/>
+              <a:ea typeface="Calibri Light" panose="020F0302020204030204" pitchFamily="34" charset="0"/>
+              <a:cs typeface="Calibri Light" panose="020F0302020204030204" pitchFamily="34" charset="0"/>
+            </a:endParaRPr>
           </a:p>
           <a:p>
             <a:pPr marL="0" indent="0">
               <a:buNone/>
             </a:pPr>
             <a:r>
-              <a:rPr lang="it-IT" dirty="0"/>
+              <a:rPr lang="it-IT" sz="2200" dirty="0">
+                <a:latin typeface="Calibri Light" panose="020F0302020204030204" pitchFamily="34" charset="0"/>
+                <a:ea typeface="Calibri Light" panose="020F0302020204030204" pitchFamily="34" charset="0"/>
+                <a:cs typeface="Calibri Light" panose="020F0302020204030204" pitchFamily="34" charset="0"/>
+              </a:rPr>
               <a:t>Per l'organizzazione del lavoro a distanza e dei meeting sono stati sfruttati strumenti come </a:t>
             </a:r>
             <a:r>
-              <a:rPr lang="it-IT" dirty="0" err="1"/>
+              <a:rPr lang="it-IT" sz="2200" dirty="0" err="1">
+                <a:latin typeface="Calibri Light" panose="020F0302020204030204" pitchFamily="34" charset="0"/>
+                <a:ea typeface="Calibri Light" panose="020F0302020204030204" pitchFamily="34" charset="0"/>
+                <a:cs typeface="Calibri Light" panose="020F0302020204030204" pitchFamily="34" charset="0"/>
+              </a:rPr>
               <a:t>Discord</a:t>
             </a:r>
             <a:r>
-              <a:rPr lang="it-IT" dirty="0"/>
-              <a:t> ed è stato utilizzato GitHub per la scrittura e condivisione della documentazione.</a:t>
+              <a:rPr lang="it-IT" sz="2200" dirty="0">
+                <a:latin typeface="Calibri Light" panose="020F0302020204030204" pitchFamily="34" charset="0"/>
+                <a:ea typeface="Calibri Light" panose="020F0302020204030204" pitchFamily="34" charset="0"/>
+                <a:cs typeface="Calibri Light" panose="020F0302020204030204" pitchFamily="34" charset="0"/>
+              </a:rPr>
+              <a:t> e </a:t>
+            </a:r>
+            <a:r>
+              <a:rPr lang="it-IT" sz="2200" dirty="0" err="1">
+                <a:latin typeface="Calibri Light" panose="020F0302020204030204" pitchFamily="34" charset="0"/>
+                <a:ea typeface="Calibri Light" panose="020F0302020204030204" pitchFamily="34" charset="0"/>
+                <a:cs typeface="Calibri Light" panose="020F0302020204030204" pitchFamily="34" charset="0"/>
+              </a:rPr>
+              <a:t>whatsapp</a:t>
+            </a:r>
+            <a:r>
+              <a:rPr lang="it-IT" sz="2200" dirty="0">
+                <a:latin typeface="Calibri Light" panose="020F0302020204030204" pitchFamily="34" charset="0"/>
+                <a:ea typeface="Calibri Light" panose="020F0302020204030204" pitchFamily="34" charset="0"/>
+                <a:cs typeface="Calibri Light" panose="020F0302020204030204" pitchFamily="34" charset="0"/>
+              </a:rPr>
+              <a:t>, inoltre è stato utilizzato GitHub per la scrittura e condivisione della documentazione.</a:t>
             </a:r>
           </a:p>
         </p:txBody>
@@ -6610,7 +6917,7 @@
         </p:spPr>
         <p:txBody>
           <a:bodyPr>
-            <a:normAutofit fontScale="90000"/>
+            <a:noAutofit/>
           </a:bodyPr>
           <a:lstStyle/>
           <a:p>
@@ -6620,7 +6927,6 @@
                   <a:srgbClr val="000000"/>
                 </a:solidFill>
                 <a:effectLst/>
-                <a:latin typeface="Calibri Light" panose="020F0302020204030204" pitchFamily="34" charset="0"/>
               </a:rPr>
               <a:t>Software </a:t>
             </a:r>
@@ -6630,7 +6936,6 @@
                   <a:srgbClr val="000000"/>
                 </a:solidFill>
                 <a:effectLst/>
-                <a:latin typeface="Calibri Light" panose="020F0302020204030204" pitchFamily="34" charset="0"/>
               </a:rPr>
               <a:t>configuration</a:t>
             </a:r>
@@ -6640,21 +6945,19 @@
                   <a:srgbClr val="000000"/>
                 </a:solidFill>
                 <a:effectLst/>
-                <a:latin typeface="Calibri Light" panose="020F0302020204030204" pitchFamily="34" charset="0"/>
               </a:rPr>
               <a:t> management</a:t>
             </a:r>
             <a:r>
-              <a:rPr lang="it-IT" sz="1800" b="0" i="0" dirty="0">
+              <a:rPr lang="it-IT" sz="5000" b="1" i="0" dirty="0">
                 <a:solidFill>
                   <a:srgbClr val="000000"/>
                 </a:solidFill>
                 <a:effectLst/>
-                <a:latin typeface="Calibri Light" panose="020F0302020204030204" pitchFamily="34" charset="0"/>
               </a:rPr>
               <a:t>​</a:t>
             </a:r>
-            <a:endParaRPr lang="it-IT" dirty="0"/>
+            <a:endParaRPr lang="it-IT" sz="5000" b="1" dirty="0"/>
           </a:p>
         </p:txBody>
       </p:sp>
@@ -6682,7 +6985,7 @@
         </p:spPr>
         <p:txBody>
           <a:bodyPr>
-            <a:normAutofit/>
+            <a:normAutofit lnSpcReduction="10000"/>
           </a:bodyPr>
           <a:lstStyle/>
           <a:p>
@@ -6690,7 +6993,11 @@
               <a:buNone/>
             </a:pPr>
             <a:r>
-              <a:rPr lang="it-IT" sz="2300" dirty="0"/>
+              <a:rPr lang="it-IT" sz="2200" dirty="0">
+                <a:latin typeface="Calibri Light" panose="020F0302020204030204" pitchFamily="34" charset="0"/>
+                <a:ea typeface="Calibri Light" panose="020F0302020204030204" pitchFamily="34" charset="0"/>
+                <a:cs typeface="Calibri Light" panose="020F0302020204030204" pitchFamily="34" charset="0"/>
+              </a:rPr>
               <a:t>Tutto il lavoro svolto (codice e documentazione) è stato salvato in un repository di GitHub in condivisione con tutti i membri del team.</a:t>
             </a:r>
           </a:p>
@@ -6699,15 +7006,27 @@
               <a:buNone/>
             </a:pPr>
             <a:r>
-              <a:rPr lang="it-IT" sz="2300" dirty="0"/>
+              <a:rPr lang="it-IT" sz="2200" dirty="0">
+                <a:latin typeface="Calibri Light" panose="020F0302020204030204" pitchFamily="34" charset="0"/>
+                <a:ea typeface="Calibri Light" panose="020F0302020204030204" pitchFamily="34" charset="0"/>
+                <a:cs typeface="Calibri Light" panose="020F0302020204030204" pitchFamily="34" charset="0"/>
+              </a:rPr>
               <a:t>Il repository </a:t>
             </a:r>
             <a:r>
-              <a:rPr lang="it-IT" sz="2300" dirty="0" err="1"/>
+              <a:rPr lang="it-IT" sz="2200" dirty="0" err="1">
+                <a:latin typeface="Calibri Light" panose="020F0302020204030204" pitchFamily="34" charset="0"/>
+                <a:ea typeface="Calibri Light" panose="020F0302020204030204" pitchFamily="34" charset="0"/>
+                <a:cs typeface="Calibri Light" panose="020F0302020204030204" pitchFamily="34" charset="0"/>
+              </a:rPr>
               <a:t>fitnessapp_ingsw</a:t>
             </a:r>
             <a:r>
-              <a:rPr lang="it-IT" sz="2300" dirty="0"/>
+              <a:rPr lang="it-IT" sz="2200" dirty="0">
+                <a:latin typeface="Calibri Light" panose="020F0302020204030204" pitchFamily="34" charset="0"/>
+                <a:ea typeface="Calibri Light" panose="020F0302020204030204" pitchFamily="34" charset="0"/>
+                <a:cs typeface="Calibri Light" panose="020F0302020204030204" pitchFamily="34" charset="0"/>
+              </a:rPr>
               <a:t> è strutturato nel seguente modo:</a:t>
             </a:r>
           </a:p>
@@ -6716,11 +7035,19 @@
               <a:buNone/>
             </a:pPr>
             <a:r>
-              <a:rPr lang="it-IT" sz="2300" b="1" dirty="0" err="1"/>
+              <a:rPr lang="it-IT" sz="2200" b="1" dirty="0" err="1">
+                <a:latin typeface="Calibri Light" panose="020F0302020204030204" pitchFamily="34" charset="0"/>
+                <a:ea typeface="Calibri Light" panose="020F0302020204030204" pitchFamily="34" charset="0"/>
+                <a:cs typeface="Calibri Light" panose="020F0302020204030204" pitchFamily="34" charset="0"/>
+              </a:rPr>
               <a:t>Branches</a:t>
             </a:r>
             <a:r>
-              <a:rPr lang="it-IT" sz="2300" dirty="0"/>
+              <a:rPr lang="it-IT" sz="2200" dirty="0">
+                <a:latin typeface="Calibri Light" panose="020F0302020204030204" pitchFamily="34" charset="0"/>
+                <a:ea typeface="Calibri Light" panose="020F0302020204030204" pitchFamily="34" charset="0"/>
+                <a:cs typeface="Calibri Light" panose="020F0302020204030204" pitchFamily="34" charset="0"/>
+              </a:rPr>
               <a:t>:</a:t>
             </a:r>
           </a:p>
@@ -6729,15 +7056,35 @@
               <a:buNone/>
             </a:pPr>
             <a:r>
-              <a:rPr lang="it-IT" sz="2300" dirty="0"/>
+              <a:rPr lang="it-IT" sz="2200" dirty="0">
+                <a:latin typeface="Calibri Light" panose="020F0302020204030204" pitchFamily="34" charset="0"/>
+                <a:ea typeface="Calibri Light" panose="020F0302020204030204" pitchFamily="34" charset="0"/>
+                <a:cs typeface="Calibri Light" panose="020F0302020204030204" pitchFamily="34" charset="0"/>
+              </a:rPr>
               <a:t>	</a:t>
             </a:r>
             <a:r>
-              <a:rPr lang="it-IT" sz="2300" dirty="0" err="1"/>
-              <a:t>main:Contiene</a:t>
-            </a:r>
-            <a:r>
-              <a:rPr lang="it-IT" sz="2300" dirty="0"/>
+              <a:rPr lang="it-IT" sz="2200" b="1" dirty="0" err="1">
+                <a:latin typeface="Calibri Light" panose="020F0302020204030204" pitchFamily="34" charset="0"/>
+                <a:ea typeface="Calibri Light" panose="020F0302020204030204" pitchFamily="34" charset="0"/>
+                <a:cs typeface="Calibri Light" panose="020F0302020204030204" pitchFamily="34" charset="0"/>
+              </a:rPr>
+              <a:t>main</a:t>
+            </a:r>
+            <a:r>
+              <a:rPr lang="it-IT" sz="2200" dirty="0" err="1">
+                <a:latin typeface="Calibri Light" panose="020F0302020204030204" pitchFamily="34" charset="0"/>
+                <a:ea typeface="Calibri Light" panose="020F0302020204030204" pitchFamily="34" charset="0"/>
+                <a:cs typeface="Calibri Light" panose="020F0302020204030204" pitchFamily="34" charset="0"/>
+              </a:rPr>
+              <a:t>:Contiene</a:t>
+            </a:r>
+            <a:r>
+              <a:rPr lang="it-IT" sz="2200" dirty="0">
+                <a:latin typeface="Calibri Light" panose="020F0302020204030204" pitchFamily="34" charset="0"/>
+                <a:ea typeface="Calibri Light" panose="020F0302020204030204" pitchFamily="34" charset="0"/>
+                <a:cs typeface="Calibri Light" panose="020F0302020204030204" pitchFamily="34" charset="0"/>
+              </a:rPr>
               <a:t> la versione definitiva del codice e della documentazione</a:t>
             </a:r>
           </a:p>
@@ -6746,15 +7093,35 @@
               <a:buNone/>
             </a:pPr>
             <a:r>
-              <a:rPr lang="it-IT" sz="2300" dirty="0"/>
+              <a:rPr lang="it-IT" sz="2200" dirty="0">
+                <a:latin typeface="Calibri Light" panose="020F0302020204030204" pitchFamily="34" charset="0"/>
+                <a:ea typeface="Calibri Light" panose="020F0302020204030204" pitchFamily="34" charset="0"/>
+                <a:cs typeface="Calibri Light" panose="020F0302020204030204" pitchFamily="34" charset="0"/>
+              </a:rPr>
               <a:t>	</a:t>
             </a:r>
             <a:r>
-              <a:rPr lang="it-IT" sz="2300" dirty="0" err="1"/>
-              <a:t>develop:Contiene</a:t>
-            </a:r>
-            <a:r>
-              <a:rPr lang="it-IT" sz="2300" dirty="0"/>
+              <a:rPr lang="it-IT" sz="2200" b="1" dirty="0" err="1">
+                <a:latin typeface="Calibri Light" panose="020F0302020204030204" pitchFamily="34" charset="0"/>
+                <a:ea typeface="Calibri Light" panose="020F0302020204030204" pitchFamily="34" charset="0"/>
+                <a:cs typeface="Calibri Light" panose="020F0302020204030204" pitchFamily="34" charset="0"/>
+              </a:rPr>
+              <a:t>develop</a:t>
+            </a:r>
+            <a:r>
+              <a:rPr lang="it-IT" sz="2200" dirty="0" err="1">
+                <a:latin typeface="Calibri Light" panose="020F0302020204030204" pitchFamily="34" charset="0"/>
+                <a:ea typeface="Calibri Light" panose="020F0302020204030204" pitchFamily="34" charset="0"/>
+                <a:cs typeface="Calibri Light" panose="020F0302020204030204" pitchFamily="34" charset="0"/>
+              </a:rPr>
+              <a:t>:Contiene</a:t>
+            </a:r>
+            <a:r>
+              <a:rPr lang="it-IT" sz="2200" dirty="0">
+                <a:latin typeface="Calibri Light" panose="020F0302020204030204" pitchFamily="34" charset="0"/>
+                <a:ea typeface="Calibri Light" panose="020F0302020204030204" pitchFamily="34" charset="0"/>
+                <a:cs typeface="Calibri Light" panose="020F0302020204030204" pitchFamily="34" charset="0"/>
+              </a:rPr>
               <a:t> le versioni in via di sviluppo del codice e della documentazione.</a:t>
             </a:r>
           </a:p>
@@ -6763,11 +7130,19 @@
               <a:buNone/>
             </a:pPr>
             <a:r>
-              <a:rPr lang="it-IT" sz="2300" b="1" dirty="0"/>
+              <a:rPr lang="it-IT" sz="2200" b="1" dirty="0">
+                <a:latin typeface="Calibri Light" panose="020F0302020204030204" pitchFamily="34" charset="0"/>
+                <a:ea typeface="Calibri Light" panose="020F0302020204030204" pitchFamily="34" charset="0"/>
+                <a:cs typeface="Calibri Light" panose="020F0302020204030204" pitchFamily="34" charset="0"/>
+              </a:rPr>
               <a:t>Cartelle</a:t>
             </a:r>
             <a:r>
-              <a:rPr lang="it-IT" sz="2300" dirty="0"/>
+              <a:rPr lang="it-IT" sz="2200" dirty="0">
+                <a:latin typeface="Calibri Light" panose="020F0302020204030204" pitchFamily="34" charset="0"/>
+                <a:ea typeface="Calibri Light" panose="020F0302020204030204" pitchFamily="34" charset="0"/>
+                <a:cs typeface="Calibri Light" panose="020F0302020204030204" pitchFamily="34" charset="0"/>
+              </a:rPr>
               <a:t>:</a:t>
             </a:r>
           </a:p>
@@ -6776,12 +7151,28 @@
               <a:buNone/>
             </a:pPr>
             <a:r>
-              <a:rPr lang="it-IT" sz="2300" dirty="0"/>
+              <a:rPr lang="it-IT" sz="2200" dirty="0">
+                <a:latin typeface="Calibri Light" panose="020F0302020204030204" pitchFamily="34" charset="0"/>
+                <a:ea typeface="Calibri Light" panose="020F0302020204030204" pitchFamily="34" charset="0"/>
+                <a:cs typeface="Calibri Light" panose="020F0302020204030204" pitchFamily="34" charset="0"/>
+              </a:rPr>
               <a:t>	</a:t>
             </a:r>
             <a:r>
-              <a:rPr lang="it-IT" sz="1600" dirty="0"/>
-              <a:t>Codice: Contiene il codice sorgente del progetto. </a:t>
+              <a:rPr lang="it-IT" sz="2200" b="1" dirty="0">
+                <a:latin typeface="Calibri Light" panose="020F0302020204030204" pitchFamily="34" charset="0"/>
+                <a:ea typeface="Calibri Light" panose="020F0302020204030204" pitchFamily="34" charset="0"/>
+                <a:cs typeface="Calibri Light" panose="020F0302020204030204" pitchFamily="34" charset="0"/>
+              </a:rPr>
+              <a:t>Codice</a:t>
+            </a:r>
+            <a:r>
+              <a:rPr lang="it-IT" sz="2200" dirty="0">
+                <a:latin typeface="Calibri Light" panose="020F0302020204030204" pitchFamily="34" charset="0"/>
+                <a:ea typeface="Calibri Light" panose="020F0302020204030204" pitchFamily="34" charset="0"/>
+                <a:cs typeface="Calibri Light" panose="020F0302020204030204" pitchFamily="34" charset="0"/>
+              </a:rPr>
+              <a:t>: Contiene il codice sorgente del progetto. </a:t>
             </a:r>
           </a:p>
           <a:p>
@@ -6789,15 +7180,35 @@
               <a:buNone/>
             </a:pPr>
             <a:r>
-              <a:rPr lang="it-IT" sz="1600" dirty="0"/>
+              <a:rPr lang="it-IT" sz="2200" dirty="0">
+                <a:latin typeface="Calibri Light" panose="020F0302020204030204" pitchFamily="34" charset="0"/>
+                <a:ea typeface="Calibri Light" panose="020F0302020204030204" pitchFamily="34" charset="0"/>
+                <a:cs typeface="Calibri Light" panose="020F0302020204030204" pitchFamily="34" charset="0"/>
+              </a:rPr>
               <a:t>	</a:t>
             </a:r>
             <a:r>
-              <a:rPr lang="it-IT" sz="1600" dirty="0" err="1"/>
-              <a:t>Docs:Contiene</a:t>
-            </a:r>
-            <a:r>
-              <a:rPr lang="it-IT" sz="1600" dirty="0"/>
+              <a:rPr lang="it-IT" sz="2200" b="1" dirty="0" err="1">
+                <a:latin typeface="Calibri Light" panose="020F0302020204030204" pitchFamily="34" charset="0"/>
+                <a:ea typeface="Calibri Light" panose="020F0302020204030204" pitchFamily="34" charset="0"/>
+                <a:cs typeface="Calibri Light" panose="020F0302020204030204" pitchFamily="34" charset="0"/>
+              </a:rPr>
+              <a:t>Docs</a:t>
+            </a:r>
+            <a:r>
+              <a:rPr lang="it-IT" sz="2200" dirty="0" err="1">
+                <a:latin typeface="Calibri Light" panose="020F0302020204030204" pitchFamily="34" charset="0"/>
+                <a:ea typeface="Calibri Light" panose="020F0302020204030204" pitchFamily="34" charset="0"/>
+                <a:cs typeface="Calibri Light" panose="020F0302020204030204" pitchFamily="34" charset="0"/>
+              </a:rPr>
+              <a:t>:Contiene</a:t>
+            </a:r>
+            <a:r>
+              <a:rPr lang="it-IT" sz="2200" dirty="0">
+                <a:latin typeface="Calibri Light" panose="020F0302020204030204" pitchFamily="34" charset="0"/>
+                <a:ea typeface="Calibri Light" panose="020F0302020204030204" pitchFamily="34" charset="0"/>
+                <a:cs typeface="Calibri Light" panose="020F0302020204030204" pitchFamily="34" charset="0"/>
+              </a:rPr>
               <a:t> tutta la documentazione del progetto.</a:t>
             </a:r>
           </a:p>
@@ -6806,23 +7217,50 @@
               <a:buNone/>
             </a:pPr>
             <a:r>
-              <a:rPr lang="it-IT" sz="1600" dirty="0"/>
+              <a:rPr lang="it-IT" sz="2200" dirty="0">
+                <a:latin typeface="Calibri Light" panose="020F0302020204030204" pitchFamily="34" charset="0"/>
+                <a:ea typeface="Calibri Light" panose="020F0302020204030204" pitchFamily="34" charset="0"/>
+                <a:cs typeface="Calibri Light" panose="020F0302020204030204" pitchFamily="34" charset="0"/>
+              </a:rPr>
               <a:t>	</a:t>
             </a:r>
             <a:r>
-              <a:rPr lang="it-IT" sz="1600" dirty="0" err="1"/>
-              <a:t>UML:Contiene</a:t>
-            </a:r>
-            <a:r>
-              <a:rPr lang="it-IT" sz="1600" dirty="0"/>
-              <a:t> i vari diagrammi UML utilizzati, per comprendere la logica e il funzionamento dell’applicazione.</a:t>
+              <a:rPr lang="it-IT" sz="2200" b="1" dirty="0" err="1">
+                <a:latin typeface="Calibri Light" panose="020F0302020204030204" pitchFamily="34" charset="0"/>
+                <a:ea typeface="Calibri Light" panose="020F0302020204030204" pitchFamily="34" charset="0"/>
+                <a:cs typeface="Calibri Light" panose="020F0302020204030204" pitchFamily="34" charset="0"/>
+              </a:rPr>
+              <a:t>UML</a:t>
+            </a:r>
+            <a:r>
+              <a:rPr lang="it-IT" sz="2200" dirty="0" err="1">
+                <a:latin typeface="Calibri Light" panose="020F0302020204030204" pitchFamily="34" charset="0"/>
+                <a:ea typeface="Calibri Light" panose="020F0302020204030204" pitchFamily="34" charset="0"/>
+                <a:cs typeface="Calibri Light" panose="020F0302020204030204" pitchFamily="34" charset="0"/>
+              </a:rPr>
+              <a:t>:Contiene</a:t>
+            </a:r>
+            <a:r>
+              <a:rPr lang="it-IT" sz="2200" dirty="0">
+                <a:latin typeface="Calibri Light" panose="020F0302020204030204" pitchFamily="34" charset="0"/>
+                <a:ea typeface="Calibri Light" panose="020F0302020204030204" pitchFamily="34" charset="0"/>
+                <a:cs typeface="Calibri Light" panose="020F0302020204030204" pitchFamily="34" charset="0"/>
+              </a:rPr>
+              <a:t> i vari diagrammi UML utilizzati, per comprendere la logica e il 			         funzionamento dell’applicazione.</a:t>
             </a:r>
           </a:p>
           <a:p>
             <a:pPr marL="0" indent="0">
               <a:buNone/>
             </a:pPr>
-            <a:endParaRPr lang="it-IT" sz="2300" dirty="0"/>
+            <a:r>
+              <a:rPr lang="it-IT" sz="2200" dirty="0">
+                <a:latin typeface="Calibri Light" panose="020F0302020204030204" pitchFamily="34" charset="0"/>
+                <a:ea typeface="Calibri Light" panose="020F0302020204030204" pitchFamily="34" charset="0"/>
+                <a:cs typeface="Calibri Light" panose="020F0302020204030204" pitchFamily="34" charset="0"/>
+              </a:rPr>
+              <a:t>			</a:t>
+            </a:r>
           </a:p>
         </p:txBody>
       </p:sp>
@@ -6874,50 +7312,61 @@
         </p:nvSpPr>
         <p:spPr/>
         <p:txBody>
-          <a:bodyPr/>
+          <a:bodyPr>
+            <a:normAutofit/>
+          </a:bodyPr>
           <a:lstStyle/>
           <a:p>
             <a:r>
-              <a:rPr lang="it-IT" sz="4400" b="1" i="0" u="none" strike="noStrike" dirty="0">
+              <a:rPr lang="it-IT" sz="5000" b="1" i="0" u="none" strike="noStrike" dirty="0">
                 <a:solidFill>
                   <a:srgbClr val="000000"/>
                 </a:solidFill>
                 <a:effectLst/>
-                <a:latin typeface="Calibri Light" panose="020F0302020204030204" pitchFamily="34" charset="0"/>
-              </a:rPr>
-              <a:t>Software </a:t>
-            </a:r>
-            <a:r>
-              <a:rPr lang="it-IT" sz="4400" b="1" i="0" u="none" strike="noStrike" dirty="0" err="1">
+              </a:rPr>
+              <a:t>Software</a:t>
+            </a:r>
+            <a:r>
+              <a:rPr lang="it-IT" sz="5000" b="1" i="0" u="none" strike="noStrike" dirty="0">
                 <a:solidFill>
                   <a:srgbClr val="000000"/>
                 </a:solidFill>
                 <a:effectLst/>
                 <a:latin typeface="Calibri Light" panose="020F0302020204030204" pitchFamily="34" charset="0"/>
               </a:rPr>
-              <a:t>configuration</a:t>
-            </a:r>
-            <a:r>
-              <a:rPr lang="it-IT" sz="4400" b="1" i="0" u="none" strike="noStrike" dirty="0">
+              <a:t> </a:t>
+            </a:r>
+            <a:r>
+              <a:rPr lang="it-IT" sz="5000" b="1" i="0" u="none" strike="noStrike" dirty="0" err="1">
                 <a:solidFill>
                   <a:srgbClr val="000000"/>
                 </a:solidFill>
                 <a:effectLst/>
                 <a:latin typeface="Calibri Light" panose="020F0302020204030204" pitchFamily="34" charset="0"/>
               </a:rPr>
-              <a:t> management</a:t>
-            </a:r>
-            <a:r>
-              <a:rPr lang="it-IT" sz="1400" b="0" i="0" dirty="0">
+              <a:t>configuration</a:t>
+            </a:r>
+            <a:r>
+              <a:rPr lang="it-IT" sz="5000" b="1" i="0" u="none" strike="noStrike" dirty="0">
                 <a:solidFill>
                   <a:srgbClr val="000000"/>
                 </a:solidFill>
                 <a:effectLst/>
                 <a:latin typeface="Calibri Light" panose="020F0302020204030204" pitchFamily="34" charset="0"/>
               </a:rPr>
+              <a:t> management</a:t>
+            </a:r>
+            <a:r>
+              <a:rPr lang="it-IT" sz="5000" b="0" i="0" dirty="0">
+                <a:solidFill>
+                  <a:srgbClr val="000000"/>
+                </a:solidFill>
+                <a:effectLst/>
+                <a:latin typeface="Calibri Light" panose="020F0302020204030204" pitchFamily="34" charset="0"/>
+              </a:rPr>
               <a:t>​</a:t>
             </a:r>
-            <a:endParaRPr lang="it-IT" dirty="0"/>
+            <a:endParaRPr lang="it-IT" sz="5000" dirty="0"/>
           </a:p>
         </p:txBody>
       </p:sp>
@@ -6939,46 +7388,84 @@
         </p:nvSpPr>
         <p:spPr/>
         <p:txBody>
-          <a:bodyPr/>
+          <a:bodyPr>
+            <a:normAutofit/>
+          </a:bodyPr>
           <a:lstStyle/>
           <a:p>
             <a:pPr marL="0" indent="0">
               <a:buNone/>
             </a:pPr>
             <a:r>
-              <a:rPr lang="it-IT" dirty="0"/>
+              <a:rPr lang="it-IT" sz="2200" dirty="0">
+                <a:latin typeface="Calibri Light" panose="020F0302020204030204" pitchFamily="34" charset="0"/>
+                <a:ea typeface="Calibri Light" panose="020F0302020204030204" pitchFamily="34" charset="0"/>
+                <a:cs typeface="Calibri Light" panose="020F0302020204030204" pitchFamily="34" charset="0"/>
+              </a:rPr>
               <a:t>Nei vari meeting giornalieri, il team tramite </a:t>
             </a:r>
             <a:r>
-              <a:rPr lang="it-IT" dirty="0" err="1"/>
+              <a:rPr lang="it-IT" sz="2200" dirty="0" err="1">
+                <a:latin typeface="Calibri Light" panose="020F0302020204030204" pitchFamily="34" charset="0"/>
+                <a:ea typeface="Calibri Light" panose="020F0302020204030204" pitchFamily="34" charset="0"/>
+                <a:cs typeface="Calibri Light" panose="020F0302020204030204" pitchFamily="34" charset="0"/>
+              </a:rPr>
               <a:t>issue</a:t>
             </a:r>
             <a:r>
-              <a:rPr lang="it-IT" dirty="0"/>
+              <a:rPr lang="it-IT" sz="2200" dirty="0">
+                <a:latin typeface="Calibri Light" panose="020F0302020204030204" pitchFamily="34" charset="0"/>
+                <a:ea typeface="Calibri Light" panose="020F0302020204030204" pitchFamily="34" charset="0"/>
+                <a:cs typeface="Calibri Light" panose="020F0302020204030204" pitchFamily="34" charset="0"/>
+              </a:rPr>
               <a:t> e collegamenti online ha sempre definito le problematiche e le sfide da affrontare utilizzando GitHub come piattaforma per la gestione dei file di progetto, i loro progressi e le varie </a:t>
             </a:r>
             <a:r>
-              <a:rPr lang="it-IT" dirty="0" err="1"/>
+              <a:rPr lang="it-IT" sz="2200" dirty="0" err="1">
+                <a:latin typeface="Calibri Light" panose="020F0302020204030204" pitchFamily="34" charset="0"/>
+                <a:ea typeface="Calibri Light" panose="020F0302020204030204" pitchFamily="34" charset="0"/>
+                <a:cs typeface="Calibri Light" panose="020F0302020204030204" pitchFamily="34" charset="0"/>
+              </a:rPr>
               <a:t>issue</a:t>
             </a:r>
             <a:r>
-              <a:rPr lang="it-IT" dirty="0"/>
+              <a:rPr lang="it-IT" sz="2200" dirty="0">
+                <a:latin typeface="Calibri Light" panose="020F0302020204030204" pitchFamily="34" charset="0"/>
+                <a:ea typeface="Calibri Light" panose="020F0302020204030204" pitchFamily="34" charset="0"/>
+                <a:cs typeface="Calibri Light" panose="020F0302020204030204" pitchFamily="34" charset="0"/>
+              </a:rPr>
               <a:t> assegnate, dove ogni membro del team ha partecipato aggiornando il repository di giorno in giorno, attraverso operazioni di </a:t>
             </a:r>
             <a:r>
-              <a:rPr lang="it-IT" dirty="0" err="1"/>
+              <a:rPr lang="it-IT" sz="2200" dirty="0" err="1">
+                <a:latin typeface="Calibri Light" panose="020F0302020204030204" pitchFamily="34" charset="0"/>
+                <a:ea typeface="Calibri Light" panose="020F0302020204030204" pitchFamily="34" charset="0"/>
+                <a:cs typeface="Calibri Light" panose="020F0302020204030204" pitchFamily="34" charset="0"/>
+              </a:rPr>
               <a:t>commit</a:t>
             </a:r>
             <a:r>
-              <a:rPr lang="it-IT" dirty="0"/>
+              <a:rPr lang="it-IT" sz="2200" dirty="0">
+                <a:latin typeface="Calibri Light" panose="020F0302020204030204" pitchFamily="34" charset="0"/>
+                <a:ea typeface="Calibri Light" panose="020F0302020204030204" pitchFamily="34" charset="0"/>
+                <a:cs typeface="Calibri Light" panose="020F0302020204030204" pitchFamily="34" charset="0"/>
+              </a:rPr>
               <a:t> e </a:t>
             </a:r>
             <a:r>
-              <a:rPr lang="it-IT" dirty="0" err="1"/>
+              <a:rPr lang="it-IT" sz="2200" dirty="0" err="1">
+                <a:latin typeface="Calibri Light" panose="020F0302020204030204" pitchFamily="34" charset="0"/>
+                <a:ea typeface="Calibri Light" panose="020F0302020204030204" pitchFamily="34" charset="0"/>
+                <a:cs typeface="Calibri Light" panose="020F0302020204030204" pitchFamily="34" charset="0"/>
+              </a:rPr>
               <a:t>push</a:t>
             </a:r>
             <a:r>
-              <a:rPr lang="it-IT" dirty="0"/>
+              <a:rPr lang="it-IT" sz="2200" dirty="0">
+                <a:latin typeface="Calibri Light" panose="020F0302020204030204" pitchFamily="34" charset="0"/>
+                <a:ea typeface="Calibri Light" panose="020F0302020204030204" pitchFamily="34" charset="0"/>
+                <a:cs typeface="Calibri Light" panose="020F0302020204030204" pitchFamily="34" charset="0"/>
+              </a:rPr>
               <a:t>.</a:t>
             </a:r>
           </a:p>
@@ -7030,21 +7517,28 @@
             <p:ph type="title"/>
           </p:nvPr>
         </p:nvSpPr>
-        <p:spPr/>
-        <p:txBody>
-          <a:bodyPr/>
+        <p:spPr>
+          <a:xfrm>
+            <a:off x="662472" y="365126"/>
+            <a:ext cx="10691327" cy="903838"/>
+          </a:xfrm>
+        </p:spPr>
+        <p:txBody>
+          <a:bodyPr>
+            <a:normAutofit/>
+          </a:bodyPr>
           <a:lstStyle/>
           <a:p>
             <a:r>
-              <a:rPr lang="it-IT" dirty="0"/>
+              <a:rPr lang="it-IT" sz="5000" b="1" dirty="0"/>
               <a:t>Software life </a:t>
             </a:r>
             <a:r>
-              <a:rPr lang="it-IT" dirty="0" err="1"/>
+              <a:rPr lang="it-IT" sz="5000" b="1" dirty="0" err="1"/>
               <a:t>cycle</a:t>
             </a:r>
             <a:r>
-              <a:rPr lang="it-IT" dirty="0"/>
+              <a:rPr lang="it-IT" sz="5000" b="1" dirty="0"/>
               <a:t> </a:t>
             </a:r>
           </a:p>
@@ -7074,60 +7568,104 @@
         </p:spPr>
         <p:txBody>
           <a:bodyPr>
-            <a:normAutofit fontScale="92500" lnSpcReduction="10000"/>
+            <a:normAutofit/>
           </a:bodyPr>
           <a:lstStyle/>
           <a:p>
             <a:r>
-              <a:rPr lang="it-IT" dirty="0"/>
+              <a:rPr lang="it-IT" sz="2200" dirty="0">
+                <a:latin typeface="Calibri Light" panose="020F0302020204030204" pitchFamily="34" charset="0"/>
+                <a:ea typeface="Calibri Light" panose="020F0302020204030204" pitchFamily="34" charset="0"/>
+                <a:cs typeface="Calibri Light" panose="020F0302020204030204" pitchFamily="34" charset="0"/>
+              </a:rPr>
               <a:t>Per il processo di sviluppo il team ha scelto un approccio di tipo Agile poiché meglio si adatta alla nostra metodologia di lavoro.</a:t>
             </a:r>
           </a:p>
           <a:p>
             <a:r>
-              <a:rPr lang="it-IT" dirty="0"/>
+              <a:rPr lang="it-IT" sz="2200" dirty="0">
+                <a:latin typeface="Calibri Light" panose="020F0302020204030204" pitchFamily="34" charset="0"/>
+                <a:ea typeface="Calibri Light" panose="020F0302020204030204" pitchFamily="34" charset="0"/>
+                <a:cs typeface="Calibri Light" panose="020F0302020204030204" pitchFamily="34" charset="0"/>
+              </a:rPr>
               <a:t>Abbiamo deciso di organizzarci secondo la filosofia della programmazione estrema (</a:t>
             </a:r>
             <a:r>
-              <a:rPr lang="it-IT" dirty="0" err="1"/>
+              <a:rPr lang="it-IT" sz="2200" dirty="0" err="1">
+                <a:latin typeface="Calibri Light" panose="020F0302020204030204" pitchFamily="34" charset="0"/>
+                <a:ea typeface="Calibri Light" panose="020F0302020204030204" pitchFamily="34" charset="0"/>
+                <a:cs typeface="Calibri Light" panose="020F0302020204030204" pitchFamily="34" charset="0"/>
+              </a:rPr>
               <a:t>l’extreme</a:t>
             </a:r>
             <a:r>
-              <a:rPr lang="it-IT" dirty="0"/>
+              <a:rPr lang="it-IT" sz="2200" dirty="0">
+                <a:latin typeface="Calibri Light" panose="020F0302020204030204" pitchFamily="34" charset="0"/>
+                <a:ea typeface="Calibri Light" panose="020F0302020204030204" pitchFamily="34" charset="0"/>
+                <a:cs typeface="Calibri Light" panose="020F0302020204030204" pitchFamily="34" charset="0"/>
+              </a:rPr>
               <a:t> programming). </a:t>
             </a:r>
           </a:p>
           <a:p>
             <a:r>
-              <a:rPr lang="it-IT" dirty="0"/>
+              <a:rPr lang="it-IT" sz="2200" dirty="0">
+                <a:latin typeface="Calibri Light" panose="020F0302020204030204" pitchFamily="34" charset="0"/>
+                <a:ea typeface="Calibri Light" panose="020F0302020204030204" pitchFamily="34" charset="0"/>
+                <a:cs typeface="Calibri Light" panose="020F0302020204030204" pitchFamily="34" charset="0"/>
+              </a:rPr>
               <a:t> Nel team non c’è una struttura di tipo gerarchico: ci consideriamo tutti allo stesso livello. </a:t>
             </a:r>
           </a:p>
           <a:p>
             <a:r>
-              <a:rPr lang="it-IT" dirty="0"/>
+              <a:rPr lang="it-IT" sz="2200" dirty="0">
+                <a:latin typeface="Calibri Light" panose="020F0302020204030204" pitchFamily="34" charset="0"/>
+                <a:ea typeface="Calibri Light" panose="020F0302020204030204" pitchFamily="34" charset="0"/>
+                <a:cs typeface="Calibri Light" panose="020F0302020204030204" pitchFamily="34" charset="0"/>
+              </a:rPr>
               <a:t> Il team è propenso al cambiamento. Nel caso in cui il nostro prodotto venga richiesto da molti utenti, e questi richiedano delle modifiche, il team è pronto ad ascoltare le varie proposte per il continuo miglioramento dell’applicazione fitness app come da prassi nella programmazione agile</a:t>
             </a:r>
           </a:p>
           <a:p>
             <a:r>
-              <a:rPr lang="it-IT" dirty="0"/>
+              <a:rPr lang="it-IT" sz="2200" dirty="0">
+                <a:latin typeface="Calibri Light" panose="020F0302020204030204" pitchFamily="34" charset="0"/>
+                <a:ea typeface="Calibri Light" panose="020F0302020204030204" pitchFamily="34" charset="0"/>
+                <a:cs typeface="Calibri Light" panose="020F0302020204030204" pitchFamily="34" charset="0"/>
+              </a:rPr>
               <a:t> Come approccio di progettazione software per lo sviluppo del sistema ci siamo attenuti alla model-</a:t>
             </a:r>
             <a:r>
-              <a:rPr lang="it-IT" dirty="0" err="1"/>
+              <a:rPr lang="it-IT" sz="2200" dirty="0" err="1">
+                <a:latin typeface="Calibri Light" panose="020F0302020204030204" pitchFamily="34" charset="0"/>
+                <a:ea typeface="Calibri Light" panose="020F0302020204030204" pitchFamily="34" charset="0"/>
+                <a:cs typeface="Calibri Light" panose="020F0302020204030204" pitchFamily="34" charset="0"/>
+              </a:rPr>
               <a:t>driven</a:t>
             </a:r>
             <a:r>
-              <a:rPr lang="it-IT" dirty="0"/>
+              <a:rPr lang="it-IT" sz="2200" dirty="0">
+                <a:latin typeface="Calibri Light" panose="020F0302020204030204" pitchFamily="34" charset="0"/>
+                <a:ea typeface="Calibri Light" panose="020F0302020204030204" pitchFamily="34" charset="0"/>
+                <a:cs typeface="Calibri Light" panose="020F0302020204030204" pitchFamily="34" charset="0"/>
+              </a:rPr>
               <a:t> </a:t>
             </a:r>
             <a:r>
-              <a:rPr lang="it-IT" dirty="0" err="1"/>
+              <a:rPr lang="it-IT" sz="2200" dirty="0" err="1">
+                <a:latin typeface="Calibri Light" panose="020F0302020204030204" pitchFamily="34" charset="0"/>
+                <a:ea typeface="Calibri Light" panose="020F0302020204030204" pitchFamily="34" charset="0"/>
+                <a:cs typeface="Calibri Light" panose="020F0302020204030204" pitchFamily="34" charset="0"/>
+              </a:rPr>
               <a:t>architecture</a:t>
             </a:r>
             <a:r>
-              <a:rPr lang="it-IT" dirty="0"/>
+              <a:rPr lang="it-IT" sz="2200" dirty="0">
+                <a:latin typeface="Calibri Light" panose="020F0302020204030204" pitchFamily="34" charset="0"/>
+                <a:ea typeface="Calibri Light" panose="020F0302020204030204" pitchFamily="34" charset="0"/>
+                <a:cs typeface="Calibri Light" panose="020F0302020204030204" pitchFamily="34" charset="0"/>
+              </a:rPr>
               <a:t> (MDA)</a:t>
             </a:r>
           </a:p>
@@ -7179,46 +7717,62 @@
             <p:ph type="title"/>
           </p:nvPr>
         </p:nvSpPr>
-        <p:spPr/>
-        <p:txBody>
-          <a:bodyPr/>
-          <a:lstStyle/>
-          <a:p>
-            <a:r>
-              <a:rPr lang="it-IT" dirty="0"/>
-              <a:t>Requisiti</a:t>
-            </a:r>
-          </a:p>
-        </p:txBody>
-      </p:sp>
-      <p:sp>
-        <p:nvSpPr>
-          <p:cNvPr id="3" name="Segnaposto contenuto 2">
-            <a:extLst>
-              <a:ext uri="{FF2B5EF4-FFF2-40B4-BE49-F238E27FC236}">
-                <a16:creationId xmlns:a16="http://schemas.microsoft.com/office/drawing/2014/main" id="{206D1244-5A68-95D8-B2C9-6964BF9C7CF4}"/>
-              </a:ext>
-            </a:extLst>
-          </p:cNvPr>
-          <p:cNvSpPr>
-            <a:spLocks noGrp="1"/>
-          </p:cNvSpPr>
-          <p:nvPr>
-            <p:ph idx="1"/>
-          </p:nvPr>
-        </p:nvSpPr>
-        <p:spPr/>
+        <p:spPr>
+          <a:xfrm>
+            <a:off x="838200" y="365125"/>
+            <a:ext cx="10515600" cy="969153"/>
+          </a:xfrm>
+        </p:spPr>
         <p:txBody>
           <a:bodyPr>
-            <a:normAutofit lnSpcReduction="10000"/>
+            <a:normAutofit/>
           </a:bodyPr>
           <a:lstStyle/>
           <a:p>
+            <a:r>
+              <a:rPr lang="it-IT" sz="5000" b="1" dirty="0"/>
+              <a:t>Requisiti</a:t>
+            </a:r>
+          </a:p>
+        </p:txBody>
+      </p:sp>
+      <p:sp>
+        <p:nvSpPr>
+          <p:cNvPr id="3" name="Segnaposto contenuto 2">
+            <a:extLst>
+              <a:ext uri="{FF2B5EF4-FFF2-40B4-BE49-F238E27FC236}">
+                <a16:creationId xmlns:a16="http://schemas.microsoft.com/office/drawing/2014/main" id="{206D1244-5A68-95D8-B2C9-6964BF9C7CF4}"/>
+              </a:ext>
+            </a:extLst>
+          </p:cNvPr>
+          <p:cNvSpPr>
+            <a:spLocks noGrp="1"/>
+          </p:cNvSpPr>
+          <p:nvPr>
+            <p:ph idx="1"/>
+          </p:nvPr>
+        </p:nvSpPr>
+        <p:spPr>
+          <a:xfrm>
+            <a:off x="615820" y="1436914"/>
+            <a:ext cx="10737980" cy="5299787"/>
+          </a:xfrm>
+        </p:spPr>
+        <p:txBody>
+          <a:bodyPr>
+            <a:noAutofit/>
+          </a:bodyPr>
+          <a:lstStyle/>
+          <a:p>
             <a:pPr marL="0" indent="0">
               <a:buNone/>
             </a:pPr>
             <a:r>
-              <a:rPr lang="it-IT" dirty="0"/>
+              <a:rPr lang="it-IT" sz="2200" dirty="0">
+                <a:latin typeface="Calibri Light" panose="020F0302020204030204" pitchFamily="34" charset="0"/>
+                <a:ea typeface="Calibri Light" panose="020F0302020204030204" pitchFamily="34" charset="0"/>
+                <a:cs typeface="Calibri Light" panose="020F0302020204030204" pitchFamily="34" charset="0"/>
+              </a:rPr>
               <a:t>I requisiti sono stati scelti insieme a tutto il team in base alle caratteristiche e alla logica di gestione delle schede di allenamento.</a:t>
             </a:r>
           </a:p>
@@ -7237,37 +7791,37 @@
               </a:tabLst>
             </a:pPr>
             <a:r>
-              <a:rPr lang="it-IT" sz="2000" b="1" kern="0" dirty="0">
+              <a:rPr lang="it-IT" sz="2200" b="1" kern="0" dirty="0">
                 <a:solidFill>
                   <a:srgbClr val="1F2328"/>
                 </a:solidFill>
                 <a:effectLst/>
                 <a:latin typeface="Calibri Light" panose="020F0302020204030204" pitchFamily="34" charset="0"/>
-                <a:ea typeface="Times New Roman" panose="02020603050405020304" pitchFamily="18" charset="0"/>
-                <a:cs typeface="Times New Roman" panose="02020603050405020304" pitchFamily="18" charset="0"/>
+                <a:ea typeface="Calibri Light" panose="020F0302020204030204" pitchFamily="34" charset="0"/>
+                <a:cs typeface="Calibri Light" panose="020F0302020204030204" pitchFamily="34" charset="0"/>
               </a:rPr>
               <a:t>Must </a:t>
             </a:r>
             <a:r>
-              <a:rPr lang="it-IT" sz="2000" b="1" kern="0" dirty="0" err="1">
+              <a:rPr lang="it-IT" sz="2200" b="1" kern="0" dirty="0" err="1">
                 <a:solidFill>
                   <a:srgbClr val="1F2328"/>
                 </a:solidFill>
                 <a:effectLst/>
                 <a:latin typeface="Calibri Light" panose="020F0302020204030204" pitchFamily="34" charset="0"/>
-                <a:ea typeface="Times New Roman" panose="02020603050405020304" pitchFamily="18" charset="0"/>
-                <a:cs typeface="Times New Roman" panose="02020603050405020304" pitchFamily="18" charset="0"/>
+                <a:ea typeface="Calibri Light" panose="020F0302020204030204" pitchFamily="34" charset="0"/>
+                <a:cs typeface="Calibri Light" panose="020F0302020204030204" pitchFamily="34" charset="0"/>
               </a:rPr>
               <a:t>have</a:t>
             </a:r>
             <a:r>
-              <a:rPr lang="it-IT" sz="2000" b="1" kern="0" dirty="0">
+              <a:rPr lang="it-IT" sz="2200" b="1" kern="0" dirty="0">
                 <a:solidFill>
                   <a:srgbClr val="1F2328"/>
                 </a:solidFill>
                 <a:latin typeface="Calibri Light" panose="020F0302020204030204" pitchFamily="34" charset="0"/>
-                <a:ea typeface="Times New Roman" panose="02020603050405020304" pitchFamily="18" charset="0"/>
-                <a:cs typeface="Times New Roman" panose="02020603050405020304" pitchFamily="18" charset="0"/>
+                <a:ea typeface="Calibri Light" panose="020F0302020204030204" pitchFamily="34" charset="0"/>
+                <a:cs typeface="Calibri Light" panose="020F0302020204030204" pitchFamily="34" charset="0"/>
               </a:rPr>
               <a:t>:</a:t>
             </a:r>
@@ -7291,14 +7845,14 @@
               </a:tabLst>
             </a:pPr>
             <a:r>
-              <a:rPr lang="it-IT" sz="2000" kern="0" dirty="0">
+              <a:rPr lang="it-IT" sz="2200" kern="0" dirty="0">
                 <a:solidFill>
                   <a:srgbClr val="1F2328"/>
                 </a:solidFill>
                 <a:effectLst/>
                 <a:latin typeface="Calibri Light" panose="020F0302020204030204" pitchFamily="34" charset="0"/>
-                <a:ea typeface="Times New Roman" panose="02020603050405020304" pitchFamily="18" charset="0"/>
-                <a:cs typeface="Times New Roman" panose="02020603050405020304" pitchFamily="18" charset="0"/>
+                <a:ea typeface="Calibri Light" panose="020F0302020204030204" pitchFamily="34" charset="0"/>
+                <a:cs typeface="Calibri Light" panose="020F0302020204030204" pitchFamily="34" charset="0"/>
               </a:rPr>
               <a:t>Interfaccia grafica semplice e intuitiva</a:t>
             </a:r>
@@ -7322,24 +7876,24 @@
               </a:tabLst>
             </a:pPr>
             <a:r>
-              <a:rPr lang="it-IT" sz="2000" kern="0" dirty="0">
+              <a:rPr lang="it-IT" sz="2200" kern="0" dirty="0">
                 <a:solidFill>
                   <a:srgbClr val="1F2328"/>
                 </a:solidFill>
                 <a:effectLst/>
                 <a:latin typeface="Calibri Light" panose="020F0302020204030204" pitchFamily="34" charset="0"/>
-                <a:ea typeface="Times New Roman" panose="02020603050405020304" pitchFamily="18" charset="0"/>
-                <a:cs typeface="Times New Roman" panose="02020603050405020304" pitchFamily="18" charset="0"/>
+                <a:ea typeface="Calibri Light" panose="020F0302020204030204" pitchFamily="34" charset="0"/>
+                <a:cs typeface="Calibri Light" panose="020F0302020204030204" pitchFamily="34" charset="0"/>
               </a:rPr>
               <a:t>Sviluppo di una versione dell’applicazione fitness app funzionante</a:t>
             </a:r>
-            <a:endParaRPr lang="it-IT" sz="2000" kern="100" dirty="0">
+            <a:endParaRPr lang="it-IT" sz="2200" kern="100" dirty="0">
               <a:solidFill>
                 <a:srgbClr val="1F2328"/>
               </a:solidFill>
-              <a:latin typeface="Calibri" panose="020F0502020204030204" pitchFamily="34" charset="0"/>
-              <a:ea typeface="Calibri" panose="020F0502020204030204" pitchFamily="34" charset="0"/>
-              <a:cs typeface="Times New Roman" panose="02020603050405020304" pitchFamily="18" charset="0"/>
+              <a:latin typeface="Calibri Light" panose="020F0302020204030204" pitchFamily="34" charset="0"/>
+              <a:ea typeface="Calibri Light" panose="020F0302020204030204" pitchFamily="34" charset="0"/>
+              <a:cs typeface="Calibri Light" panose="020F0302020204030204" pitchFamily="34" charset="0"/>
             </a:endParaRPr>
           </a:p>
           <a:p>
@@ -7361,22 +7915,24 @@
               </a:tabLst>
             </a:pPr>
             <a:r>
-              <a:rPr lang="it-IT" sz="2000" kern="0" dirty="0">
+              <a:rPr lang="it-IT" sz="2200" kern="0" dirty="0">
                 <a:solidFill>
                   <a:srgbClr val="1F2328"/>
                 </a:solidFill>
                 <a:effectLst/>
                 <a:latin typeface="Calibri Light" panose="020F0302020204030204" pitchFamily="34" charset="0"/>
-                <a:ea typeface="Times New Roman" panose="02020603050405020304" pitchFamily="18" charset="0"/>
+                <a:ea typeface="Calibri Light" panose="020F0302020204030204" pitchFamily="34" charset="0"/>
+                <a:cs typeface="Calibri Light" panose="020F0302020204030204" pitchFamily="34" charset="0"/>
               </a:rPr>
               <a:t>Stabilità e sicurezza del software</a:t>
             </a:r>
-            <a:endParaRPr lang="it-IT" sz="2000" kern="0" dirty="0">
+            <a:endParaRPr lang="it-IT" sz="2200" kern="0" dirty="0">
               <a:solidFill>
                 <a:srgbClr val="1F2328"/>
               </a:solidFill>
               <a:latin typeface="Calibri Light" panose="020F0302020204030204" pitchFamily="34" charset="0"/>
-              <a:ea typeface="Times New Roman" panose="02020603050405020304" pitchFamily="18" charset="0"/>
+              <a:ea typeface="Calibri Light" panose="020F0302020204030204" pitchFamily="34" charset="0"/>
+              <a:cs typeface="Calibri Light" panose="020F0302020204030204" pitchFamily="34" charset="0"/>
             </a:endParaRPr>
           </a:p>
           <a:p>
@@ -7397,61 +7953,61 @@
               </a:tabLst>
             </a:pPr>
             <a:r>
-              <a:rPr lang="it-IT" sz="1200" b="1" kern="0" dirty="0" err="1">
+              <a:rPr lang="it-IT" sz="2200" b="1" kern="0" dirty="0" err="1">
                 <a:solidFill>
                   <a:srgbClr val="1F2328"/>
                 </a:solidFill>
                 <a:effectLst/>
                 <a:latin typeface="Calibri Light" panose="020F0302020204030204" pitchFamily="34" charset="0"/>
-                <a:ea typeface="Times New Roman" panose="02020603050405020304" pitchFamily="18" charset="0"/>
-                <a:cs typeface="Times New Roman" panose="02020603050405020304" pitchFamily="18" charset="0"/>
+                <a:ea typeface="Calibri Light" panose="020F0302020204030204" pitchFamily="34" charset="0"/>
+                <a:cs typeface="Calibri Light" panose="020F0302020204030204" pitchFamily="34" charset="0"/>
               </a:rPr>
               <a:t>Should</a:t>
             </a:r>
             <a:r>
-              <a:rPr lang="it-IT" sz="1200" b="1" kern="0" dirty="0">
+              <a:rPr lang="it-IT" sz="2200" b="1" kern="0" dirty="0">
                 <a:solidFill>
                   <a:srgbClr val="1F2328"/>
                 </a:solidFill>
                 <a:effectLst/>
                 <a:latin typeface="Calibri Light" panose="020F0302020204030204" pitchFamily="34" charset="0"/>
-                <a:ea typeface="Times New Roman" panose="02020603050405020304" pitchFamily="18" charset="0"/>
-                <a:cs typeface="Times New Roman" panose="02020603050405020304" pitchFamily="18" charset="0"/>
+                <a:ea typeface="Calibri Light" panose="020F0302020204030204" pitchFamily="34" charset="0"/>
+                <a:cs typeface="Calibri Light" panose="020F0302020204030204" pitchFamily="34" charset="0"/>
               </a:rPr>
               <a:t> </a:t>
             </a:r>
             <a:r>
-              <a:rPr lang="it-IT" sz="1200" b="1" kern="0" dirty="0" err="1">
+              <a:rPr lang="it-IT" sz="2200" b="1" kern="0" dirty="0" err="1">
                 <a:solidFill>
                   <a:srgbClr val="1F2328"/>
                 </a:solidFill>
                 <a:effectLst/>
                 <a:latin typeface="Calibri Light" panose="020F0302020204030204" pitchFamily="34" charset="0"/>
-                <a:ea typeface="Times New Roman" panose="02020603050405020304" pitchFamily="18" charset="0"/>
-                <a:cs typeface="Times New Roman" panose="02020603050405020304" pitchFamily="18" charset="0"/>
+                <a:ea typeface="Calibri Light" panose="020F0302020204030204" pitchFamily="34" charset="0"/>
+                <a:cs typeface="Calibri Light" panose="020F0302020204030204" pitchFamily="34" charset="0"/>
               </a:rPr>
               <a:t>have</a:t>
             </a:r>
             <a:r>
-              <a:rPr lang="it-IT" sz="1200" kern="0" dirty="0">
+              <a:rPr lang="it-IT" sz="2200" kern="0" dirty="0">
                 <a:solidFill>
                   <a:srgbClr val="1F2328"/>
                 </a:solidFill>
                 <a:effectLst/>
                 <a:latin typeface="Calibri Light" panose="020F0302020204030204" pitchFamily="34" charset="0"/>
-                <a:ea typeface="Times New Roman" panose="02020603050405020304" pitchFamily="18" charset="0"/>
-                <a:cs typeface="Times New Roman" panose="02020603050405020304" pitchFamily="18" charset="0"/>
+                <a:ea typeface="Calibri Light" panose="020F0302020204030204" pitchFamily="34" charset="0"/>
+                <a:cs typeface="Calibri Light" panose="020F0302020204030204" pitchFamily="34" charset="0"/>
               </a:rPr>
               <a:t>:</a:t>
             </a:r>
-            <a:endParaRPr lang="it-IT" sz="1100" kern="100" dirty="0">
+            <a:endParaRPr lang="it-IT" sz="2200" kern="100" dirty="0">
               <a:solidFill>
                 <a:srgbClr val="1F2328"/>
               </a:solidFill>
               <a:effectLst/>
-              <a:latin typeface="Calibri" panose="020F0502020204030204" pitchFamily="34" charset="0"/>
-              <a:ea typeface="Calibri" panose="020F0502020204030204" pitchFamily="34" charset="0"/>
-              <a:cs typeface="Times New Roman" panose="02020603050405020304" pitchFamily="18" charset="0"/>
+              <a:latin typeface="Calibri Light" panose="020F0302020204030204" pitchFamily="34" charset="0"/>
+              <a:ea typeface="Calibri Light" panose="020F0302020204030204" pitchFamily="34" charset="0"/>
+              <a:cs typeface="Calibri Light" panose="020F0302020204030204" pitchFamily="34" charset="0"/>
             </a:endParaRPr>
           </a:p>
           <a:p>
@@ -7473,25 +8029,25 @@
               </a:tabLst>
             </a:pPr>
             <a:r>
-              <a:rPr lang="it-IT" sz="1200" kern="0" dirty="0">
+              <a:rPr lang="it-IT" sz="2200" kern="0" dirty="0">
                 <a:solidFill>
                   <a:srgbClr val="1F2328"/>
                 </a:solidFill>
                 <a:effectLst/>
                 <a:latin typeface="Calibri Light" panose="020F0302020204030204" pitchFamily="34" charset="0"/>
-                <a:ea typeface="Times New Roman" panose="02020603050405020304" pitchFamily="18" charset="0"/>
-                <a:cs typeface="Times New Roman" panose="02020603050405020304" pitchFamily="18" charset="0"/>
+                <a:ea typeface="Calibri Light" panose="020F0302020204030204" pitchFamily="34" charset="0"/>
+                <a:cs typeface="Calibri Light" panose="020F0302020204030204" pitchFamily="34" charset="0"/>
               </a:rPr>
               <a:t>Facilità nella comprensione delle varie schede di allenamento</a:t>
             </a:r>
-            <a:endParaRPr lang="it-IT" sz="1100" kern="100" dirty="0">
+            <a:endParaRPr lang="it-IT" sz="2200" kern="100" dirty="0">
               <a:solidFill>
                 <a:srgbClr val="1F2328"/>
               </a:solidFill>
               <a:effectLst/>
-              <a:latin typeface="Calibri" panose="020F0502020204030204" pitchFamily="34" charset="0"/>
-              <a:ea typeface="Calibri" panose="020F0502020204030204" pitchFamily="34" charset="0"/>
-              <a:cs typeface="Times New Roman" panose="02020603050405020304" pitchFamily="18" charset="0"/>
+              <a:latin typeface="Calibri Light" panose="020F0302020204030204" pitchFamily="34" charset="0"/>
+              <a:ea typeface="Calibri Light" panose="020F0302020204030204" pitchFamily="34" charset="0"/>
+              <a:cs typeface="Calibri Light" panose="020F0302020204030204" pitchFamily="34" charset="0"/>
             </a:endParaRPr>
           </a:p>
           <a:p>
@@ -7513,24 +8069,24 @@
               </a:tabLst>
             </a:pPr>
             <a:r>
-              <a:rPr lang="it-IT" sz="1200" kern="0" dirty="0">
+              <a:rPr lang="it-IT" sz="2200" kern="0" dirty="0">
                 <a:solidFill>
                   <a:srgbClr val="1F2328"/>
                 </a:solidFill>
                 <a:effectLst/>
                 <a:latin typeface="Calibri Light" panose="020F0302020204030204" pitchFamily="34" charset="0"/>
-                <a:ea typeface="Times New Roman" panose="02020603050405020304" pitchFamily="18" charset="0"/>
-                <a:cs typeface="Times New Roman" panose="02020603050405020304" pitchFamily="18" charset="0"/>
+                <a:ea typeface="Calibri Light" panose="020F0302020204030204" pitchFamily="34" charset="0"/>
+                <a:cs typeface="Calibri Light" panose="020F0302020204030204" pitchFamily="34" charset="0"/>
               </a:rPr>
               <a:t>Possibilità di modifica di una scheda già esistente</a:t>
             </a:r>
-            <a:endParaRPr lang="it-IT" sz="2000" kern="0" dirty="0">
+            <a:endParaRPr lang="it-IT" sz="2200" kern="0" dirty="0">
               <a:solidFill>
                 <a:srgbClr val="1F2328"/>
               </a:solidFill>
               <a:latin typeface="Calibri Light" panose="020F0302020204030204" pitchFamily="34" charset="0"/>
-              <a:ea typeface="Times New Roman" panose="02020603050405020304" pitchFamily="18" charset="0"/>
-              <a:cs typeface="Times New Roman" panose="02020603050405020304" pitchFamily="18" charset="0"/>
+              <a:ea typeface="Calibri Light" panose="020F0302020204030204" pitchFamily="34" charset="0"/>
+              <a:cs typeface="Calibri Light" panose="020F0302020204030204" pitchFamily="34" charset="0"/>
             </a:endParaRPr>
           </a:p>
           <a:p>
@@ -7552,13 +8108,14 @@
               </a:tabLst>
             </a:pPr>
             <a:r>
-              <a:rPr lang="it-IT" sz="1100" kern="0" dirty="0">
+              <a:rPr lang="it-IT" sz="2200" kern="0" dirty="0">
                 <a:solidFill>
                   <a:srgbClr val="1F2328"/>
                 </a:solidFill>
                 <a:effectLst/>
                 <a:latin typeface="Calibri Light" panose="020F0302020204030204" pitchFamily="34" charset="0"/>
-                <a:ea typeface="Times New Roman" panose="02020603050405020304" pitchFamily="18" charset="0"/>
+                <a:ea typeface="Calibri Light" panose="020F0302020204030204" pitchFamily="34" charset="0"/>
+                <a:cs typeface="Calibri Light" panose="020F0302020204030204" pitchFamily="34" charset="0"/>
               </a:rPr>
               <a:t>Selezione del tipo di allenamento(cardio/pesistica)</a:t>
             </a:r>
@@ -7582,25 +8139,25 @@
               </a:tabLst>
             </a:pPr>
             <a:r>
-              <a:rPr lang="it-IT" sz="1100" kern="0" dirty="0">
+              <a:rPr lang="it-IT" sz="2200" kern="0" dirty="0">
                 <a:solidFill>
                   <a:srgbClr val="1F2328"/>
                 </a:solidFill>
                 <a:effectLst/>
                 <a:latin typeface="Calibri Light" panose="020F0302020204030204" pitchFamily="34" charset="0"/>
-                <a:ea typeface="Times New Roman" panose="02020603050405020304" pitchFamily="18" charset="0"/>
-                <a:cs typeface="Times New Roman" panose="02020603050405020304" pitchFamily="18" charset="0"/>
+                <a:ea typeface="Calibri Light" panose="020F0302020204030204" pitchFamily="34" charset="0"/>
+                <a:cs typeface="Calibri Light" panose="020F0302020204030204" pitchFamily="34" charset="0"/>
               </a:rPr>
               <a:t>Ampia selezione dei vari esercizi</a:t>
             </a:r>
-            <a:endParaRPr lang="it-IT" sz="1100" kern="100" dirty="0">
+            <a:endParaRPr lang="it-IT" sz="2200" kern="100" dirty="0">
               <a:solidFill>
                 <a:srgbClr val="1F2328"/>
               </a:solidFill>
               <a:effectLst/>
-              <a:latin typeface="Calibri" panose="020F0502020204030204" pitchFamily="34" charset="0"/>
-              <a:ea typeface="Calibri" panose="020F0502020204030204" pitchFamily="34" charset="0"/>
-              <a:cs typeface="Times New Roman" panose="02020603050405020304" pitchFamily="18" charset="0"/>
+              <a:latin typeface="Calibri Light" panose="020F0302020204030204" pitchFamily="34" charset="0"/>
+              <a:ea typeface="Calibri Light" panose="020F0302020204030204" pitchFamily="34" charset="0"/>
+              <a:cs typeface="Calibri Light" panose="020F0302020204030204" pitchFamily="34" charset="0"/>
             </a:endParaRPr>
           </a:p>
           <a:p>
@@ -7621,14 +8178,14 @@
                 <a:tab pos="914400" algn="l"/>
               </a:tabLst>
             </a:pPr>
-            <a:endParaRPr lang="it-IT" sz="1100" kern="100" dirty="0">
+            <a:endParaRPr lang="it-IT" sz="2200" kern="100" dirty="0">
               <a:solidFill>
                 <a:srgbClr val="1F2328"/>
               </a:solidFill>
               <a:effectLst/>
-              <a:latin typeface="Calibri" panose="020F0502020204030204" pitchFamily="34" charset="0"/>
-              <a:ea typeface="Calibri" panose="020F0502020204030204" pitchFamily="34" charset="0"/>
-              <a:cs typeface="Times New Roman" panose="02020603050405020304" pitchFamily="18" charset="0"/>
+              <a:latin typeface="Calibri Light" panose="020F0302020204030204" pitchFamily="34" charset="0"/>
+              <a:ea typeface="Calibri Light" panose="020F0302020204030204" pitchFamily="34" charset="0"/>
+              <a:cs typeface="Calibri Light" panose="020F0302020204030204" pitchFamily="34" charset="0"/>
             </a:endParaRPr>
           </a:p>
         </p:txBody>
@@ -7681,11 +8238,13 @@
         </p:nvSpPr>
         <p:spPr/>
         <p:txBody>
-          <a:bodyPr/>
+          <a:bodyPr>
+            <a:normAutofit/>
+          </a:bodyPr>
           <a:lstStyle/>
           <a:p>
             <a:r>
-              <a:rPr lang="it-IT" dirty="0"/>
+              <a:rPr lang="it-IT" sz="5000" b="1" dirty="0"/>
               <a:t>Requisiti</a:t>
             </a:r>
           </a:p>
@@ -7707,9 +8266,16 @@
             <p:ph idx="1"/>
           </p:nvPr>
         </p:nvSpPr>
-        <p:spPr/>
-        <p:txBody>
-          <a:bodyPr/>
+        <p:spPr>
+          <a:xfrm>
+            <a:off x="923730" y="1825625"/>
+            <a:ext cx="10430069" cy="4771118"/>
+          </a:xfrm>
+        </p:spPr>
+        <p:txBody>
+          <a:bodyPr>
+            <a:noAutofit/>
+          </a:bodyPr>
           <a:lstStyle/>
           <a:p>
             <a:pPr marL="0" lvl="0" indent="0">
@@ -7729,61 +8295,61 @@
               </a:tabLst>
             </a:pPr>
             <a:r>
-              <a:rPr lang="it-IT" sz="1200" b="1" kern="0" dirty="0" err="1">
+              <a:rPr lang="it-IT" sz="2200" b="1" kern="0" dirty="0" err="1">
                 <a:solidFill>
                   <a:srgbClr val="1F2328"/>
                 </a:solidFill>
                 <a:effectLst/>
                 <a:latin typeface="Calibri Light" panose="020F0302020204030204" pitchFamily="34" charset="0"/>
-                <a:ea typeface="Times New Roman" panose="02020603050405020304" pitchFamily="18" charset="0"/>
-                <a:cs typeface="Times New Roman" panose="02020603050405020304" pitchFamily="18" charset="0"/>
+                <a:ea typeface="Calibri Light" panose="020F0302020204030204" pitchFamily="34" charset="0"/>
+                <a:cs typeface="Calibri Light" panose="020F0302020204030204" pitchFamily="34" charset="0"/>
               </a:rPr>
               <a:t>Could</a:t>
             </a:r>
             <a:r>
-              <a:rPr lang="it-IT" sz="1200" b="1" kern="0" dirty="0">
+              <a:rPr lang="it-IT" sz="2200" b="1" kern="0" dirty="0">
                 <a:solidFill>
                   <a:srgbClr val="1F2328"/>
                 </a:solidFill>
                 <a:effectLst/>
                 <a:latin typeface="Calibri Light" panose="020F0302020204030204" pitchFamily="34" charset="0"/>
-                <a:ea typeface="Times New Roman" panose="02020603050405020304" pitchFamily="18" charset="0"/>
-                <a:cs typeface="Times New Roman" panose="02020603050405020304" pitchFamily="18" charset="0"/>
+                <a:ea typeface="Calibri Light" panose="020F0302020204030204" pitchFamily="34" charset="0"/>
+                <a:cs typeface="Calibri Light" panose="020F0302020204030204" pitchFamily="34" charset="0"/>
               </a:rPr>
               <a:t> </a:t>
             </a:r>
             <a:r>
-              <a:rPr lang="it-IT" sz="1200" b="1" kern="0" dirty="0" err="1">
+              <a:rPr lang="it-IT" sz="2200" b="1" kern="0" dirty="0" err="1">
                 <a:solidFill>
                   <a:srgbClr val="1F2328"/>
                 </a:solidFill>
                 <a:effectLst/>
                 <a:latin typeface="Calibri Light" panose="020F0302020204030204" pitchFamily="34" charset="0"/>
-                <a:ea typeface="Times New Roman" panose="02020603050405020304" pitchFamily="18" charset="0"/>
-                <a:cs typeface="Times New Roman" panose="02020603050405020304" pitchFamily="18" charset="0"/>
+                <a:ea typeface="Calibri Light" panose="020F0302020204030204" pitchFamily="34" charset="0"/>
+                <a:cs typeface="Calibri Light" panose="020F0302020204030204" pitchFamily="34" charset="0"/>
               </a:rPr>
               <a:t>have</a:t>
             </a:r>
             <a:r>
-              <a:rPr lang="it-IT" sz="1200" kern="0" dirty="0">
+              <a:rPr lang="it-IT" sz="2200" kern="0" dirty="0">
                 <a:solidFill>
                   <a:srgbClr val="1F2328"/>
                 </a:solidFill>
                 <a:effectLst/>
                 <a:latin typeface="Calibri Light" panose="020F0302020204030204" pitchFamily="34" charset="0"/>
-                <a:ea typeface="Times New Roman" panose="02020603050405020304" pitchFamily="18" charset="0"/>
-                <a:cs typeface="Times New Roman" panose="02020603050405020304" pitchFamily="18" charset="0"/>
+                <a:ea typeface="Calibri Light" panose="020F0302020204030204" pitchFamily="34" charset="0"/>
+                <a:cs typeface="Calibri Light" panose="020F0302020204030204" pitchFamily="34" charset="0"/>
               </a:rPr>
               <a:t>:</a:t>
             </a:r>
-            <a:endParaRPr lang="it-IT" sz="1100" kern="100" dirty="0">
+            <a:endParaRPr lang="it-IT" sz="2200" kern="100" dirty="0">
               <a:solidFill>
                 <a:srgbClr val="1F2328"/>
               </a:solidFill>
               <a:effectLst/>
-              <a:latin typeface="Calibri" panose="020F0502020204030204" pitchFamily="34" charset="0"/>
-              <a:ea typeface="Calibri" panose="020F0502020204030204" pitchFamily="34" charset="0"/>
-              <a:cs typeface="Times New Roman" panose="02020603050405020304" pitchFamily="18" charset="0"/>
+              <a:latin typeface="Calibri Light" panose="020F0302020204030204" pitchFamily="34" charset="0"/>
+              <a:ea typeface="Calibri Light" panose="020F0302020204030204" pitchFamily="34" charset="0"/>
+              <a:cs typeface="Calibri Light" panose="020F0302020204030204" pitchFamily="34" charset="0"/>
             </a:endParaRPr>
           </a:p>
           <a:p>
@@ -7805,25 +8371,25 @@
               </a:tabLst>
             </a:pPr>
             <a:r>
-              <a:rPr lang="it-IT" sz="1200" kern="0" dirty="0">
+              <a:rPr lang="it-IT" sz="2200" kern="0" dirty="0">
                 <a:solidFill>
                   <a:srgbClr val="1F2328"/>
                 </a:solidFill>
                 <a:effectLst/>
                 <a:latin typeface="Calibri Light" panose="020F0302020204030204" pitchFamily="34" charset="0"/>
-                <a:ea typeface="Times New Roman" panose="02020603050405020304" pitchFamily="18" charset="0"/>
-                <a:cs typeface="Times New Roman" panose="02020603050405020304" pitchFamily="18" charset="0"/>
+                <a:ea typeface="Calibri Light" panose="020F0302020204030204" pitchFamily="34" charset="0"/>
+                <a:cs typeface="Calibri Light" panose="020F0302020204030204" pitchFamily="34" charset="0"/>
               </a:rPr>
               <a:t>Guida all’uso dell’applicazione</a:t>
             </a:r>
-            <a:endParaRPr lang="it-IT" sz="1100" kern="100" dirty="0">
+            <a:endParaRPr lang="it-IT" sz="2200" kern="100" dirty="0">
               <a:solidFill>
                 <a:srgbClr val="1F2328"/>
               </a:solidFill>
               <a:effectLst/>
-              <a:latin typeface="Calibri" panose="020F0502020204030204" pitchFamily="34" charset="0"/>
-              <a:ea typeface="Calibri" panose="020F0502020204030204" pitchFamily="34" charset="0"/>
-              <a:cs typeface="Times New Roman" panose="02020603050405020304" pitchFamily="18" charset="0"/>
+              <a:latin typeface="Calibri Light" panose="020F0302020204030204" pitchFamily="34" charset="0"/>
+              <a:ea typeface="Calibri Light" panose="020F0302020204030204" pitchFamily="34" charset="0"/>
+              <a:cs typeface="Calibri Light" panose="020F0302020204030204" pitchFamily="34" charset="0"/>
             </a:endParaRPr>
           </a:p>
           <a:p>
@@ -7845,37 +8411,37 @@
               </a:tabLst>
             </a:pPr>
             <a:r>
-              <a:rPr lang="it-IT" sz="1200" kern="0" dirty="0" err="1">
+              <a:rPr lang="it-IT" sz="2200" kern="0" dirty="0" err="1">
                 <a:solidFill>
                   <a:srgbClr val="1F2328"/>
                 </a:solidFill>
                 <a:effectLst/>
                 <a:latin typeface="Calibri Light" panose="020F0302020204030204" pitchFamily="34" charset="0"/>
-                <a:ea typeface="Times New Roman" panose="02020603050405020304" pitchFamily="18" charset="0"/>
-                <a:cs typeface="Times New Roman" panose="02020603050405020304" pitchFamily="18" charset="0"/>
+                <a:ea typeface="Calibri Light" panose="020F0302020204030204" pitchFamily="34" charset="0"/>
+                <a:cs typeface="Calibri Light" panose="020F0302020204030204" pitchFamily="34" charset="0"/>
               </a:rPr>
               <a:t>Timeout</a:t>
             </a:r>
             <a:r>
-              <a:rPr lang="it-IT" sz="1200" kern="0" dirty="0">
+              <a:rPr lang="it-IT" sz="2200" kern="0" dirty="0">
                 <a:solidFill>
                   <a:srgbClr val="1F2328"/>
                 </a:solidFill>
                 <a:effectLst/>
                 <a:latin typeface="Calibri Light" panose="020F0302020204030204" pitchFamily="34" charset="0"/>
-                <a:ea typeface="Times New Roman" panose="02020603050405020304" pitchFamily="18" charset="0"/>
-                <a:cs typeface="Times New Roman" panose="02020603050405020304" pitchFamily="18" charset="0"/>
+                <a:ea typeface="Calibri Light" panose="020F0302020204030204" pitchFamily="34" charset="0"/>
+                <a:cs typeface="Calibri Light" panose="020F0302020204030204" pitchFamily="34" charset="0"/>
               </a:rPr>
               <a:t> della durata delle schede di allenamento</a:t>
             </a:r>
-            <a:endParaRPr lang="it-IT" sz="1100" kern="100" dirty="0">
+            <a:endParaRPr lang="it-IT" sz="2200" kern="100" dirty="0">
               <a:solidFill>
                 <a:srgbClr val="1F2328"/>
               </a:solidFill>
               <a:effectLst/>
-              <a:latin typeface="Calibri" panose="020F0502020204030204" pitchFamily="34" charset="0"/>
-              <a:ea typeface="Calibri" panose="020F0502020204030204" pitchFamily="34" charset="0"/>
-              <a:cs typeface="Times New Roman" panose="02020603050405020304" pitchFamily="18" charset="0"/>
+              <a:latin typeface="Calibri Light" panose="020F0302020204030204" pitchFamily="34" charset="0"/>
+              <a:ea typeface="Calibri Light" panose="020F0302020204030204" pitchFamily="34" charset="0"/>
+              <a:cs typeface="Calibri Light" panose="020F0302020204030204" pitchFamily="34" charset="0"/>
             </a:endParaRPr>
           </a:p>
           <a:p>
@@ -7896,61 +8462,61 @@
               </a:tabLst>
             </a:pPr>
             <a:r>
-              <a:rPr lang="it-IT" sz="1200" b="1" kern="0" dirty="0" err="1">
+              <a:rPr lang="it-IT" sz="2200" b="1" kern="0" dirty="0" err="1">
                 <a:solidFill>
                   <a:srgbClr val="1F2328"/>
                 </a:solidFill>
                 <a:effectLst/>
                 <a:latin typeface="Calibri Light" panose="020F0302020204030204" pitchFamily="34" charset="0"/>
-                <a:ea typeface="Times New Roman" panose="02020603050405020304" pitchFamily="18" charset="0"/>
-                <a:cs typeface="Times New Roman" panose="02020603050405020304" pitchFamily="18" charset="0"/>
+                <a:ea typeface="Calibri Light" panose="020F0302020204030204" pitchFamily="34" charset="0"/>
+                <a:cs typeface="Calibri Light" panose="020F0302020204030204" pitchFamily="34" charset="0"/>
               </a:rPr>
               <a:t>Won't</a:t>
             </a:r>
             <a:r>
-              <a:rPr lang="it-IT" sz="1200" b="1" kern="0" dirty="0">
+              <a:rPr lang="it-IT" sz="2200" b="1" kern="0" dirty="0">
                 <a:solidFill>
                   <a:srgbClr val="1F2328"/>
                 </a:solidFill>
                 <a:effectLst/>
                 <a:latin typeface="Calibri Light" panose="020F0302020204030204" pitchFamily="34" charset="0"/>
-                <a:ea typeface="Times New Roman" panose="02020603050405020304" pitchFamily="18" charset="0"/>
-                <a:cs typeface="Times New Roman" panose="02020603050405020304" pitchFamily="18" charset="0"/>
+                <a:ea typeface="Calibri Light" panose="020F0302020204030204" pitchFamily="34" charset="0"/>
+                <a:cs typeface="Calibri Light" panose="020F0302020204030204" pitchFamily="34" charset="0"/>
               </a:rPr>
               <a:t> </a:t>
             </a:r>
             <a:r>
-              <a:rPr lang="it-IT" sz="1200" b="1" kern="0" dirty="0" err="1">
+              <a:rPr lang="it-IT" sz="2200" b="1" kern="0" dirty="0" err="1">
                 <a:solidFill>
                   <a:srgbClr val="1F2328"/>
                 </a:solidFill>
                 <a:effectLst/>
                 <a:latin typeface="Calibri Light" panose="020F0302020204030204" pitchFamily="34" charset="0"/>
-                <a:ea typeface="Times New Roman" panose="02020603050405020304" pitchFamily="18" charset="0"/>
-                <a:cs typeface="Times New Roman" panose="02020603050405020304" pitchFamily="18" charset="0"/>
+                <a:ea typeface="Calibri Light" panose="020F0302020204030204" pitchFamily="34" charset="0"/>
+                <a:cs typeface="Calibri Light" panose="020F0302020204030204" pitchFamily="34" charset="0"/>
               </a:rPr>
               <a:t>have</a:t>
             </a:r>
             <a:r>
-              <a:rPr lang="it-IT" sz="1200" kern="0" dirty="0">
+              <a:rPr lang="it-IT" sz="2200" kern="0" dirty="0">
                 <a:solidFill>
                   <a:srgbClr val="1F2328"/>
                 </a:solidFill>
                 <a:effectLst/>
                 <a:latin typeface="Calibri Light" panose="020F0302020204030204" pitchFamily="34" charset="0"/>
-                <a:ea typeface="Times New Roman" panose="02020603050405020304" pitchFamily="18" charset="0"/>
-                <a:cs typeface="Times New Roman" panose="02020603050405020304" pitchFamily="18" charset="0"/>
+                <a:ea typeface="Calibri Light" panose="020F0302020204030204" pitchFamily="34" charset="0"/>
+                <a:cs typeface="Calibri Light" panose="020F0302020204030204" pitchFamily="34" charset="0"/>
               </a:rPr>
               <a:t>:</a:t>
             </a:r>
-            <a:endParaRPr lang="it-IT" sz="1100" kern="100" dirty="0">
+            <a:endParaRPr lang="it-IT" sz="2200" kern="100" dirty="0">
               <a:solidFill>
                 <a:srgbClr val="1F2328"/>
               </a:solidFill>
               <a:effectLst/>
-              <a:latin typeface="Calibri" panose="020F0502020204030204" pitchFamily="34" charset="0"/>
-              <a:ea typeface="Calibri" panose="020F0502020204030204" pitchFamily="34" charset="0"/>
-              <a:cs typeface="Times New Roman" panose="02020603050405020304" pitchFamily="18" charset="0"/>
+              <a:latin typeface="Calibri Light" panose="020F0302020204030204" pitchFamily="34" charset="0"/>
+              <a:ea typeface="Calibri Light" panose="020F0302020204030204" pitchFamily="34" charset="0"/>
+              <a:cs typeface="Calibri Light" panose="020F0302020204030204" pitchFamily="34" charset="0"/>
             </a:endParaRPr>
           </a:p>
           <a:p>
@@ -7969,25 +8535,25 @@
               </a:tabLst>
             </a:pPr>
             <a:r>
-              <a:rPr lang="it-IT" sz="1200" kern="0" dirty="0">
+              <a:rPr lang="it-IT" sz="2200" kern="0" dirty="0">
                 <a:solidFill>
                   <a:srgbClr val="1F2328"/>
                 </a:solidFill>
                 <a:effectLst/>
                 <a:latin typeface="Calibri Light" panose="020F0302020204030204" pitchFamily="34" charset="0"/>
-                <a:ea typeface="Times New Roman" panose="02020603050405020304" pitchFamily="18" charset="0"/>
-                <a:cs typeface="Times New Roman" panose="02020603050405020304" pitchFamily="18" charset="0"/>
+                <a:ea typeface="Calibri Light" panose="020F0302020204030204" pitchFamily="34" charset="0"/>
+                <a:cs typeface="Calibri Light" panose="020F0302020204030204" pitchFamily="34" charset="0"/>
               </a:rPr>
               <a:t>Impostazioni per modificare la grafica</a:t>
             </a:r>
-            <a:endParaRPr lang="it-IT" sz="1100" kern="100" dirty="0">
+            <a:endParaRPr lang="it-IT" sz="2200" kern="100" dirty="0">
               <a:solidFill>
                 <a:srgbClr val="1F2328"/>
               </a:solidFill>
               <a:effectLst/>
-              <a:latin typeface="Calibri" panose="020F0502020204030204" pitchFamily="34" charset="0"/>
-              <a:ea typeface="Calibri" panose="020F0502020204030204" pitchFamily="34" charset="0"/>
-              <a:cs typeface="Times New Roman" panose="02020603050405020304" pitchFamily="18" charset="0"/>
+              <a:latin typeface="Calibri Light" panose="020F0302020204030204" pitchFamily="34" charset="0"/>
+              <a:ea typeface="Calibri Light" panose="020F0302020204030204" pitchFamily="34" charset="0"/>
+              <a:cs typeface="Calibri Light" panose="020F0302020204030204" pitchFamily="34" charset="0"/>
             </a:endParaRPr>
           </a:p>
           <a:p>
@@ -8006,25 +8572,25 @@
               </a:tabLst>
             </a:pPr>
             <a:r>
-              <a:rPr lang="it-IT" sz="1200" kern="0" dirty="0">
+              <a:rPr lang="it-IT" sz="2200" kern="0" dirty="0">
                 <a:solidFill>
                   <a:srgbClr val="1F2328"/>
                 </a:solidFill>
                 <a:effectLst/>
                 <a:latin typeface="Calibri Light" panose="020F0302020204030204" pitchFamily="34" charset="0"/>
-                <a:ea typeface="Times New Roman" panose="02020603050405020304" pitchFamily="18" charset="0"/>
-                <a:cs typeface="Times New Roman" panose="02020603050405020304" pitchFamily="18" charset="0"/>
+                <a:ea typeface="Calibri Light" panose="020F0302020204030204" pitchFamily="34" charset="0"/>
+                <a:cs typeface="Calibri Light" panose="020F0302020204030204" pitchFamily="34" charset="0"/>
               </a:rPr>
               <a:t>Condivisione dei dati con altri utenti/personal trainer</a:t>
             </a:r>
-            <a:endParaRPr lang="it-IT" sz="1100" kern="100" dirty="0">
+            <a:endParaRPr lang="it-IT" sz="2200" kern="100" dirty="0">
               <a:solidFill>
                 <a:srgbClr val="1F2328"/>
               </a:solidFill>
               <a:effectLst/>
-              <a:latin typeface="Calibri" panose="020F0502020204030204" pitchFamily="34" charset="0"/>
-              <a:ea typeface="Calibri" panose="020F0502020204030204" pitchFamily="34" charset="0"/>
-              <a:cs typeface="Times New Roman" panose="02020603050405020304" pitchFamily="18" charset="0"/>
+              <a:latin typeface="Calibri Light" panose="020F0302020204030204" pitchFamily="34" charset="0"/>
+              <a:ea typeface="Calibri Light" panose="020F0302020204030204" pitchFamily="34" charset="0"/>
+              <a:cs typeface="Calibri Light" panose="020F0302020204030204" pitchFamily="34" charset="0"/>
             </a:endParaRPr>
           </a:p>
           <a:p>
@@ -8046,14 +8612,14 @@
               </a:tabLst>
             </a:pPr>
             <a:r>
-              <a:rPr lang="it-IT" sz="1200" kern="0" dirty="0">
+              <a:rPr lang="it-IT" sz="2200" kern="0" dirty="0">
                 <a:solidFill>
                   <a:srgbClr val="1F2328"/>
                 </a:solidFill>
                 <a:effectLst/>
                 <a:latin typeface="Calibri Light" panose="020F0302020204030204" pitchFamily="34" charset="0"/>
-                <a:ea typeface="Times New Roman" panose="02020603050405020304" pitchFamily="18" charset="0"/>
-                <a:cs typeface="Times New Roman" panose="02020603050405020304" pitchFamily="18" charset="0"/>
+                <a:ea typeface="Calibri Light" panose="020F0302020204030204" pitchFamily="34" charset="0"/>
+                <a:cs typeface="Calibri Light" panose="020F0302020204030204" pitchFamily="34" charset="0"/>
               </a:rPr>
               <a:t>Autenticazione tramite impronta digitale</a:t>
             </a:r>
@@ -8077,14 +8643,14 @@
               </a:tabLst>
             </a:pPr>
             <a:r>
-              <a:rPr lang="it-IT" sz="1100" kern="0" dirty="0">
+              <a:rPr lang="it-IT" sz="2200" kern="0" dirty="0">
                 <a:solidFill>
                   <a:srgbClr val="1F2328"/>
                 </a:solidFill>
                 <a:effectLst/>
                 <a:latin typeface="Calibri Light" panose="020F0302020204030204" pitchFamily="34" charset="0"/>
-                <a:ea typeface="Times New Roman" panose="02020603050405020304" pitchFamily="18" charset="0"/>
-                <a:cs typeface="Times New Roman" panose="02020603050405020304" pitchFamily="18" charset="0"/>
+                <a:ea typeface="Calibri Light" panose="020F0302020204030204" pitchFamily="34" charset="0"/>
+                <a:cs typeface="Calibri Light" panose="020F0302020204030204" pitchFamily="34" charset="0"/>
               </a:rPr>
               <a:t>Traduzione in altre lingue</a:t>
             </a:r>
@@ -8108,25 +8674,25 @@
               </a:tabLst>
             </a:pPr>
             <a:r>
-              <a:rPr lang="it-IT" sz="1050" kern="0" dirty="0">
+              <a:rPr lang="it-IT" sz="2200" kern="0" dirty="0">
                 <a:solidFill>
                   <a:srgbClr val="1F2328"/>
                 </a:solidFill>
                 <a:effectLst/>
                 <a:latin typeface="Calibri Light" panose="020F0302020204030204" pitchFamily="34" charset="0"/>
-                <a:ea typeface="Times New Roman" panose="02020603050405020304" pitchFamily="18" charset="0"/>
-                <a:cs typeface="Times New Roman" panose="02020603050405020304" pitchFamily="18" charset="0"/>
+                <a:ea typeface="Calibri Light" panose="020F0302020204030204" pitchFamily="34" charset="0"/>
+                <a:cs typeface="Calibri Light" panose="020F0302020204030204" pitchFamily="34" charset="0"/>
               </a:rPr>
               <a:t>Grafica diversificata per le fasi giorno e notte</a:t>
             </a:r>
-            <a:endParaRPr lang="it-IT" sz="1000" kern="100" dirty="0">
+            <a:endParaRPr lang="it-IT" sz="2200" kern="100" dirty="0">
               <a:solidFill>
                 <a:srgbClr val="1F2328"/>
               </a:solidFill>
               <a:effectLst/>
-              <a:latin typeface="Calibri" panose="020F0502020204030204" pitchFamily="34" charset="0"/>
-              <a:ea typeface="Calibri" panose="020F0502020204030204" pitchFamily="34" charset="0"/>
-              <a:cs typeface="Times New Roman" panose="02020603050405020304" pitchFamily="18" charset="0"/>
+              <a:latin typeface="Calibri Light" panose="020F0302020204030204" pitchFamily="34" charset="0"/>
+              <a:ea typeface="Calibri Light" panose="020F0302020204030204" pitchFamily="34" charset="0"/>
+              <a:cs typeface="Calibri Light" panose="020F0302020204030204" pitchFamily="34" charset="0"/>
             </a:endParaRPr>
           </a:p>
           <a:p>
@@ -8147,14 +8713,14 @@
                 <a:tab pos="914400" algn="l"/>
               </a:tabLst>
             </a:pPr>
-            <a:endParaRPr lang="it-IT" sz="1050" kern="100" dirty="0">
+            <a:endParaRPr lang="it-IT" sz="2200" kern="100" dirty="0">
               <a:solidFill>
                 <a:srgbClr val="1F2328"/>
               </a:solidFill>
               <a:effectLst/>
-              <a:latin typeface="Calibri" panose="020F0502020204030204" pitchFamily="34" charset="0"/>
-              <a:ea typeface="Calibri" panose="020F0502020204030204" pitchFamily="34" charset="0"/>
-              <a:cs typeface="Times New Roman" panose="02020603050405020304" pitchFamily="18" charset="0"/>
+              <a:latin typeface="Calibri Light" panose="020F0302020204030204" pitchFamily="34" charset="0"/>
+              <a:ea typeface="Calibri Light" panose="020F0302020204030204" pitchFamily="34" charset="0"/>
+              <a:cs typeface="Calibri Light" panose="020F0302020204030204" pitchFamily="34" charset="0"/>
             </a:endParaRPr>
           </a:p>
           <a:p>
@@ -8175,21 +8741,25 @@
                 <a:tab pos="914400" algn="l"/>
               </a:tabLst>
             </a:pPr>
-            <a:endParaRPr lang="it-IT" sz="1100" kern="100" dirty="0">
+            <a:endParaRPr lang="it-IT" sz="2200" kern="100" dirty="0">
               <a:solidFill>
                 <a:srgbClr val="1F2328"/>
               </a:solidFill>
               <a:effectLst/>
-              <a:latin typeface="Calibri" panose="020F0502020204030204" pitchFamily="34" charset="0"/>
-              <a:ea typeface="Calibri" panose="020F0502020204030204" pitchFamily="34" charset="0"/>
-              <a:cs typeface="Times New Roman" panose="02020603050405020304" pitchFamily="18" charset="0"/>
+              <a:latin typeface="Calibri Light" panose="020F0302020204030204" pitchFamily="34" charset="0"/>
+              <a:ea typeface="Calibri Light" panose="020F0302020204030204" pitchFamily="34" charset="0"/>
+              <a:cs typeface="Calibri Light" panose="020F0302020204030204" pitchFamily="34" charset="0"/>
             </a:endParaRPr>
           </a:p>
           <a:p>
             <a:pPr marL="0" indent="0">
               <a:buNone/>
             </a:pPr>
-            <a:endParaRPr lang="it-IT" dirty="0"/>
+            <a:endParaRPr lang="it-IT" sz="2200" dirty="0">
+              <a:latin typeface="Calibri Light" panose="020F0302020204030204" pitchFamily="34" charset="0"/>
+              <a:ea typeface="Calibri Light" panose="020F0302020204030204" pitchFamily="34" charset="0"/>
+              <a:cs typeface="Calibri Light" panose="020F0302020204030204" pitchFamily="34" charset="0"/>
+            </a:endParaRPr>
           </a:p>
         </p:txBody>
       </p:sp>

--- a/docs/FITNESS APP (1).pptx
+++ b/docs/FITNESS APP (1).pptx
@@ -5,7 +5,7 @@
     <p:sldMasterId id="2147483648" r:id="rId1"/>
   </p:sldMasterIdLst>
   <p:notesMasterIdLst>
-    <p:notesMasterId r:id="rId21"/>
+    <p:notesMasterId r:id="rId22"/>
   </p:notesMasterIdLst>
   <p:sldIdLst>
     <p:sldId id="256" r:id="rId2"/>
@@ -25,8 +25,9 @@
     <p:sldId id="269" r:id="rId16"/>
     <p:sldId id="271" r:id="rId17"/>
     <p:sldId id="273" r:id="rId18"/>
-    <p:sldId id="270" r:id="rId19"/>
-    <p:sldId id="272" r:id="rId20"/>
+    <p:sldId id="275" r:id="rId19"/>
+    <p:sldId id="270" r:id="rId20"/>
+    <p:sldId id="272" r:id="rId21"/>
   </p:sldIdLst>
   <p:sldSz cx="12192000" cy="6858000"/>
   <p:notesSz cx="6858000" cy="9144000"/>
@@ -5906,7 +5907,7 @@
           <p:cNvPr id="2" name="Titolo 1">
             <a:extLst>
               <a:ext uri="{FF2B5EF4-FFF2-40B4-BE49-F238E27FC236}">
-                <a16:creationId xmlns:a16="http://schemas.microsoft.com/office/drawing/2014/main" id="{4D293AB7-5BE9-437C-22CB-7B8C17900EBE}"/>
+                <a16:creationId xmlns:a16="http://schemas.microsoft.com/office/drawing/2014/main" id="{39F57E19-1FD5-FA04-CA24-0612D9519C7D}"/>
               </a:ext>
             </a:extLst>
           </p:cNvPr>
@@ -5926,7 +5927,7 @@
           <a:p>
             <a:r>
               <a:rPr lang="it-IT" sz="5000" b="1" dirty="0"/>
-              <a:t>Testing</a:t>
+              <a:t>Demo</a:t>
             </a:r>
           </a:p>
         </p:txBody>
@@ -5936,7 +5937,7 @@
           <p:cNvPr id="3" name="Segnaposto contenuto 2">
             <a:extLst>
               <a:ext uri="{FF2B5EF4-FFF2-40B4-BE49-F238E27FC236}">
-                <a16:creationId xmlns:a16="http://schemas.microsoft.com/office/drawing/2014/main" id="{D0DEF06A-3CAE-AFCB-8570-F708E83A68F2}"/>
+                <a16:creationId xmlns:a16="http://schemas.microsoft.com/office/drawing/2014/main" id="{ACEF0662-8A45-D63E-4C6B-5ACD1A2A9494}"/>
               </a:ext>
             </a:extLst>
           </p:cNvPr>
@@ -5963,93 +5964,15 @@
                 <a:ea typeface="Calibri Light" panose="020F0302020204030204" pitchFamily="34" charset="0"/>
                 <a:cs typeface="Calibri Light" panose="020F0302020204030204" pitchFamily="34" charset="0"/>
               </a:rPr>
-              <a:t>Durante lo sviluppo il corretto funzionamento del codice è stato testato costantemente con test di esecuzione del programma per provare ad implementare le sue funzionalità.</a:t>
-            </a:r>
-          </a:p>
-          <a:p>
-            <a:pPr marL="0" indent="0">
-              <a:buNone/>
-            </a:pPr>
-            <a:r>
-              <a:rPr lang="it-IT" sz="2200" dirty="0">
-                <a:latin typeface="Calibri Light" panose="020F0302020204030204" pitchFamily="34" charset="0"/>
-                <a:ea typeface="Calibri Light" panose="020F0302020204030204" pitchFamily="34" charset="0"/>
-                <a:cs typeface="Calibri Light" panose="020F0302020204030204" pitchFamily="34" charset="0"/>
-              </a:rPr>
-              <a:t>Questo processo è stato aiutato particolarmente dalla scelta di inserire all'interno del codice un gran numero di messaggi di debug, i quali ci hanno avvisato in tempo reale nel momento in cui avviene una situazione di errore. </a:t>
-            </a:r>
-          </a:p>
-          <a:p>
-            <a:pPr marL="0" indent="0">
-              <a:buNone/>
-            </a:pPr>
-            <a:r>
-              <a:rPr lang="it-IT" sz="2200" dirty="0">
-                <a:latin typeface="Calibri Light" panose="020F0302020204030204" pitchFamily="34" charset="0"/>
-                <a:ea typeface="Calibri Light" panose="020F0302020204030204" pitchFamily="34" charset="0"/>
-                <a:cs typeface="Calibri Light" panose="020F0302020204030204" pitchFamily="34" charset="0"/>
-              </a:rPr>
-              <a:t>Una volta ottenuta una versione definitiva del </a:t>
-            </a:r>
-            <a:r>
-              <a:rPr lang="it-IT" sz="2200" dirty="0" err="1">
-                <a:latin typeface="Calibri Light" panose="020F0302020204030204" pitchFamily="34" charset="0"/>
-                <a:ea typeface="Calibri Light" panose="020F0302020204030204" pitchFamily="34" charset="0"/>
-                <a:cs typeface="Calibri Light" panose="020F0302020204030204" pitchFamily="34" charset="0"/>
-              </a:rPr>
-              <a:t>codice,il</a:t>
-            </a:r>
-            <a:r>
-              <a:rPr lang="it-IT" sz="2200" dirty="0">
-                <a:latin typeface="Calibri Light" panose="020F0302020204030204" pitchFamily="34" charset="0"/>
-                <a:ea typeface="Calibri Light" panose="020F0302020204030204" pitchFamily="34" charset="0"/>
-                <a:cs typeface="Calibri Light" panose="020F0302020204030204" pitchFamily="34" charset="0"/>
-              </a:rPr>
-              <a:t> team ha deciso di svolgere dei test automatici mediante l’utilizzo di </a:t>
-            </a:r>
-            <a:r>
-              <a:rPr lang="it-IT" sz="2200" dirty="0" err="1">
-                <a:latin typeface="Calibri Light" panose="020F0302020204030204" pitchFamily="34" charset="0"/>
-                <a:ea typeface="Calibri Light" panose="020F0302020204030204" pitchFamily="34" charset="0"/>
-                <a:cs typeface="Calibri Light" panose="020F0302020204030204" pitchFamily="34" charset="0"/>
-              </a:rPr>
-              <a:t>Junit</a:t>
-            </a:r>
-            <a:r>
-              <a:rPr lang="it-IT" sz="2200" dirty="0">
-                <a:latin typeface="Calibri Light" panose="020F0302020204030204" pitchFamily="34" charset="0"/>
-                <a:ea typeface="Calibri Light" panose="020F0302020204030204" pitchFamily="34" charset="0"/>
-                <a:cs typeface="Calibri Light" panose="020F0302020204030204" pitchFamily="34" charset="0"/>
-              </a:rPr>
-              <a:t>, per verificare il corretto funzionamento del codice anche in presenza di casi limite.</a:t>
-            </a:r>
-          </a:p>
-          <a:p>
-            <a:pPr marL="0" indent="0">
-              <a:buNone/>
-            </a:pPr>
-            <a:endParaRPr lang="it-IT" sz="2200" dirty="0">
-              <a:latin typeface="Calibri Light" panose="020F0302020204030204" pitchFamily="34" charset="0"/>
-              <a:ea typeface="Calibri Light" panose="020F0302020204030204" pitchFamily="34" charset="0"/>
-              <a:cs typeface="Calibri Light" panose="020F0302020204030204" pitchFamily="34" charset="0"/>
-            </a:endParaRPr>
-          </a:p>
-          <a:p>
-            <a:pPr marL="0" indent="0">
-              <a:buNone/>
-            </a:pPr>
-            <a:endParaRPr lang="it-IT" sz="2200" dirty="0">
-              <a:latin typeface="Calibri Light" panose="020F0302020204030204" pitchFamily="34" charset="0"/>
-              <a:ea typeface="Calibri Light" panose="020F0302020204030204" pitchFamily="34" charset="0"/>
-              <a:cs typeface="Calibri Light" panose="020F0302020204030204" pitchFamily="34" charset="0"/>
-            </a:endParaRPr>
+              <a:t>Come si può notare dalle immagini, l’applicazione fitness app cerca di mantenere una grafica semplice per ogni esigenza dell’utente.</a:t>
+            </a:r>
           </a:p>
         </p:txBody>
       </p:sp>
     </p:spTree>
     <p:extLst>
       <p:ext uri="{BB962C8B-B14F-4D97-AF65-F5344CB8AC3E}">
-        <p14:creationId xmlns:p14="http://schemas.microsoft.com/office/powerpoint/2010/main" val="4267920268"/>
+        <p14:creationId xmlns:p14="http://schemas.microsoft.com/office/powerpoint/2010/main" val="3303252403"/>
       </p:ext>
     </p:extLst>
   </p:cSld>
@@ -6081,7 +6004,7 @@
           <p:cNvPr id="2" name="Titolo 1">
             <a:extLst>
               <a:ext uri="{FF2B5EF4-FFF2-40B4-BE49-F238E27FC236}">
-                <a16:creationId xmlns:a16="http://schemas.microsoft.com/office/drawing/2014/main" id="{10295A9D-5007-1453-B5EE-39EFBBB4A970}"/>
+                <a16:creationId xmlns:a16="http://schemas.microsoft.com/office/drawing/2014/main" id="{4D293AB7-5BE9-437C-22CB-7B8C17900EBE}"/>
               </a:ext>
             </a:extLst>
           </p:cNvPr>
@@ -6111,7 +6034,7 @@
           <p:cNvPr id="3" name="Segnaposto contenuto 2">
             <a:extLst>
               <a:ext uri="{FF2B5EF4-FFF2-40B4-BE49-F238E27FC236}">
-                <a16:creationId xmlns:a16="http://schemas.microsoft.com/office/drawing/2014/main" id="{67B914FB-5826-B49C-D92A-A313CFCACFC6}"/>
+                <a16:creationId xmlns:a16="http://schemas.microsoft.com/office/drawing/2014/main" id="{D0DEF06A-3CAE-AFCB-8570-F708E83A68F2}"/>
               </a:ext>
             </a:extLst>
           </p:cNvPr>
@@ -6138,7 +6061,33 @@
                 <a:ea typeface="Calibri Light" panose="020F0302020204030204" pitchFamily="34" charset="0"/>
                 <a:cs typeface="Calibri Light" panose="020F0302020204030204" pitchFamily="34" charset="0"/>
               </a:rPr>
-              <a:t>Tramite </a:t>
+              <a:t>Durante lo sviluppo il corretto funzionamento del codice è stato testato costantemente con test di esecuzione del programma per provare ad implementare le sue funzionalità.</a:t>
+            </a:r>
+          </a:p>
+          <a:p>
+            <a:pPr marL="0" indent="0">
+              <a:buNone/>
+            </a:pPr>
+            <a:r>
+              <a:rPr lang="it-IT" sz="2200" dirty="0">
+                <a:latin typeface="Calibri Light" panose="020F0302020204030204" pitchFamily="34" charset="0"/>
+                <a:ea typeface="Calibri Light" panose="020F0302020204030204" pitchFamily="34" charset="0"/>
+                <a:cs typeface="Calibri Light" panose="020F0302020204030204" pitchFamily="34" charset="0"/>
+              </a:rPr>
+              <a:t>Questo processo è stato aiutato particolarmente dalla scelta di inserire all'interno del codice un gran numero di messaggi di debug, i quali ci hanno avvisato in tempo reale nel momento in cui avviene una situazione di errore. </a:t>
+            </a:r>
+          </a:p>
+          <a:p>
+            <a:pPr marL="0" indent="0">
+              <a:buNone/>
+            </a:pPr>
+            <a:r>
+              <a:rPr lang="it-IT" sz="2200" dirty="0">
+                <a:latin typeface="Calibri Light" panose="020F0302020204030204" pitchFamily="34" charset="0"/>
+                <a:ea typeface="Calibri Light" panose="020F0302020204030204" pitchFamily="34" charset="0"/>
+                <a:cs typeface="Calibri Light" panose="020F0302020204030204" pitchFamily="34" charset="0"/>
+              </a:rPr>
+              <a:t>Una volta ottenuta una versione definitiva del </a:t>
             </a:r>
             <a:r>
               <a:rPr lang="it-IT" sz="2200" dirty="0" err="1">
@@ -6146,6 +6095,22 @@
                 <a:ea typeface="Calibri Light" panose="020F0302020204030204" pitchFamily="34" charset="0"/>
                 <a:cs typeface="Calibri Light" panose="020F0302020204030204" pitchFamily="34" charset="0"/>
               </a:rPr>
+              <a:t>codice,il</a:t>
+            </a:r>
+            <a:r>
+              <a:rPr lang="it-IT" sz="2200" dirty="0">
+                <a:latin typeface="Calibri Light" panose="020F0302020204030204" pitchFamily="34" charset="0"/>
+                <a:ea typeface="Calibri Light" panose="020F0302020204030204" pitchFamily="34" charset="0"/>
+                <a:cs typeface="Calibri Light" panose="020F0302020204030204" pitchFamily="34" charset="0"/>
+              </a:rPr>
+              <a:t> team ha deciso di svolgere dei test automatici mediante l’utilizzo di </a:t>
+            </a:r>
+            <a:r>
+              <a:rPr lang="it-IT" sz="2200" dirty="0" err="1">
+                <a:latin typeface="Calibri Light" panose="020F0302020204030204" pitchFamily="34" charset="0"/>
+                <a:ea typeface="Calibri Light" panose="020F0302020204030204" pitchFamily="34" charset="0"/>
+                <a:cs typeface="Calibri Light" panose="020F0302020204030204" pitchFamily="34" charset="0"/>
+              </a:rPr>
               <a:t>Junit</a:t>
             </a:r>
             <a:r>
@@ -6154,140 +6119,35 @@
                 <a:ea typeface="Calibri Light" panose="020F0302020204030204" pitchFamily="34" charset="0"/>
                 <a:cs typeface="Calibri Light" panose="020F0302020204030204" pitchFamily="34" charset="0"/>
               </a:rPr>
-              <a:t> abbiamo testato </a:t>
-            </a:r>
-            <a:r>
-              <a:rPr lang="it-IT" sz="2200" kern="0" dirty="0">
-                <a:solidFill>
-                  <a:srgbClr val="1F2328"/>
-                </a:solidFill>
-                <a:effectLst/>
-                <a:latin typeface="Calibri Light" panose="020F0302020204030204" pitchFamily="34" charset="0"/>
-                <a:ea typeface="Calibri Light" panose="020F0302020204030204" pitchFamily="34" charset="0"/>
-                <a:cs typeface="Calibri Light" panose="020F0302020204030204" pitchFamily="34" charset="0"/>
-              </a:rPr>
-              <a:t>i metodi per le modifiche, relativi agli oggetti esercizi, workout e alla classe Tempo, in modo da capire se effettivamente davano il risultato aspettato.</a:t>
+              <a:t>, per verificare il corretto funzionamento del codice anche in presenza di casi limite.</a:t>
             </a:r>
           </a:p>
           <a:p>
             <a:pPr marL="0" indent="0">
               <a:buNone/>
             </a:pPr>
-            <a:r>
-              <a:rPr lang="it-IT" sz="2200" kern="100" dirty="0">
-                <a:latin typeface="Calibri Light" panose="020F0302020204030204" pitchFamily="34" charset="0"/>
-                <a:ea typeface="Calibri Light" panose="020F0302020204030204" pitchFamily="34" charset="0"/>
-                <a:cs typeface="Calibri Light" panose="020F0302020204030204" pitchFamily="34" charset="0"/>
-              </a:rPr>
-              <a:t>All’inizio è stato difficile implementare i vari casi di test con </a:t>
-            </a:r>
-            <a:r>
-              <a:rPr lang="it-IT" sz="2200" kern="100" dirty="0" err="1">
-                <a:latin typeface="Calibri Light" panose="020F0302020204030204" pitchFamily="34" charset="0"/>
-                <a:ea typeface="Calibri Light" panose="020F0302020204030204" pitchFamily="34" charset="0"/>
-                <a:cs typeface="Calibri Light" panose="020F0302020204030204" pitchFamily="34" charset="0"/>
-              </a:rPr>
-              <a:t>Junit</a:t>
-            </a:r>
-            <a:r>
-              <a:rPr lang="it-IT" sz="2200" kern="100" dirty="0">
-                <a:latin typeface="Calibri Light" panose="020F0302020204030204" pitchFamily="34" charset="0"/>
-                <a:ea typeface="Calibri Light" panose="020F0302020204030204" pitchFamily="34" charset="0"/>
-                <a:cs typeface="Calibri Light" panose="020F0302020204030204" pitchFamily="34" charset="0"/>
-              </a:rPr>
-              <a:t>, i quali fornivano un errore quando avveniva una modifica da salvare all’interno del database i quali non eseguivano correttamente i </a:t>
-            </a:r>
-            <a:r>
-              <a:rPr lang="it-IT" sz="2200" kern="100" dirty="0" err="1">
-                <a:latin typeface="Calibri Light" panose="020F0302020204030204" pitchFamily="34" charset="0"/>
-                <a:ea typeface="Calibri Light" panose="020F0302020204030204" pitchFamily="34" charset="0"/>
-                <a:cs typeface="Calibri Light" panose="020F0302020204030204" pitchFamily="34" charset="0"/>
-              </a:rPr>
-              <a:t>medodi</a:t>
-            </a:r>
-            <a:r>
-              <a:rPr lang="it-IT" sz="2200" kern="100" dirty="0">
-                <a:latin typeface="Calibri Light" panose="020F0302020204030204" pitchFamily="34" charset="0"/>
-                <a:ea typeface="Calibri Light" panose="020F0302020204030204" pitchFamily="34" charset="0"/>
-                <a:cs typeface="Calibri Light" panose="020F0302020204030204" pitchFamily="34" charset="0"/>
-              </a:rPr>
-              <a:t> </a:t>
-            </a:r>
-            <a:r>
-              <a:rPr lang="it-IT" sz="2200" kern="100" dirty="0" err="1">
-                <a:latin typeface="Calibri Light" panose="020F0302020204030204" pitchFamily="34" charset="0"/>
-                <a:ea typeface="Calibri Light" panose="020F0302020204030204" pitchFamily="34" charset="0"/>
-                <a:cs typeface="Calibri Light" panose="020F0302020204030204" pitchFamily="34" charset="0"/>
-              </a:rPr>
-              <a:t>get</a:t>
-            </a:r>
-            <a:r>
-              <a:rPr lang="it-IT" sz="2200" kern="100" dirty="0">
-                <a:latin typeface="Calibri Light" panose="020F0302020204030204" pitchFamily="34" charset="0"/>
-                <a:ea typeface="Calibri Light" panose="020F0302020204030204" pitchFamily="34" charset="0"/>
-                <a:cs typeface="Calibri Light" panose="020F0302020204030204" pitchFamily="34" charset="0"/>
-              </a:rPr>
-              <a:t> e set.</a:t>
-            </a:r>
-          </a:p>
-          <a:p>
-            <a:pPr marL="0" indent="0">
-              <a:buNone/>
-            </a:pPr>
-            <a:r>
-              <a:rPr lang="it-IT" sz="2200" kern="100" dirty="0">
-                <a:effectLst/>
-                <a:latin typeface="Calibri Light" panose="020F0302020204030204" pitchFamily="34" charset="0"/>
-                <a:ea typeface="Calibri Light" panose="020F0302020204030204" pitchFamily="34" charset="0"/>
-                <a:cs typeface="Calibri Light" panose="020F0302020204030204" pitchFamily="34" charset="0"/>
-              </a:rPr>
-              <a:t>Successivamente cons</a:t>
-            </a:r>
-            <a:r>
-              <a:rPr lang="it-IT" sz="2200" kern="100" dirty="0">
-                <a:latin typeface="Calibri Light" panose="020F0302020204030204" pitchFamily="34" charset="0"/>
-                <a:ea typeface="Calibri Light" panose="020F0302020204030204" pitchFamily="34" charset="0"/>
-                <a:cs typeface="Calibri Light" panose="020F0302020204030204" pitchFamily="34" charset="0"/>
-              </a:rPr>
-              <a:t>ultando la documentazione online, siamo riusciti a ottenere i risultati desiderati dai vari test per i metodi di modifica, i quali tramite il comando </a:t>
-            </a:r>
-            <a:r>
-              <a:rPr lang="it-IT" sz="2200" kern="100" dirty="0" err="1">
-                <a:latin typeface="Calibri Light" panose="020F0302020204030204" pitchFamily="34" charset="0"/>
-                <a:ea typeface="Calibri Light" panose="020F0302020204030204" pitchFamily="34" charset="0"/>
-                <a:cs typeface="Calibri Light" panose="020F0302020204030204" pitchFamily="34" charset="0"/>
-              </a:rPr>
-              <a:t>AssertEquals</a:t>
-            </a:r>
-            <a:r>
-              <a:rPr lang="it-IT" sz="2200" kern="100" dirty="0">
-                <a:latin typeface="Calibri Light" panose="020F0302020204030204" pitchFamily="34" charset="0"/>
-                <a:ea typeface="Calibri Light" panose="020F0302020204030204" pitchFamily="34" charset="0"/>
-                <a:cs typeface="Calibri Light" panose="020F0302020204030204" pitchFamily="34" charset="0"/>
-              </a:rPr>
-              <a:t>() fornivano lo stesso valore tra quello appena modificato e quello atteso all’interno </a:t>
-            </a:r>
-            <a:r>
-              <a:rPr lang="it-IT" sz="2200" kern="100">
-                <a:latin typeface="Calibri Light" panose="020F0302020204030204" pitchFamily="34" charset="0"/>
-                <a:ea typeface="Calibri Light" panose="020F0302020204030204" pitchFamily="34" charset="0"/>
-                <a:cs typeface="Calibri Light" panose="020F0302020204030204" pitchFamily="34" charset="0"/>
-              </a:rPr>
-              <a:t>del database.</a:t>
-            </a:r>
-            <a:endParaRPr lang="it-IT" sz="2200" kern="100" dirty="0">
-              <a:effectLst/>
+            <a:endParaRPr lang="it-IT" sz="2200" dirty="0">
               <a:latin typeface="Calibri Light" panose="020F0302020204030204" pitchFamily="34" charset="0"/>
               <a:ea typeface="Calibri Light" panose="020F0302020204030204" pitchFamily="34" charset="0"/>
               <a:cs typeface="Calibri Light" panose="020F0302020204030204" pitchFamily="34" charset="0"/>
             </a:endParaRPr>
           </a:p>
+          <a:p>
+            <a:pPr marL="0" indent="0">
+              <a:buNone/>
+            </a:pPr>
+            <a:endParaRPr lang="it-IT" sz="2200" dirty="0">
+              <a:latin typeface="Calibri Light" panose="020F0302020204030204" pitchFamily="34" charset="0"/>
+              <a:ea typeface="Calibri Light" panose="020F0302020204030204" pitchFamily="34" charset="0"/>
+              <a:cs typeface="Calibri Light" panose="020F0302020204030204" pitchFamily="34" charset="0"/>
+            </a:endParaRPr>
+          </a:p>
         </p:txBody>
       </p:sp>
     </p:spTree>
     <p:extLst>
       <p:ext uri="{BB962C8B-B14F-4D97-AF65-F5344CB8AC3E}">
-        <p14:creationId xmlns:p14="http://schemas.microsoft.com/office/powerpoint/2010/main" val="3417583057"/>
+        <p14:creationId xmlns:p14="http://schemas.microsoft.com/office/powerpoint/2010/main" val="4267920268"/>
       </p:ext>
     </p:extLst>
   </p:cSld>
@@ -6450,6 +6310,244 @@
     <p:extLst>
       <p:ext uri="{BB962C8B-B14F-4D97-AF65-F5344CB8AC3E}">
         <p14:creationId xmlns:p14="http://schemas.microsoft.com/office/powerpoint/2010/main" val="3683130392"/>
+      </p:ext>
+    </p:extLst>
+  </p:cSld>
+  <p:clrMapOvr>
+    <a:masterClrMapping/>
+  </p:clrMapOvr>
+</p:sld>
+</file>
+
+<file path=ppt/slides/slide20.xml><?xml version="1.0" encoding="utf-8"?>
+<p:sld xmlns:a="http://schemas.openxmlformats.org/drawingml/2006/main" xmlns:r="http://schemas.openxmlformats.org/officeDocument/2006/relationships" xmlns:p="http://schemas.openxmlformats.org/presentationml/2006/main">
+  <p:cSld>
+    <p:spTree>
+      <p:nvGrpSpPr>
+        <p:cNvPr id="1" name=""/>
+        <p:cNvGrpSpPr/>
+        <p:nvPr/>
+      </p:nvGrpSpPr>
+      <p:grpSpPr>
+        <a:xfrm>
+          <a:off x="0" y="0"/>
+          <a:ext cx="0" cy="0"/>
+          <a:chOff x="0" y="0"/>
+          <a:chExt cx="0" cy="0"/>
+        </a:xfrm>
+      </p:grpSpPr>
+      <p:sp>
+        <p:nvSpPr>
+          <p:cNvPr id="2" name="Titolo 1">
+            <a:extLst>
+              <a:ext uri="{FF2B5EF4-FFF2-40B4-BE49-F238E27FC236}">
+                <a16:creationId xmlns:a16="http://schemas.microsoft.com/office/drawing/2014/main" id="{10295A9D-5007-1453-B5EE-39EFBBB4A970}"/>
+              </a:ext>
+            </a:extLst>
+          </p:cNvPr>
+          <p:cNvSpPr>
+            <a:spLocks noGrp="1"/>
+          </p:cNvSpPr>
+          <p:nvPr>
+            <p:ph type="title"/>
+          </p:nvPr>
+        </p:nvSpPr>
+        <p:spPr/>
+        <p:txBody>
+          <a:bodyPr>
+            <a:normAutofit/>
+          </a:bodyPr>
+          <a:lstStyle/>
+          <a:p>
+            <a:r>
+              <a:rPr lang="it-IT" sz="5000" b="1" dirty="0"/>
+              <a:t>Testing</a:t>
+            </a:r>
+          </a:p>
+        </p:txBody>
+      </p:sp>
+      <p:sp>
+        <p:nvSpPr>
+          <p:cNvPr id="3" name="Segnaposto contenuto 2">
+            <a:extLst>
+              <a:ext uri="{FF2B5EF4-FFF2-40B4-BE49-F238E27FC236}">
+                <a16:creationId xmlns:a16="http://schemas.microsoft.com/office/drawing/2014/main" id="{67B914FB-5826-B49C-D92A-A313CFCACFC6}"/>
+              </a:ext>
+            </a:extLst>
+          </p:cNvPr>
+          <p:cNvSpPr>
+            <a:spLocks noGrp="1"/>
+          </p:cNvSpPr>
+          <p:nvPr>
+            <p:ph idx="1"/>
+          </p:nvPr>
+        </p:nvSpPr>
+        <p:spPr/>
+        <p:txBody>
+          <a:bodyPr>
+            <a:normAutofit/>
+          </a:bodyPr>
+          <a:lstStyle/>
+          <a:p>
+            <a:pPr marL="0" indent="0">
+              <a:buNone/>
+            </a:pPr>
+            <a:r>
+              <a:rPr lang="it-IT" sz="2200" dirty="0">
+                <a:latin typeface="Calibri Light" panose="020F0302020204030204" pitchFamily="34" charset="0"/>
+                <a:ea typeface="Calibri Light" panose="020F0302020204030204" pitchFamily="34" charset="0"/>
+                <a:cs typeface="Calibri Light" panose="020F0302020204030204" pitchFamily="34" charset="0"/>
+              </a:rPr>
+              <a:t>Tramite </a:t>
+            </a:r>
+            <a:r>
+              <a:rPr lang="it-IT" sz="2200" dirty="0" err="1">
+                <a:latin typeface="Calibri Light" panose="020F0302020204030204" pitchFamily="34" charset="0"/>
+                <a:ea typeface="Calibri Light" panose="020F0302020204030204" pitchFamily="34" charset="0"/>
+                <a:cs typeface="Calibri Light" panose="020F0302020204030204" pitchFamily="34" charset="0"/>
+              </a:rPr>
+              <a:t>Junit</a:t>
+            </a:r>
+            <a:r>
+              <a:rPr lang="it-IT" sz="2200" dirty="0">
+                <a:latin typeface="Calibri Light" panose="020F0302020204030204" pitchFamily="34" charset="0"/>
+                <a:ea typeface="Calibri Light" panose="020F0302020204030204" pitchFamily="34" charset="0"/>
+                <a:cs typeface="Calibri Light" panose="020F0302020204030204" pitchFamily="34" charset="0"/>
+              </a:rPr>
+              <a:t> abbiamo testato </a:t>
+            </a:r>
+            <a:r>
+              <a:rPr lang="it-IT" sz="2200" kern="0" dirty="0">
+                <a:solidFill>
+                  <a:srgbClr val="1F2328"/>
+                </a:solidFill>
+                <a:effectLst/>
+                <a:latin typeface="Calibri Light" panose="020F0302020204030204" pitchFamily="34" charset="0"/>
+                <a:ea typeface="Calibri Light" panose="020F0302020204030204" pitchFamily="34" charset="0"/>
+                <a:cs typeface="Calibri Light" panose="020F0302020204030204" pitchFamily="34" charset="0"/>
+              </a:rPr>
+              <a:t>i metodi per le modifiche, relativi agli oggetti esercizi, workout e alla classe Tempo, in modo da capire se effettivamente davano il risultato aspettato.</a:t>
+            </a:r>
+          </a:p>
+          <a:p>
+            <a:pPr marL="0" indent="0">
+              <a:buNone/>
+            </a:pPr>
+            <a:r>
+              <a:rPr lang="it-IT" sz="2200" kern="100" dirty="0">
+                <a:latin typeface="Calibri Light" panose="020F0302020204030204" pitchFamily="34" charset="0"/>
+                <a:ea typeface="Calibri Light" panose="020F0302020204030204" pitchFamily="34" charset="0"/>
+                <a:cs typeface="Calibri Light" panose="020F0302020204030204" pitchFamily="34" charset="0"/>
+              </a:rPr>
+              <a:t>All’inizio è stato difficile implementare i vari casi di test con </a:t>
+            </a:r>
+            <a:r>
+              <a:rPr lang="it-IT" sz="2200" kern="100" dirty="0" err="1">
+                <a:latin typeface="Calibri Light" panose="020F0302020204030204" pitchFamily="34" charset="0"/>
+                <a:ea typeface="Calibri Light" panose="020F0302020204030204" pitchFamily="34" charset="0"/>
+                <a:cs typeface="Calibri Light" panose="020F0302020204030204" pitchFamily="34" charset="0"/>
+              </a:rPr>
+              <a:t>Junit</a:t>
+            </a:r>
+            <a:r>
+              <a:rPr lang="it-IT" sz="2200" kern="100" dirty="0">
+                <a:latin typeface="Calibri Light" panose="020F0302020204030204" pitchFamily="34" charset="0"/>
+                <a:ea typeface="Calibri Light" panose="020F0302020204030204" pitchFamily="34" charset="0"/>
+                <a:cs typeface="Calibri Light" panose="020F0302020204030204" pitchFamily="34" charset="0"/>
+              </a:rPr>
+              <a:t>, i quali fornivano un errore quando avveniva una modifica da salvare all’interno del database i quali non eseguivano correttamente i </a:t>
+            </a:r>
+            <a:r>
+              <a:rPr lang="it-IT" sz="2200" kern="100" dirty="0" err="1">
+                <a:latin typeface="Calibri Light" panose="020F0302020204030204" pitchFamily="34" charset="0"/>
+                <a:ea typeface="Calibri Light" panose="020F0302020204030204" pitchFamily="34" charset="0"/>
+                <a:cs typeface="Calibri Light" panose="020F0302020204030204" pitchFamily="34" charset="0"/>
+              </a:rPr>
+              <a:t>medodi</a:t>
+            </a:r>
+            <a:r>
+              <a:rPr lang="it-IT" sz="2200" kern="100" dirty="0">
+                <a:latin typeface="Calibri Light" panose="020F0302020204030204" pitchFamily="34" charset="0"/>
+                <a:ea typeface="Calibri Light" panose="020F0302020204030204" pitchFamily="34" charset="0"/>
+                <a:cs typeface="Calibri Light" panose="020F0302020204030204" pitchFamily="34" charset="0"/>
+              </a:rPr>
+              <a:t> </a:t>
+            </a:r>
+            <a:r>
+              <a:rPr lang="it-IT" sz="2200" kern="100" dirty="0" err="1">
+                <a:latin typeface="Calibri Light" panose="020F0302020204030204" pitchFamily="34" charset="0"/>
+                <a:ea typeface="Calibri Light" panose="020F0302020204030204" pitchFamily="34" charset="0"/>
+                <a:cs typeface="Calibri Light" panose="020F0302020204030204" pitchFamily="34" charset="0"/>
+              </a:rPr>
+              <a:t>get</a:t>
+            </a:r>
+            <a:r>
+              <a:rPr lang="it-IT" sz="2200" kern="100" dirty="0">
+                <a:latin typeface="Calibri Light" panose="020F0302020204030204" pitchFamily="34" charset="0"/>
+                <a:ea typeface="Calibri Light" panose="020F0302020204030204" pitchFamily="34" charset="0"/>
+                <a:cs typeface="Calibri Light" panose="020F0302020204030204" pitchFamily="34" charset="0"/>
+              </a:rPr>
+              <a:t> e set.</a:t>
+            </a:r>
+          </a:p>
+          <a:p>
+            <a:pPr marL="0" indent="0">
+              <a:buNone/>
+            </a:pPr>
+            <a:r>
+              <a:rPr lang="it-IT" sz="2200" kern="100" dirty="0">
+                <a:effectLst/>
+                <a:latin typeface="Calibri Light" panose="020F0302020204030204" pitchFamily="34" charset="0"/>
+                <a:ea typeface="Calibri Light" panose="020F0302020204030204" pitchFamily="34" charset="0"/>
+                <a:cs typeface="Calibri Light" panose="020F0302020204030204" pitchFamily="34" charset="0"/>
+              </a:rPr>
+              <a:t>Successivamente cons</a:t>
+            </a:r>
+            <a:r>
+              <a:rPr lang="it-IT" sz="2200" kern="100" dirty="0">
+                <a:latin typeface="Calibri Light" panose="020F0302020204030204" pitchFamily="34" charset="0"/>
+                <a:ea typeface="Calibri Light" panose="020F0302020204030204" pitchFamily="34" charset="0"/>
+                <a:cs typeface="Calibri Light" panose="020F0302020204030204" pitchFamily="34" charset="0"/>
+              </a:rPr>
+              <a:t>ultando la documentazione online, siamo riusciti a ottenere i risultati desiderati dai vari test per i metodi di modifica, i quali tramite il comando </a:t>
+            </a:r>
+            <a:r>
+              <a:rPr lang="it-IT" sz="2200" kern="100" dirty="0" err="1">
+                <a:latin typeface="Calibri Light" panose="020F0302020204030204" pitchFamily="34" charset="0"/>
+                <a:ea typeface="Calibri Light" panose="020F0302020204030204" pitchFamily="34" charset="0"/>
+                <a:cs typeface="Calibri Light" panose="020F0302020204030204" pitchFamily="34" charset="0"/>
+              </a:rPr>
+              <a:t>AssertEquals</a:t>
+            </a:r>
+            <a:r>
+              <a:rPr lang="it-IT" sz="2200" kern="100" dirty="0">
+                <a:latin typeface="Calibri Light" panose="020F0302020204030204" pitchFamily="34" charset="0"/>
+                <a:ea typeface="Calibri Light" panose="020F0302020204030204" pitchFamily="34" charset="0"/>
+                <a:cs typeface="Calibri Light" panose="020F0302020204030204" pitchFamily="34" charset="0"/>
+              </a:rPr>
+              <a:t>() fornivano lo stesso valore tra quello appena modificato e quello atteso all’interno </a:t>
+            </a:r>
+            <a:r>
+              <a:rPr lang="it-IT" sz="2200" kern="100">
+                <a:latin typeface="Calibri Light" panose="020F0302020204030204" pitchFamily="34" charset="0"/>
+                <a:ea typeface="Calibri Light" panose="020F0302020204030204" pitchFamily="34" charset="0"/>
+                <a:cs typeface="Calibri Light" panose="020F0302020204030204" pitchFamily="34" charset="0"/>
+              </a:rPr>
+              <a:t>del database.</a:t>
+            </a:r>
+            <a:endParaRPr lang="it-IT" sz="2200" kern="100" dirty="0">
+              <a:effectLst/>
+              <a:latin typeface="Calibri Light" panose="020F0302020204030204" pitchFamily="34" charset="0"/>
+              <a:ea typeface="Calibri Light" panose="020F0302020204030204" pitchFamily="34" charset="0"/>
+              <a:cs typeface="Calibri Light" panose="020F0302020204030204" pitchFamily="34" charset="0"/>
+            </a:endParaRPr>
+          </a:p>
+        </p:txBody>
+      </p:sp>
+    </p:spTree>
+    <p:extLst>
+      <p:ext uri="{BB962C8B-B14F-4D97-AF65-F5344CB8AC3E}">
+        <p14:creationId xmlns:p14="http://schemas.microsoft.com/office/powerpoint/2010/main" val="3417583057"/>
       </p:ext>
     </p:extLst>
   </p:cSld>
